--- a/Class Slides 2024/Class 23.pptx
+++ b/Class Slides 2024/Class 23.pptx
@@ -5,7 +5,7 @@
     <p:sldMasterId id="2147483648" r:id="rId1"/>
   </p:sldMasterIdLst>
   <p:notesMasterIdLst>
-    <p:notesMasterId r:id="rId13"/>
+    <p:notesMasterId r:id="rId22"/>
   </p:notesMasterIdLst>
   <p:sldIdLst>
     <p:sldId id="256" r:id="rId2"/>
@@ -18,7 +18,16 @@
     <p:sldId id="268" r:id="rId9"/>
     <p:sldId id="259" r:id="rId10"/>
     <p:sldId id="428" r:id="rId11"/>
-    <p:sldId id="258" r:id="rId12"/>
+    <p:sldId id="282" r:id="rId12"/>
+    <p:sldId id="811" r:id="rId13"/>
+    <p:sldId id="815" r:id="rId14"/>
+    <p:sldId id="816" r:id="rId15"/>
+    <p:sldId id="817" r:id="rId16"/>
+    <p:sldId id="819" r:id="rId17"/>
+    <p:sldId id="820" r:id="rId18"/>
+    <p:sldId id="822" r:id="rId19"/>
+    <p:sldId id="821" r:id="rId20"/>
+    <p:sldId id="258" r:id="rId21"/>
   </p:sldIdLst>
   <p:sldSz cx="12192000" cy="6858000"/>
   <p:notesSz cx="7102475" cy="9388475"/>
@@ -207,7 +216,7 @@
           <a:p>
             <a:fld id="{09C14E7C-EF71-4C55-B9EC-1D241E958A93}" type="datetimeFigureOut">
               <a:rPr lang="en-US" smtClean="0"/>
-              <a:t>2/18/2024</a:t>
+              <a:t>2/20/2024</a:t>
             </a:fld>
             <a:endParaRPr lang="en-US"/>
           </a:p>
@@ -892,7 +901,7 @@
           <a:p>
             <a:fld id="{C6296303-98FD-456D-A8A2-CA41DFD59786}" type="datetimeFigureOut">
               <a:rPr lang="en-US" smtClean="0"/>
-              <a:t>2/18/2024</a:t>
+              <a:t>2/20/2024</a:t>
             </a:fld>
             <a:endParaRPr lang="en-US"/>
           </a:p>
@@ -1090,7 +1099,7 @@
           <a:p>
             <a:fld id="{C6296303-98FD-456D-A8A2-CA41DFD59786}" type="datetimeFigureOut">
               <a:rPr lang="en-US" smtClean="0"/>
-              <a:t>2/18/2024</a:t>
+              <a:t>2/20/2024</a:t>
             </a:fld>
             <a:endParaRPr lang="en-US"/>
           </a:p>
@@ -1298,7 +1307,7 @@
           <a:p>
             <a:fld id="{C6296303-98FD-456D-A8A2-CA41DFD59786}" type="datetimeFigureOut">
               <a:rPr lang="en-US" smtClean="0"/>
-              <a:t>2/18/2024</a:t>
+              <a:t>2/20/2024</a:t>
             </a:fld>
             <a:endParaRPr lang="en-US"/>
           </a:p>
@@ -1496,7 +1505,7 @@
           <a:p>
             <a:fld id="{C6296303-98FD-456D-A8A2-CA41DFD59786}" type="datetimeFigureOut">
               <a:rPr lang="en-US" smtClean="0"/>
-              <a:t>2/18/2024</a:t>
+              <a:t>2/20/2024</a:t>
             </a:fld>
             <a:endParaRPr lang="en-US"/>
           </a:p>
@@ -1771,7 +1780,7 @@
           <a:p>
             <a:fld id="{C6296303-98FD-456D-A8A2-CA41DFD59786}" type="datetimeFigureOut">
               <a:rPr lang="en-US" smtClean="0"/>
-              <a:t>2/18/2024</a:t>
+              <a:t>2/20/2024</a:t>
             </a:fld>
             <a:endParaRPr lang="en-US"/>
           </a:p>
@@ -2036,7 +2045,7 @@
           <a:p>
             <a:fld id="{C6296303-98FD-456D-A8A2-CA41DFD59786}" type="datetimeFigureOut">
               <a:rPr lang="en-US" smtClean="0"/>
-              <a:t>2/18/2024</a:t>
+              <a:t>2/20/2024</a:t>
             </a:fld>
             <a:endParaRPr lang="en-US"/>
           </a:p>
@@ -2448,7 +2457,7 @@
           <a:p>
             <a:fld id="{C6296303-98FD-456D-A8A2-CA41DFD59786}" type="datetimeFigureOut">
               <a:rPr lang="en-US" smtClean="0"/>
-              <a:t>2/18/2024</a:t>
+              <a:t>2/20/2024</a:t>
             </a:fld>
             <a:endParaRPr lang="en-US"/>
           </a:p>
@@ -2589,7 +2598,7 @@
           <a:p>
             <a:fld id="{C6296303-98FD-456D-A8A2-CA41DFD59786}" type="datetimeFigureOut">
               <a:rPr lang="en-US" smtClean="0"/>
-              <a:t>2/18/2024</a:t>
+              <a:t>2/20/2024</a:t>
             </a:fld>
             <a:endParaRPr lang="en-US"/>
           </a:p>
@@ -2702,7 +2711,7 @@
           <a:p>
             <a:fld id="{C6296303-98FD-456D-A8A2-CA41DFD59786}" type="datetimeFigureOut">
               <a:rPr lang="en-US" smtClean="0"/>
-              <a:t>2/18/2024</a:t>
+              <a:t>2/20/2024</a:t>
             </a:fld>
             <a:endParaRPr lang="en-US"/>
           </a:p>
@@ -3013,7 +3022,7 @@
           <a:p>
             <a:fld id="{C6296303-98FD-456D-A8A2-CA41DFD59786}" type="datetimeFigureOut">
               <a:rPr lang="en-US" smtClean="0"/>
-              <a:t>2/18/2024</a:t>
+              <a:t>2/20/2024</a:t>
             </a:fld>
             <a:endParaRPr lang="en-US"/>
           </a:p>
@@ -3301,7 +3310,7 @@
           <a:p>
             <a:fld id="{C6296303-98FD-456D-A8A2-CA41DFD59786}" type="datetimeFigureOut">
               <a:rPr lang="en-US" smtClean="0"/>
-              <a:t>2/18/2024</a:t>
+              <a:t>2/20/2024</a:t>
             </a:fld>
             <a:endParaRPr lang="en-US"/>
           </a:p>
@@ -3542,7 +3551,7 @@
           <a:p>
             <a:fld id="{C6296303-98FD-456D-A8A2-CA41DFD59786}" type="datetimeFigureOut">
               <a:rPr lang="en-US" smtClean="0"/>
-              <a:t>2/18/2024</a:t>
+              <a:t>2/20/2024</a:t>
             </a:fld>
             <a:endParaRPr lang="en-US"/>
           </a:p>
@@ -4208,7 +4217,7 @@
           <p:cNvPr id="2" name="Title 1">
             <a:extLst>
               <a:ext uri="{FF2B5EF4-FFF2-40B4-BE49-F238E27FC236}">
-                <a16:creationId xmlns:a16="http://schemas.microsoft.com/office/drawing/2014/main" id="{7C8F1D74-06A0-5C73-571B-688E81B9EECA}"/>
+                <a16:creationId xmlns:a16="http://schemas.microsoft.com/office/drawing/2014/main" id="{C9C316F5-C052-AE74-8E3C-723764656866}"/>
               </a:ext>
             </a:extLst>
           </p:cNvPr>
@@ -4226,7 +4235,7 @@
           <a:p>
             <a:r>
               <a:rPr lang="en-US" dirty="0"/>
-              <a:t>For Wed Feb 28</a:t>
+              <a:t>Laptops in the classroom</a:t>
             </a:r>
           </a:p>
         </p:txBody>
@@ -4236,7 +4245,7 @@
           <p:cNvPr id="3" name="Content Placeholder 2">
             <a:extLst>
               <a:ext uri="{FF2B5EF4-FFF2-40B4-BE49-F238E27FC236}">
-                <a16:creationId xmlns:a16="http://schemas.microsoft.com/office/drawing/2014/main" id="{49D24313-1642-BCE6-9E19-38914263D700}"/>
+                <a16:creationId xmlns:a16="http://schemas.microsoft.com/office/drawing/2014/main" id="{31DE2EA4-2EE3-5604-19F2-EB46EB17E9A0}"/>
               </a:ext>
             </a:extLst>
           </p:cNvPr>
@@ -4254,28 +4263,61 @@
           <a:p>
             <a:r>
               <a:rPr lang="en-US" dirty="0"/>
-              <a:t>Chapter 20: Developmental and </a:t>
-            </a:r>
-            <a:r>
-              <a:rPr lang="en-US"/>
-              <a:t>Neuropsychological Methods</a:t>
-            </a:r>
-            <a:endParaRPr lang="en-US" dirty="0"/>
-          </a:p>
-          <a:p>
-            <a:endParaRPr lang="en-US" dirty="0"/>
-          </a:p>
-          <a:p>
-            <a:r>
-              <a:rPr lang="en-US" dirty="0"/>
-              <a:t>Final project full proposal drafts</a:t>
+              <a:t>Evidence against</a:t>
             </a:r>
           </a:p>
           <a:p>
             <a:pPr lvl="1"/>
             <a:r>
               <a:rPr lang="en-US" dirty="0"/>
-              <a:t>As soon as possible</a:t>
+              <a:t>Distraction caused by multitasking (Sana et al. 2013)</a:t>
+            </a:r>
+          </a:p>
+          <a:p>
+            <a:pPr lvl="1"/>
+            <a:r>
+              <a:rPr lang="en-US" dirty="0"/>
+              <a:t>Writing is better (Mueller &amp; Oppenheimer, 2014)</a:t>
+            </a:r>
+          </a:p>
+          <a:p>
+            <a:r>
+              <a:rPr lang="en-US" dirty="0"/>
+              <a:t>Methodological challenges</a:t>
+            </a:r>
+          </a:p>
+          <a:p>
+            <a:pPr lvl="1"/>
+            <a:r>
+              <a:rPr lang="en-US" dirty="0"/>
+              <a:t>Grades are a problematic DV</a:t>
+            </a:r>
+          </a:p>
+          <a:p>
+            <a:pPr lvl="1"/>
+            <a:r>
+              <a:rPr lang="en-US" dirty="0"/>
+              <a:t>Too many extraneous variables to control</a:t>
+            </a:r>
+          </a:p>
+          <a:p>
+            <a:r>
+              <a:rPr lang="en-US" dirty="0"/>
+              <a:t>External validity</a:t>
+            </a:r>
+          </a:p>
+          <a:p>
+            <a:pPr lvl="1"/>
+            <a:r>
+              <a:rPr lang="en-US" dirty="0"/>
+              <a:t>Differences in students, teachers, material</a:t>
+            </a:r>
+          </a:p>
+          <a:p>
+            <a:pPr lvl="1"/>
+            <a:r>
+              <a:rPr lang="en-US" dirty="0"/>
+              <a:t>Changes over time due to greater experience with technology?</a:t>
             </a:r>
           </a:p>
         </p:txBody>
@@ -4283,7 +4325,1187 @@
     </p:spTree>
     <p:extLst>
       <p:ext uri="{BB962C8B-B14F-4D97-AF65-F5344CB8AC3E}">
-        <p14:creationId xmlns:p14="http://schemas.microsoft.com/office/powerpoint/2010/main" val="1495610878"/>
+        <p14:creationId xmlns:p14="http://schemas.microsoft.com/office/powerpoint/2010/main" val="1681685781"/>
+      </p:ext>
+    </p:extLst>
+  </p:cSld>
+  <p:clrMapOvr>
+    <a:masterClrMapping/>
+  </p:clrMapOvr>
+</p:sld>
+</file>
+
+<file path=ppt/slides/slide12.xml><?xml version="1.0" encoding="utf-8"?>
+<p:sld xmlns:a="http://schemas.openxmlformats.org/drawingml/2006/main" xmlns:r="http://schemas.openxmlformats.org/officeDocument/2006/relationships" xmlns:p="http://schemas.openxmlformats.org/presentationml/2006/main">
+  <p:cSld>
+    <p:spTree>
+      <p:nvGrpSpPr>
+        <p:cNvPr id="1" name=""/>
+        <p:cNvGrpSpPr/>
+        <p:nvPr/>
+      </p:nvGrpSpPr>
+      <p:grpSpPr>
+        <a:xfrm>
+          <a:off x="0" y="0"/>
+          <a:ext cx="0" cy="0"/>
+          <a:chOff x="0" y="0"/>
+          <a:chExt cx="0" cy="0"/>
+        </a:xfrm>
+      </p:grpSpPr>
+      <p:sp>
+        <p:nvSpPr>
+          <p:cNvPr id="2" name="Content Placeholder 1">
+            <a:extLst>
+              <a:ext uri="{FF2B5EF4-FFF2-40B4-BE49-F238E27FC236}">
+                <a16:creationId xmlns:a16="http://schemas.microsoft.com/office/drawing/2014/main" id="{61784353-8B8F-4C90-8DC2-A33EE32EE775}"/>
+              </a:ext>
+            </a:extLst>
+          </p:cNvPr>
+          <p:cNvSpPr>
+            <a:spLocks noGrp="1"/>
+          </p:cNvSpPr>
+          <p:nvPr>
+            <p:ph idx="1"/>
+          </p:nvPr>
+        </p:nvSpPr>
+        <p:spPr/>
+        <p:txBody>
+          <a:bodyPr>
+            <a:normAutofit fontScale="92500"/>
+          </a:bodyPr>
+          <a:lstStyle/>
+          <a:p>
+            <a:r>
+              <a:rPr lang="en-US" sz="2400" dirty="0"/>
+              <a:t>T1: A1 &gt; B1</a:t>
+            </a:r>
+          </a:p>
+          <a:p>
+            <a:pPr lvl="1"/>
+            <a:r>
+              <a:rPr lang="en-US" sz="2000" dirty="0"/>
+              <a:t>Strongest evidence if successful</a:t>
+            </a:r>
+          </a:p>
+          <a:p>
+            <a:pPr lvl="2"/>
+            <a:r>
+              <a:rPr lang="en-US" sz="1800" dirty="0"/>
+              <a:t>Cohort A is better at task performance because of training intervention</a:t>
+            </a:r>
+          </a:p>
+          <a:p>
+            <a:pPr lvl="1"/>
+            <a:r>
+              <a:rPr lang="en-US" sz="2000" dirty="0"/>
+              <a:t>Weakest for statistical power</a:t>
+            </a:r>
+          </a:p>
+          <a:p>
+            <a:pPr lvl="2"/>
+            <a:r>
+              <a:rPr lang="en-US" sz="1800" dirty="0"/>
+              <a:t>“Between-participants” design vulnerable to individual differences, variability due to measurement error</a:t>
+            </a:r>
+          </a:p>
+          <a:p>
+            <a:r>
+              <a:rPr lang="en-US" sz="2400" dirty="0"/>
+              <a:t>T2: B2 &gt; B1</a:t>
+            </a:r>
+          </a:p>
+          <a:p>
+            <a:pPr lvl="1"/>
+            <a:r>
+              <a:rPr lang="en-US" sz="2000" dirty="0"/>
+              <a:t>Strongest statistical power</a:t>
+            </a:r>
+          </a:p>
+          <a:p>
+            <a:pPr lvl="2"/>
+            <a:r>
+              <a:rPr lang="en-US" sz="1800" dirty="0"/>
+              <a:t>Each student is their own control</a:t>
+            </a:r>
+          </a:p>
+          <a:p>
+            <a:pPr lvl="1"/>
+            <a:r>
+              <a:rPr lang="en-US" sz="2000" dirty="0"/>
+              <a:t>Inference that intervention caused improvement is weakened by other possible sources of learning between assessments</a:t>
+            </a:r>
+          </a:p>
+          <a:p>
+            <a:r>
+              <a:rPr lang="en-US" sz="2400" dirty="0"/>
+              <a:t>T3: A1 = A2</a:t>
+            </a:r>
+          </a:p>
+          <a:p>
+            <a:pPr lvl="1"/>
+            <a:r>
+              <a:rPr lang="en-US" sz="2000" dirty="0"/>
+              <a:t>Demonstrates retention</a:t>
+            </a:r>
+          </a:p>
+          <a:p>
+            <a:pPr lvl="1"/>
+            <a:r>
+              <a:rPr lang="en-US" sz="2000" dirty="0"/>
+              <a:t>Weak statistical test relies on no difference but still useful to document</a:t>
+            </a:r>
+            <a:endParaRPr lang="en-US" dirty="0"/>
+          </a:p>
+          <a:p>
+            <a:pPr lvl="1"/>
+            <a:endParaRPr lang="en-US" dirty="0"/>
+          </a:p>
+        </p:txBody>
+      </p:sp>
+      <p:sp>
+        <p:nvSpPr>
+          <p:cNvPr id="3" name="Title 2">
+            <a:extLst>
+              <a:ext uri="{FF2B5EF4-FFF2-40B4-BE49-F238E27FC236}">
+                <a16:creationId xmlns:a16="http://schemas.microsoft.com/office/drawing/2014/main" id="{11E3BB26-5983-40DF-9934-451C766FA8F2}"/>
+              </a:ext>
+            </a:extLst>
+          </p:cNvPr>
+          <p:cNvSpPr>
+            <a:spLocks noGrp="1"/>
+          </p:cNvSpPr>
+          <p:nvPr>
+            <p:ph type="title"/>
+          </p:nvPr>
+        </p:nvSpPr>
+        <p:spPr/>
+        <p:txBody>
+          <a:bodyPr/>
+          <a:lstStyle/>
+          <a:p>
+            <a:r>
+              <a:rPr lang="en-US" dirty="0"/>
+              <a:t>Contrasts</a:t>
+            </a:r>
+          </a:p>
+        </p:txBody>
+      </p:sp>
+    </p:spTree>
+    <p:extLst>
+      <p:ext uri="{BB962C8B-B14F-4D97-AF65-F5344CB8AC3E}">
+        <p14:creationId xmlns:p14="http://schemas.microsoft.com/office/powerpoint/2010/main" val="609411249"/>
+      </p:ext>
+    </p:extLst>
+  </p:cSld>
+  <p:clrMapOvr>
+    <a:masterClrMapping/>
+  </p:clrMapOvr>
+</p:sld>
+</file>
+
+<file path=ppt/slides/slide13.xml><?xml version="1.0" encoding="utf-8"?>
+<p:sld xmlns:a="http://schemas.openxmlformats.org/drawingml/2006/main" xmlns:r="http://schemas.openxmlformats.org/officeDocument/2006/relationships" xmlns:p="http://schemas.openxmlformats.org/presentationml/2006/main">
+  <p:cSld>
+    <p:spTree>
+      <p:nvGrpSpPr>
+        <p:cNvPr id="1" name=""/>
+        <p:cNvGrpSpPr/>
+        <p:nvPr/>
+      </p:nvGrpSpPr>
+      <p:grpSpPr>
+        <a:xfrm>
+          <a:off x="0" y="0"/>
+          <a:ext cx="0" cy="0"/>
+          <a:chOff x="0" y="0"/>
+          <a:chExt cx="0" cy="0"/>
+        </a:xfrm>
+      </p:grpSpPr>
+      <p:sp>
+        <p:nvSpPr>
+          <p:cNvPr id="2" name="Title 1">
+            <a:extLst>
+              <a:ext uri="{FF2B5EF4-FFF2-40B4-BE49-F238E27FC236}">
+                <a16:creationId xmlns:a16="http://schemas.microsoft.com/office/drawing/2014/main" id="{14839D3A-9452-9A37-1918-C0DD2C9C5375}"/>
+              </a:ext>
+            </a:extLst>
+          </p:cNvPr>
+          <p:cNvSpPr>
+            <a:spLocks noGrp="1"/>
+          </p:cNvSpPr>
+          <p:nvPr>
+            <p:ph type="title"/>
+          </p:nvPr>
+        </p:nvSpPr>
+        <p:spPr/>
+        <p:txBody>
+          <a:bodyPr/>
+          <a:lstStyle/>
+          <a:p>
+            <a:r>
+              <a:rPr lang="en-US" dirty="0"/>
+              <a:t>Brain Training</a:t>
+            </a:r>
+          </a:p>
+        </p:txBody>
+      </p:sp>
+      <p:sp>
+        <p:nvSpPr>
+          <p:cNvPr id="3" name="Content Placeholder 2">
+            <a:extLst>
+              <a:ext uri="{FF2B5EF4-FFF2-40B4-BE49-F238E27FC236}">
+                <a16:creationId xmlns:a16="http://schemas.microsoft.com/office/drawing/2014/main" id="{77B82970-A800-96A2-3AF6-DFEDF45A6CF8}"/>
+              </a:ext>
+            </a:extLst>
+          </p:cNvPr>
+          <p:cNvSpPr>
+            <a:spLocks noGrp="1"/>
+          </p:cNvSpPr>
+          <p:nvPr>
+            <p:ph idx="1"/>
+          </p:nvPr>
+        </p:nvSpPr>
+        <p:spPr/>
+        <p:txBody>
+          <a:bodyPr/>
+          <a:lstStyle/>
+          <a:p>
+            <a:r>
+              <a:rPr lang="en-US" dirty="0" err="1"/>
+              <a:t>Jaeggi</a:t>
+            </a:r>
+            <a:r>
+              <a:rPr lang="en-US" dirty="0"/>
+              <a:t> et al. (2008) reported an intervention that appeared to increase fluid intelligence</a:t>
+            </a:r>
+          </a:p>
+          <a:p>
+            <a:endParaRPr lang="en-US" dirty="0"/>
+          </a:p>
+          <a:p>
+            <a:r>
+              <a:rPr lang="en-US" dirty="0"/>
+              <a:t>Basic science: fluid intelligence is supposed to be immutable</a:t>
+            </a:r>
+          </a:p>
+          <a:p>
+            <a:pPr lvl="1"/>
+            <a:r>
+              <a:rPr lang="en-US" dirty="0"/>
+              <a:t>Some core cognitive abilities are traits</a:t>
+            </a:r>
+          </a:p>
+          <a:p>
+            <a:pPr lvl="1"/>
+            <a:r>
+              <a:rPr lang="en-US" dirty="0"/>
+              <a:t>Unaffected by education, experience, environment</a:t>
+            </a:r>
+          </a:p>
+          <a:p>
+            <a:r>
+              <a:rPr lang="en-US" dirty="0"/>
+              <a:t>Applied science: “use it or lose it” in cognitive aging</a:t>
+            </a:r>
+          </a:p>
+          <a:p>
+            <a:pPr lvl="1"/>
+            <a:r>
+              <a:rPr lang="en-US" dirty="0"/>
+              <a:t>Lifetime cognitive engagement predicts better aging</a:t>
+            </a:r>
+          </a:p>
+          <a:p>
+            <a:pPr lvl="1"/>
+            <a:r>
+              <a:rPr lang="en-US" dirty="0"/>
+              <a:t>High levels of education, “occupational complexity”</a:t>
+            </a:r>
+          </a:p>
+        </p:txBody>
+      </p:sp>
+    </p:spTree>
+    <p:extLst>
+      <p:ext uri="{BB962C8B-B14F-4D97-AF65-F5344CB8AC3E}">
+        <p14:creationId xmlns:p14="http://schemas.microsoft.com/office/powerpoint/2010/main" val="1884425633"/>
+      </p:ext>
+    </p:extLst>
+  </p:cSld>
+  <p:clrMapOvr>
+    <a:masterClrMapping/>
+  </p:clrMapOvr>
+</p:sld>
+</file>
+
+<file path=ppt/slides/slide14.xml><?xml version="1.0" encoding="utf-8"?>
+<p:sld xmlns:a="http://schemas.openxmlformats.org/drawingml/2006/main" xmlns:r="http://schemas.openxmlformats.org/officeDocument/2006/relationships" xmlns:p="http://schemas.openxmlformats.org/presentationml/2006/main">
+  <p:cSld>
+    <p:spTree>
+      <p:nvGrpSpPr>
+        <p:cNvPr id="1" name=""/>
+        <p:cNvGrpSpPr/>
+        <p:nvPr/>
+      </p:nvGrpSpPr>
+      <p:grpSpPr>
+        <a:xfrm>
+          <a:off x="0" y="0"/>
+          <a:ext cx="0" cy="0"/>
+          <a:chOff x="0" y="0"/>
+          <a:chExt cx="0" cy="0"/>
+        </a:xfrm>
+      </p:grpSpPr>
+      <p:sp>
+        <p:nvSpPr>
+          <p:cNvPr id="2" name="Title 1">
+            <a:extLst>
+              <a:ext uri="{FF2B5EF4-FFF2-40B4-BE49-F238E27FC236}">
+                <a16:creationId xmlns:a16="http://schemas.microsoft.com/office/drawing/2014/main" id="{B072376F-0958-D095-5F57-9D7ED401C895}"/>
+              </a:ext>
+            </a:extLst>
+          </p:cNvPr>
+          <p:cNvSpPr>
+            <a:spLocks noGrp="1"/>
+          </p:cNvSpPr>
+          <p:nvPr>
+            <p:ph type="title"/>
+          </p:nvPr>
+        </p:nvSpPr>
+        <p:spPr/>
+        <p:txBody>
+          <a:bodyPr/>
+          <a:lstStyle/>
+          <a:p>
+            <a:r>
+              <a:rPr lang="en-US" dirty="0"/>
+              <a:t>Methodological challenges</a:t>
+            </a:r>
+          </a:p>
+        </p:txBody>
+      </p:sp>
+      <p:sp>
+        <p:nvSpPr>
+          <p:cNvPr id="3" name="Content Placeholder 2">
+            <a:extLst>
+              <a:ext uri="{FF2B5EF4-FFF2-40B4-BE49-F238E27FC236}">
+                <a16:creationId xmlns:a16="http://schemas.microsoft.com/office/drawing/2014/main" id="{C8D9BF1E-55BA-0708-81D6-49D5323C78B7}"/>
+              </a:ext>
+            </a:extLst>
+          </p:cNvPr>
+          <p:cNvSpPr>
+            <a:spLocks noGrp="1"/>
+          </p:cNvSpPr>
+          <p:nvPr>
+            <p:ph idx="1"/>
+          </p:nvPr>
+        </p:nvSpPr>
+        <p:spPr/>
+        <p:txBody>
+          <a:bodyPr>
+            <a:normAutofit lnSpcReduction="10000"/>
+          </a:bodyPr>
+          <a:lstStyle/>
+          <a:p>
+            <a:r>
+              <a:rPr lang="en-US" dirty="0"/>
+              <a:t>What is the best control condition to the intervention?</a:t>
+            </a:r>
+          </a:p>
+          <a:p>
+            <a:pPr lvl="1"/>
+            <a:r>
+              <a:rPr lang="en-US" dirty="0"/>
+              <a:t>Demand characteristics matter</a:t>
+            </a:r>
+          </a:p>
+          <a:p>
+            <a:r>
+              <a:rPr lang="en-US" dirty="0"/>
+              <a:t>What is the appropriate dependent variable?</a:t>
+            </a:r>
+          </a:p>
+          <a:p>
+            <a:pPr lvl="1"/>
+            <a:r>
+              <a:rPr lang="en-US" dirty="0"/>
+              <a:t>Matrix-based IQ tests are not designed for this</a:t>
+            </a:r>
+          </a:p>
+          <a:p>
+            <a:r>
+              <a:rPr lang="en-US" dirty="0"/>
+              <a:t>Generalization across age</a:t>
+            </a:r>
+          </a:p>
+          <a:p>
+            <a:pPr lvl="1"/>
+            <a:r>
+              <a:rPr lang="en-US" dirty="0"/>
+              <a:t>Undergraduates</a:t>
+            </a:r>
+          </a:p>
+          <a:p>
+            <a:pPr lvl="1"/>
+            <a:r>
+              <a:rPr lang="en-US" dirty="0"/>
+              <a:t>Children</a:t>
+            </a:r>
+          </a:p>
+          <a:p>
+            <a:pPr lvl="1"/>
+            <a:r>
+              <a:rPr lang="en-US" dirty="0"/>
+              <a:t>Older adults</a:t>
+            </a:r>
+          </a:p>
+          <a:p>
+            <a:r>
+              <a:rPr lang="en-US" dirty="0"/>
+              <a:t>Effect size estimates</a:t>
+            </a:r>
+          </a:p>
+          <a:p>
+            <a:pPr lvl="1"/>
+            <a:r>
+              <a:rPr lang="en-US" dirty="0"/>
+              <a:t>0.8 -&gt; 0.2</a:t>
+            </a:r>
+          </a:p>
+          <a:p>
+            <a:pPr lvl="1"/>
+            <a:endParaRPr lang="en-US" dirty="0"/>
+          </a:p>
+        </p:txBody>
+      </p:sp>
+    </p:spTree>
+    <p:extLst>
+      <p:ext uri="{BB962C8B-B14F-4D97-AF65-F5344CB8AC3E}">
+        <p14:creationId xmlns:p14="http://schemas.microsoft.com/office/powerpoint/2010/main" val="510382756"/>
+      </p:ext>
+    </p:extLst>
+  </p:cSld>
+  <p:clrMapOvr>
+    <a:masterClrMapping/>
+  </p:clrMapOvr>
+</p:sld>
+</file>
+
+<file path=ppt/slides/slide15.xml><?xml version="1.0" encoding="utf-8"?>
+<p:sld xmlns:a="http://schemas.openxmlformats.org/drawingml/2006/main" xmlns:r="http://schemas.openxmlformats.org/officeDocument/2006/relationships" xmlns:p="http://schemas.openxmlformats.org/presentationml/2006/main">
+  <p:cSld>
+    <p:spTree>
+      <p:nvGrpSpPr>
+        <p:cNvPr id="1" name=""/>
+        <p:cNvGrpSpPr/>
+        <p:nvPr/>
+      </p:nvGrpSpPr>
+      <p:grpSpPr>
+        <a:xfrm>
+          <a:off x="0" y="0"/>
+          <a:ext cx="0" cy="0"/>
+          <a:chOff x="0" y="0"/>
+          <a:chExt cx="0" cy="0"/>
+        </a:xfrm>
+      </p:grpSpPr>
+      <p:sp>
+        <p:nvSpPr>
+          <p:cNvPr id="2" name="Title 1">
+            <a:extLst>
+              <a:ext uri="{FF2B5EF4-FFF2-40B4-BE49-F238E27FC236}">
+                <a16:creationId xmlns:a16="http://schemas.microsoft.com/office/drawing/2014/main" id="{A23E2A11-9CCF-4A04-351B-3594B1B9FE27}"/>
+              </a:ext>
+            </a:extLst>
+          </p:cNvPr>
+          <p:cNvSpPr>
+            <a:spLocks noGrp="1"/>
+          </p:cNvSpPr>
+          <p:nvPr>
+            <p:ph type="title"/>
+          </p:nvPr>
+        </p:nvSpPr>
+        <p:spPr/>
+        <p:txBody>
+          <a:bodyPr/>
+          <a:lstStyle/>
+          <a:p>
+            <a:r>
+              <a:rPr lang="en-US" dirty="0"/>
+              <a:t>RCR Problems</a:t>
+            </a:r>
+          </a:p>
+        </p:txBody>
+      </p:sp>
+      <p:sp>
+        <p:nvSpPr>
+          <p:cNvPr id="3" name="Content Placeholder 2">
+            <a:extLst>
+              <a:ext uri="{FF2B5EF4-FFF2-40B4-BE49-F238E27FC236}">
+                <a16:creationId xmlns:a16="http://schemas.microsoft.com/office/drawing/2014/main" id="{A364051A-11F6-90CE-30EC-6FC0D42B045C}"/>
+              </a:ext>
+            </a:extLst>
+          </p:cNvPr>
+          <p:cNvSpPr>
+            <a:spLocks noGrp="1"/>
+          </p:cNvSpPr>
+          <p:nvPr>
+            <p:ph idx="1"/>
+          </p:nvPr>
+        </p:nvSpPr>
+        <p:spPr/>
+        <p:txBody>
+          <a:bodyPr/>
+          <a:lstStyle/>
+          <a:p>
+            <a:r>
+              <a:rPr lang="en-US" dirty="0"/>
+              <a:t>Lumosity Brain Training company</a:t>
+            </a:r>
+          </a:p>
+          <a:p>
+            <a:pPr lvl="1"/>
+            <a:r>
+              <a:rPr lang="en-US" dirty="0"/>
+              <a:t>Licensed tasks</a:t>
+            </a:r>
+          </a:p>
+          <a:p>
+            <a:pPr lvl="1"/>
+            <a:r>
+              <a:rPr lang="en-US" dirty="0"/>
+              <a:t>Funded efficacy research</a:t>
+            </a:r>
+          </a:p>
+          <a:p>
+            <a:pPr lvl="1"/>
+            <a:r>
+              <a:rPr lang="en-US" dirty="0"/>
+              <a:t>Paid a large fine for misleading advertising</a:t>
+            </a:r>
+          </a:p>
+          <a:p>
+            <a:pPr lvl="1"/>
+            <a:endParaRPr lang="en-US" dirty="0"/>
+          </a:p>
+          <a:p>
+            <a:r>
+              <a:rPr lang="en-US" dirty="0"/>
+              <a:t>Brain training markets</a:t>
+            </a:r>
+          </a:p>
+          <a:p>
+            <a:pPr lvl="1"/>
+            <a:r>
+              <a:rPr lang="en-US" dirty="0"/>
+              <a:t>Children with learning disabilities</a:t>
+            </a:r>
+          </a:p>
+          <a:p>
+            <a:pPr lvl="1"/>
+            <a:r>
+              <a:rPr lang="en-US" dirty="0"/>
+              <a:t>Older adults and cognitive decline</a:t>
+            </a:r>
+          </a:p>
+          <a:p>
+            <a:pPr lvl="1"/>
+            <a:endParaRPr lang="en-US" dirty="0"/>
+          </a:p>
+          <a:p>
+            <a:r>
+              <a:rPr lang="en-US" dirty="0"/>
+              <a:t>Conflict of Interest concerns greatly heightened skepticism</a:t>
+            </a:r>
+          </a:p>
+        </p:txBody>
+      </p:sp>
+    </p:spTree>
+    <p:extLst>
+      <p:ext uri="{BB962C8B-B14F-4D97-AF65-F5344CB8AC3E}">
+        <p14:creationId xmlns:p14="http://schemas.microsoft.com/office/powerpoint/2010/main" val="1122911974"/>
+      </p:ext>
+    </p:extLst>
+  </p:cSld>
+  <p:clrMapOvr>
+    <a:masterClrMapping/>
+  </p:clrMapOvr>
+</p:sld>
+</file>
+
+<file path=ppt/slides/slide16.xml><?xml version="1.0" encoding="utf-8"?>
+<p:sld xmlns:a="http://schemas.openxmlformats.org/drawingml/2006/main" xmlns:r="http://schemas.openxmlformats.org/officeDocument/2006/relationships" xmlns:p="http://schemas.openxmlformats.org/presentationml/2006/main">
+  <p:cSld>
+    <p:spTree>
+      <p:nvGrpSpPr>
+        <p:cNvPr id="1" name=""/>
+        <p:cNvGrpSpPr/>
+        <p:nvPr/>
+      </p:nvGrpSpPr>
+      <p:grpSpPr>
+        <a:xfrm>
+          <a:off x="0" y="0"/>
+          <a:ext cx="0" cy="0"/>
+          <a:chOff x="0" y="0"/>
+          <a:chExt cx="0" cy="0"/>
+        </a:xfrm>
+      </p:grpSpPr>
+      <p:sp>
+        <p:nvSpPr>
+          <p:cNvPr id="2" name="Title 1">
+            <a:extLst>
+              <a:ext uri="{FF2B5EF4-FFF2-40B4-BE49-F238E27FC236}">
+                <a16:creationId xmlns:a16="http://schemas.microsoft.com/office/drawing/2014/main" id="{776CD3C4-55E8-5B7C-9D3D-3C9B3268D664}"/>
+              </a:ext>
+            </a:extLst>
+          </p:cNvPr>
+          <p:cNvSpPr>
+            <a:spLocks noGrp="1"/>
+          </p:cNvSpPr>
+          <p:nvPr>
+            <p:ph type="title"/>
+          </p:nvPr>
+        </p:nvSpPr>
+        <p:spPr/>
+        <p:txBody>
+          <a:bodyPr/>
+          <a:lstStyle/>
+          <a:p>
+            <a:r>
+              <a:rPr lang="en-US" dirty="0"/>
+              <a:t>Owen et al. (2010)</a:t>
+            </a:r>
+          </a:p>
+        </p:txBody>
+      </p:sp>
+      <p:sp>
+        <p:nvSpPr>
+          <p:cNvPr id="3" name="Content Placeholder 2">
+            <a:extLst>
+              <a:ext uri="{FF2B5EF4-FFF2-40B4-BE49-F238E27FC236}">
+                <a16:creationId xmlns:a16="http://schemas.microsoft.com/office/drawing/2014/main" id="{F7A2F110-90E9-14DB-C224-F7B509AAB1BA}"/>
+              </a:ext>
+            </a:extLst>
+          </p:cNvPr>
+          <p:cNvSpPr>
+            <a:spLocks noGrp="1"/>
+          </p:cNvSpPr>
+          <p:nvPr>
+            <p:ph idx="1"/>
+          </p:nvPr>
+        </p:nvSpPr>
+        <p:spPr/>
+        <p:txBody>
+          <a:bodyPr/>
+          <a:lstStyle/>
+          <a:p>
+            <a:r>
+              <a:rPr lang="en-US" dirty="0"/>
+              <a:t>Large-scale study failed to find effects</a:t>
+            </a:r>
+          </a:p>
+          <a:p>
+            <a:pPr lvl="1"/>
+            <a:r>
+              <a:rPr lang="en-US" dirty="0"/>
+              <a:t>6 weeks of training</a:t>
+            </a:r>
+          </a:p>
+          <a:p>
+            <a:pPr lvl="1"/>
+            <a:r>
+              <a:rPr lang="en-US" dirty="0"/>
+              <a:t>N = 11,430 online participants</a:t>
+            </a:r>
+          </a:p>
+          <a:p>
+            <a:pPr lvl="1"/>
+            <a:endParaRPr lang="en-US" dirty="0"/>
+          </a:p>
+          <a:p>
+            <a:r>
+              <a:rPr lang="en-US" dirty="0"/>
+              <a:t>Practice improved performance on trained tasks</a:t>
+            </a:r>
+          </a:p>
+          <a:p>
+            <a:pPr lvl="1"/>
+            <a:r>
+              <a:rPr lang="en-US" dirty="0"/>
+              <a:t>Did not transfer to any general or untrained measures</a:t>
+            </a:r>
+          </a:p>
+          <a:p>
+            <a:pPr lvl="1"/>
+            <a:endParaRPr lang="en-US" dirty="0"/>
+          </a:p>
+          <a:p>
+            <a:r>
+              <a:rPr lang="en-US" dirty="0"/>
+              <a:t>Similar to many other training studies with null findings</a:t>
+            </a:r>
+          </a:p>
+        </p:txBody>
+      </p:sp>
+      <p:pic>
+        <p:nvPicPr>
+          <p:cNvPr id="5" name="Picture 4">
+            <a:extLst>
+              <a:ext uri="{FF2B5EF4-FFF2-40B4-BE49-F238E27FC236}">
+                <a16:creationId xmlns:a16="http://schemas.microsoft.com/office/drawing/2014/main" id="{17616D90-8E6A-6A8B-A320-A5BFD772C4CA}"/>
+              </a:ext>
+            </a:extLst>
+          </p:cNvPr>
+          <p:cNvPicPr>
+            <a:picLocks noChangeAspect="1"/>
+          </p:cNvPicPr>
+          <p:nvPr/>
+        </p:nvPicPr>
+        <p:blipFill>
+          <a:blip r:embed="rId2"/>
+          <a:stretch>
+            <a:fillRect/>
+          </a:stretch>
+        </p:blipFill>
+        <p:spPr>
+          <a:xfrm>
+            <a:off x="5789034" y="177800"/>
+            <a:ext cx="5934075" cy="1647825"/>
+          </a:xfrm>
+          <a:prstGeom prst="rect">
+            <a:avLst/>
+          </a:prstGeom>
+        </p:spPr>
+      </p:pic>
+    </p:spTree>
+    <p:extLst>
+      <p:ext uri="{BB962C8B-B14F-4D97-AF65-F5344CB8AC3E}">
+        <p14:creationId xmlns:p14="http://schemas.microsoft.com/office/powerpoint/2010/main" val="370961319"/>
+      </p:ext>
+    </p:extLst>
+  </p:cSld>
+  <p:clrMapOvr>
+    <a:masterClrMapping/>
+  </p:clrMapOvr>
+</p:sld>
+</file>
+
+<file path=ppt/slides/slide17.xml><?xml version="1.0" encoding="utf-8"?>
+<p:sld xmlns:a="http://schemas.openxmlformats.org/drawingml/2006/main" xmlns:r="http://schemas.openxmlformats.org/officeDocument/2006/relationships" xmlns:p="http://schemas.openxmlformats.org/presentationml/2006/main">
+  <p:cSld>
+    <p:spTree>
+      <p:nvGrpSpPr>
+        <p:cNvPr id="1" name=""/>
+        <p:cNvGrpSpPr/>
+        <p:nvPr/>
+      </p:nvGrpSpPr>
+      <p:grpSpPr>
+        <a:xfrm>
+          <a:off x="0" y="0"/>
+          <a:ext cx="0" cy="0"/>
+          <a:chOff x="0" y="0"/>
+          <a:chExt cx="0" cy="0"/>
+        </a:xfrm>
+      </p:grpSpPr>
+      <p:sp>
+        <p:nvSpPr>
+          <p:cNvPr id="2" name="Title 1">
+            <a:extLst>
+              <a:ext uri="{FF2B5EF4-FFF2-40B4-BE49-F238E27FC236}">
+                <a16:creationId xmlns:a16="http://schemas.microsoft.com/office/drawing/2014/main" id="{C610100F-F24A-2F81-2D6B-82CC34528929}"/>
+              </a:ext>
+            </a:extLst>
+          </p:cNvPr>
+          <p:cNvSpPr>
+            <a:spLocks noGrp="1"/>
+          </p:cNvSpPr>
+          <p:nvPr>
+            <p:ph type="title"/>
+          </p:nvPr>
+        </p:nvSpPr>
+        <p:spPr/>
+        <p:txBody>
+          <a:bodyPr/>
+          <a:lstStyle/>
+          <a:p>
+            <a:r>
+              <a:rPr lang="en-US" dirty="0"/>
+              <a:t>Corbett et al. (2015)</a:t>
+            </a:r>
+          </a:p>
+        </p:txBody>
+      </p:sp>
+      <p:sp>
+        <p:nvSpPr>
+          <p:cNvPr id="3" name="Content Placeholder 2">
+            <a:extLst>
+              <a:ext uri="{FF2B5EF4-FFF2-40B4-BE49-F238E27FC236}">
+                <a16:creationId xmlns:a16="http://schemas.microsoft.com/office/drawing/2014/main" id="{5B6D4C54-E992-B624-B438-CB8E76EE6F33}"/>
+              </a:ext>
+            </a:extLst>
+          </p:cNvPr>
+          <p:cNvSpPr>
+            <a:spLocks noGrp="1"/>
+          </p:cNvSpPr>
+          <p:nvPr>
+            <p:ph idx="1"/>
+          </p:nvPr>
+        </p:nvSpPr>
+        <p:spPr/>
+        <p:txBody>
+          <a:bodyPr/>
+          <a:lstStyle/>
+          <a:p>
+            <a:r>
+              <a:rPr lang="en-US" dirty="0"/>
+              <a:t>Adults &gt; 60</a:t>
+            </a:r>
+          </a:p>
+          <a:p>
+            <a:pPr lvl="1"/>
+            <a:r>
+              <a:rPr lang="en-US" dirty="0"/>
+              <a:t>N = 2912</a:t>
+            </a:r>
+          </a:p>
+          <a:p>
+            <a:endParaRPr lang="en-US" dirty="0"/>
+          </a:p>
+          <a:p>
+            <a:endParaRPr lang="en-US" dirty="0"/>
+          </a:p>
+          <a:p>
+            <a:r>
+              <a:rPr lang="en-US" dirty="0"/>
+              <a:t>Reasoning based cognitive training improved performance on reasoning, working memory and verbal learning</a:t>
+            </a:r>
+          </a:p>
+          <a:p>
+            <a:pPr lvl="1"/>
+            <a:r>
+              <a:rPr lang="en-US" dirty="0"/>
+              <a:t>Effect size 0.15 – 0.20 for ADL, VL</a:t>
+            </a:r>
+          </a:p>
+          <a:p>
+            <a:pPr lvl="1"/>
+            <a:r>
+              <a:rPr lang="en-US" dirty="0"/>
+              <a:t>Effect size 0.30 for Reasoning tasks</a:t>
+            </a:r>
+          </a:p>
+        </p:txBody>
+      </p:sp>
+      <p:pic>
+        <p:nvPicPr>
+          <p:cNvPr id="5" name="Picture 4">
+            <a:extLst>
+              <a:ext uri="{FF2B5EF4-FFF2-40B4-BE49-F238E27FC236}">
+                <a16:creationId xmlns:a16="http://schemas.microsoft.com/office/drawing/2014/main" id="{70D5DED8-B802-A4FD-DAC3-D8284E8A1E01}"/>
+              </a:ext>
+            </a:extLst>
+          </p:cNvPr>
+          <p:cNvPicPr>
+            <a:picLocks noChangeAspect="1"/>
+          </p:cNvPicPr>
+          <p:nvPr/>
+        </p:nvPicPr>
+        <p:blipFill>
+          <a:blip r:embed="rId2"/>
+          <a:stretch>
+            <a:fillRect/>
+          </a:stretch>
+        </p:blipFill>
+        <p:spPr>
+          <a:xfrm>
+            <a:off x="4380943" y="1590675"/>
+            <a:ext cx="7515225" cy="1838325"/>
+          </a:xfrm>
+          <a:prstGeom prst="rect">
+            <a:avLst/>
+          </a:prstGeom>
+        </p:spPr>
+      </p:pic>
+    </p:spTree>
+    <p:extLst>
+      <p:ext uri="{BB962C8B-B14F-4D97-AF65-F5344CB8AC3E}">
+        <p14:creationId xmlns:p14="http://schemas.microsoft.com/office/powerpoint/2010/main" val="478506075"/>
+      </p:ext>
+    </p:extLst>
+  </p:cSld>
+  <p:clrMapOvr>
+    <a:masterClrMapping/>
+  </p:clrMapOvr>
+</p:sld>
+</file>
+
+<file path=ppt/slides/slide18.xml><?xml version="1.0" encoding="utf-8"?>
+<p:sld xmlns:a="http://schemas.openxmlformats.org/drawingml/2006/main" xmlns:r="http://schemas.openxmlformats.org/officeDocument/2006/relationships" xmlns:p="http://schemas.openxmlformats.org/presentationml/2006/main">
+  <p:cSld>
+    <p:spTree>
+      <p:nvGrpSpPr>
+        <p:cNvPr id="1" name=""/>
+        <p:cNvGrpSpPr/>
+        <p:nvPr/>
+      </p:nvGrpSpPr>
+      <p:grpSpPr>
+        <a:xfrm>
+          <a:off x="0" y="0"/>
+          <a:ext cx="0" cy="0"/>
+          <a:chOff x="0" y="0"/>
+          <a:chExt cx="0" cy="0"/>
+        </a:xfrm>
+      </p:grpSpPr>
+      <p:sp>
+        <p:nvSpPr>
+          <p:cNvPr id="2" name="Title 1">
+            <a:extLst>
+              <a:ext uri="{FF2B5EF4-FFF2-40B4-BE49-F238E27FC236}">
+                <a16:creationId xmlns:a16="http://schemas.microsoft.com/office/drawing/2014/main" id="{B07544F1-962A-8A5A-070C-B93435B70D16}"/>
+              </a:ext>
+            </a:extLst>
+          </p:cNvPr>
+          <p:cNvSpPr>
+            <a:spLocks noGrp="1"/>
+          </p:cNvSpPr>
+          <p:nvPr>
+            <p:ph type="title"/>
+          </p:nvPr>
+        </p:nvSpPr>
+        <p:spPr/>
+        <p:txBody>
+          <a:bodyPr/>
+          <a:lstStyle/>
+          <a:p>
+            <a:r>
+              <a:rPr lang="en-US" dirty="0"/>
+              <a:t>Childhood Developmental Studies</a:t>
+            </a:r>
+          </a:p>
+        </p:txBody>
+      </p:sp>
+      <p:sp>
+        <p:nvSpPr>
+          <p:cNvPr id="3" name="Content Placeholder 2">
+            <a:extLst>
+              <a:ext uri="{FF2B5EF4-FFF2-40B4-BE49-F238E27FC236}">
+                <a16:creationId xmlns:a16="http://schemas.microsoft.com/office/drawing/2014/main" id="{E265AC50-8451-DB85-0141-BEC99FFF799A}"/>
+              </a:ext>
+            </a:extLst>
+          </p:cNvPr>
+          <p:cNvSpPr>
+            <a:spLocks noGrp="1"/>
+          </p:cNvSpPr>
+          <p:nvPr>
+            <p:ph idx="1"/>
+          </p:nvPr>
+        </p:nvSpPr>
+        <p:spPr/>
+        <p:txBody>
+          <a:bodyPr>
+            <a:normAutofit/>
+          </a:bodyPr>
+          <a:lstStyle/>
+          <a:p>
+            <a:r>
+              <a:rPr lang="en-US" dirty="0"/>
+              <a:t>More mixed results and RCR issues</a:t>
+            </a:r>
+          </a:p>
+          <a:p>
+            <a:endParaRPr lang="en-US" dirty="0"/>
+          </a:p>
+          <a:p>
+            <a:r>
+              <a:rPr lang="en-US" dirty="0"/>
+              <a:t>“Fast </a:t>
+            </a:r>
+            <a:r>
+              <a:rPr lang="en-US" dirty="0" err="1"/>
+              <a:t>ForWord</a:t>
+            </a:r>
+            <a:r>
+              <a:rPr lang="en-US" dirty="0"/>
+              <a:t>” result unable to be replicated, but still sold popularly</a:t>
+            </a:r>
+          </a:p>
+          <a:p>
+            <a:pPr lvl="1"/>
+            <a:r>
+              <a:rPr lang="en-US" dirty="0"/>
+              <a:t>Auditory training of phonemes to improve reading</a:t>
+            </a:r>
+          </a:p>
+          <a:p>
+            <a:endParaRPr lang="en-US" dirty="0"/>
+          </a:p>
+          <a:p>
+            <a:r>
+              <a:rPr lang="en-US" dirty="0"/>
+              <a:t>Interventions with LD children appear effective</a:t>
+            </a:r>
+          </a:p>
+          <a:p>
+            <a:pPr lvl="1"/>
+            <a:r>
+              <a:rPr lang="en-US" dirty="0"/>
+              <a:t>Difficult to control maturation effects</a:t>
+            </a:r>
+          </a:p>
+          <a:p>
+            <a:pPr lvl="1"/>
+            <a:r>
+              <a:rPr lang="en-US" dirty="0"/>
+              <a:t>Cognitive functions being trained improve with age, education</a:t>
+            </a:r>
+          </a:p>
+          <a:p>
+            <a:pPr lvl="1"/>
+            <a:r>
+              <a:rPr lang="en-US" dirty="0"/>
+              <a:t>Smaller n’s in most studies</a:t>
+            </a:r>
+          </a:p>
+        </p:txBody>
+      </p:sp>
+    </p:spTree>
+    <p:extLst>
+      <p:ext uri="{BB962C8B-B14F-4D97-AF65-F5344CB8AC3E}">
+        <p14:creationId xmlns:p14="http://schemas.microsoft.com/office/powerpoint/2010/main" val="3740152898"/>
+      </p:ext>
+    </p:extLst>
+  </p:cSld>
+  <p:clrMapOvr>
+    <a:masterClrMapping/>
+  </p:clrMapOvr>
+</p:sld>
+</file>
+
+<file path=ppt/slides/slide19.xml><?xml version="1.0" encoding="utf-8"?>
+<p:sld xmlns:a="http://schemas.openxmlformats.org/drawingml/2006/main" xmlns:r="http://schemas.openxmlformats.org/officeDocument/2006/relationships" xmlns:p="http://schemas.openxmlformats.org/presentationml/2006/main">
+  <p:cSld>
+    <p:spTree>
+      <p:nvGrpSpPr>
+        <p:cNvPr id="1" name=""/>
+        <p:cNvGrpSpPr/>
+        <p:nvPr/>
+      </p:nvGrpSpPr>
+      <p:grpSpPr>
+        <a:xfrm>
+          <a:off x="0" y="0"/>
+          <a:ext cx="0" cy="0"/>
+          <a:chOff x="0" y="0"/>
+          <a:chExt cx="0" cy="0"/>
+        </a:xfrm>
+      </p:grpSpPr>
+      <p:sp>
+        <p:nvSpPr>
+          <p:cNvPr id="2" name="Title 1">
+            <a:extLst>
+              <a:ext uri="{FF2B5EF4-FFF2-40B4-BE49-F238E27FC236}">
+                <a16:creationId xmlns:a16="http://schemas.microsoft.com/office/drawing/2014/main" id="{21D75EAA-347D-C074-DEFB-3BAC572C2A45}"/>
+              </a:ext>
+            </a:extLst>
+          </p:cNvPr>
+          <p:cNvSpPr>
+            <a:spLocks noGrp="1"/>
+          </p:cNvSpPr>
+          <p:nvPr>
+            <p:ph type="title"/>
+          </p:nvPr>
+        </p:nvSpPr>
+        <p:spPr/>
+        <p:txBody>
+          <a:bodyPr/>
+          <a:lstStyle/>
+          <a:p>
+            <a:r>
+              <a:rPr lang="en-US" dirty="0"/>
+              <a:t>Brain Training Summary</a:t>
+            </a:r>
+          </a:p>
+        </p:txBody>
+      </p:sp>
+      <p:sp>
+        <p:nvSpPr>
+          <p:cNvPr id="3" name="Content Placeholder 2">
+            <a:extLst>
+              <a:ext uri="{FF2B5EF4-FFF2-40B4-BE49-F238E27FC236}">
+                <a16:creationId xmlns:a16="http://schemas.microsoft.com/office/drawing/2014/main" id="{B9596C48-9D96-357F-D759-AB3F8E652DAB}"/>
+              </a:ext>
+            </a:extLst>
+          </p:cNvPr>
+          <p:cNvSpPr>
+            <a:spLocks noGrp="1"/>
+          </p:cNvSpPr>
+          <p:nvPr>
+            <p:ph idx="1"/>
+          </p:nvPr>
+        </p:nvSpPr>
+        <p:spPr/>
+        <p:txBody>
+          <a:bodyPr/>
+          <a:lstStyle/>
+          <a:p>
+            <a:r>
+              <a:rPr lang="en-US" dirty="0"/>
+              <a:t>Does “brain training” work?</a:t>
+            </a:r>
+          </a:p>
+          <a:p>
+            <a:pPr lvl="1"/>
+            <a:r>
+              <a:rPr lang="en-US" dirty="0"/>
+              <a:t>Who’s asking?</a:t>
+            </a:r>
+          </a:p>
+          <a:p>
+            <a:pPr lvl="1"/>
+            <a:r>
+              <a:rPr lang="en-US" dirty="0"/>
+              <a:t>Yes, for some populations and some outcomes</a:t>
+            </a:r>
+          </a:p>
+          <a:p>
+            <a:pPr lvl="1"/>
+            <a:endParaRPr lang="en-US" dirty="0"/>
+          </a:p>
+          <a:p>
+            <a:r>
+              <a:rPr lang="en-US" dirty="0"/>
+              <a:t>Illustrates many challenges of intervention research</a:t>
+            </a:r>
+          </a:p>
+          <a:p>
+            <a:pPr lvl="1"/>
+            <a:r>
+              <a:rPr lang="en-US" dirty="0"/>
+              <a:t>What is the intended population and how are they sampled?</a:t>
+            </a:r>
+          </a:p>
+          <a:p>
+            <a:pPr lvl="1"/>
+            <a:r>
+              <a:rPr lang="en-US" dirty="0"/>
+              <a:t>What is the dependent variable outcome measure?</a:t>
+            </a:r>
+          </a:p>
+          <a:p>
+            <a:pPr lvl="1"/>
+            <a:r>
+              <a:rPr lang="en-US" dirty="0"/>
+              <a:t>How is the control task implemented?</a:t>
+            </a:r>
+          </a:p>
+          <a:p>
+            <a:pPr lvl="1"/>
+            <a:r>
+              <a:rPr lang="en-US" dirty="0"/>
+              <a:t>How rigorous is the methodology?</a:t>
+            </a:r>
+          </a:p>
+        </p:txBody>
+      </p:sp>
+    </p:spTree>
+    <p:extLst>
+      <p:ext uri="{BB962C8B-B14F-4D97-AF65-F5344CB8AC3E}">
+        <p14:creationId xmlns:p14="http://schemas.microsoft.com/office/powerpoint/2010/main" val="4181518295"/>
       </p:ext>
     </p:extLst>
   </p:cSld>
@@ -4403,6 +5625,113 @@
     <p:extLst>
       <p:ext uri="{BB962C8B-B14F-4D97-AF65-F5344CB8AC3E}">
         <p14:creationId xmlns:p14="http://schemas.microsoft.com/office/powerpoint/2010/main" val="715894301"/>
+      </p:ext>
+    </p:extLst>
+  </p:cSld>
+  <p:clrMapOvr>
+    <a:masterClrMapping/>
+  </p:clrMapOvr>
+</p:sld>
+</file>
+
+<file path=ppt/slides/slide20.xml><?xml version="1.0" encoding="utf-8"?>
+<p:sld xmlns:a="http://schemas.openxmlformats.org/drawingml/2006/main" xmlns:r="http://schemas.openxmlformats.org/officeDocument/2006/relationships" xmlns:p="http://schemas.openxmlformats.org/presentationml/2006/main">
+  <p:cSld>
+    <p:spTree>
+      <p:nvGrpSpPr>
+        <p:cNvPr id="1" name=""/>
+        <p:cNvGrpSpPr/>
+        <p:nvPr/>
+      </p:nvGrpSpPr>
+      <p:grpSpPr>
+        <a:xfrm>
+          <a:off x="0" y="0"/>
+          <a:ext cx="0" cy="0"/>
+          <a:chOff x="0" y="0"/>
+          <a:chExt cx="0" cy="0"/>
+        </a:xfrm>
+      </p:grpSpPr>
+      <p:sp>
+        <p:nvSpPr>
+          <p:cNvPr id="2" name="Title 1">
+            <a:extLst>
+              <a:ext uri="{FF2B5EF4-FFF2-40B4-BE49-F238E27FC236}">
+                <a16:creationId xmlns:a16="http://schemas.microsoft.com/office/drawing/2014/main" id="{7C8F1D74-06A0-5C73-571B-688E81B9EECA}"/>
+              </a:ext>
+            </a:extLst>
+          </p:cNvPr>
+          <p:cNvSpPr>
+            <a:spLocks noGrp="1"/>
+          </p:cNvSpPr>
+          <p:nvPr>
+            <p:ph type="title"/>
+          </p:nvPr>
+        </p:nvSpPr>
+        <p:spPr/>
+        <p:txBody>
+          <a:bodyPr/>
+          <a:lstStyle/>
+          <a:p>
+            <a:r>
+              <a:rPr lang="en-US" dirty="0"/>
+              <a:t>For Wed Feb 28</a:t>
+            </a:r>
+          </a:p>
+        </p:txBody>
+      </p:sp>
+      <p:sp>
+        <p:nvSpPr>
+          <p:cNvPr id="3" name="Content Placeholder 2">
+            <a:extLst>
+              <a:ext uri="{FF2B5EF4-FFF2-40B4-BE49-F238E27FC236}">
+                <a16:creationId xmlns:a16="http://schemas.microsoft.com/office/drawing/2014/main" id="{49D24313-1642-BCE6-9E19-38914263D700}"/>
+              </a:ext>
+            </a:extLst>
+          </p:cNvPr>
+          <p:cNvSpPr>
+            <a:spLocks noGrp="1"/>
+          </p:cNvSpPr>
+          <p:nvPr>
+            <p:ph idx="1"/>
+          </p:nvPr>
+        </p:nvSpPr>
+        <p:spPr/>
+        <p:txBody>
+          <a:bodyPr/>
+          <a:lstStyle/>
+          <a:p>
+            <a:r>
+              <a:rPr lang="en-US" dirty="0"/>
+              <a:t>Chapter 20: Developmental and </a:t>
+            </a:r>
+            <a:r>
+              <a:rPr lang="en-US"/>
+              <a:t>Neuropsychological Methods</a:t>
+            </a:r>
+            <a:endParaRPr lang="en-US" dirty="0"/>
+          </a:p>
+          <a:p>
+            <a:endParaRPr lang="en-US" dirty="0"/>
+          </a:p>
+          <a:p>
+            <a:r>
+              <a:rPr lang="en-US" dirty="0"/>
+              <a:t>Final project full proposal drafts</a:t>
+            </a:r>
+          </a:p>
+          <a:p>
+            <a:pPr lvl="1"/>
+            <a:r>
+              <a:rPr lang="en-US" dirty="0"/>
+              <a:t>As soon as possible</a:t>
+            </a:r>
+          </a:p>
+        </p:txBody>
+      </p:sp>
+    </p:spTree>
+    <p:extLst>
+      <p:ext uri="{BB962C8B-B14F-4D97-AF65-F5344CB8AC3E}">
+        <p14:creationId xmlns:p14="http://schemas.microsoft.com/office/powerpoint/2010/main" val="1495610878"/>
       </p:ext>
     </p:extLst>
   </p:cSld>

--- a/Class Slides 2024/Class 23.pptx
+++ b/Class Slides 2024/Class 23.pptx
@@ -5,29 +5,26 @@
     <p:sldMasterId id="2147483648" r:id="rId1"/>
   </p:sldMasterIdLst>
   <p:notesMasterIdLst>
-    <p:notesMasterId r:id="rId22"/>
+    <p:notesMasterId r:id="rId19"/>
   </p:notesMasterIdLst>
   <p:sldIdLst>
     <p:sldId id="256" r:id="rId2"/>
-    <p:sldId id="262" r:id="rId3"/>
-    <p:sldId id="430" r:id="rId4"/>
-    <p:sldId id="266" r:id="rId5"/>
-    <p:sldId id="427" r:id="rId6"/>
-    <p:sldId id="261" r:id="rId7"/>
-    <p:sldId id="260" r:id="rId8"/>
-    <p:sldId id="268" r:id="rId9"/>
-    <p:sldId id="259" r:id="rId10"/>
-    <p:sldId id="428" r:id="rId11"/>
-    <p:sldId id="282" r:id="rId12"/>
-    <p:sldId id="811" r:id="rId13"/>
-    <p:sldId id="815" r:id="rId14"/>
-    <p:sldId id="816" r:id="rId15"/>
-    <p:sldId id="817" r:id="rId16"/>
-    <p:sldId id="819" r:id="rId17"/>
-    <p:sldId id="820" r:id="rId18"/>
-    <p:sldId id="822" r:id="rId19"/>
-    <p:sldId id="821" r:id="rId20"/>
-    <p:sldId id="258" r:id="rId21"/>
+    <p:sldId id="823" r:id="rId3"/>
+    <p:sldId id="813" r:id="rId4"/>
+    <p:sldId id="276" r:id="rId5"/>
+    <p:sldId id="814" r:id="rId6"/>
+    <p:sldId id="811" r:id="rId7"/>
+    <p:sldId id="283" r:id="rId8"/>
+    <p:sldId id="262" r:id="rId9"/>
+    <p:sldId id="430" r:id="rId10"/>
+    <p:sldId id="266" r:id="rId11"/>
+    <p:sldId id="427" r:id="rId12"/>
+    <p:sldId id="261" r:id="rId13"/>
+    <p:sldId id="260" r:id="rId14"/>
+    <p:sldId id="268" r:id="rId15"/>
+    <p:sldId id="259" r:id="rId16"/>
+    <p:sldId id="428" r:id="rId17"/>
+    <p:sldId id="258" r:id="rId18"/>
   </p:sldIdLst>
   <p:sldSz cx="12192000" cy="6858000"/>
   <p:notesSz cx="7102475" cy="9388475"/>
@@ -216,7 +213,7 @@
           <a:p>
             <a:fld id="{09C14E7C-EF71-4C55-B9EC-1D241E958A93}" type="datetimeFigureOut">
               <a:rPr lang="en-US" smtClean="0"/>
-              <a:t>2/20/2024</a:t>
+              <a:t>2/25/2024</a:t>
             </a:fld>
             <a:endParaRPr lang="en-US"/>
           </a:p>
@@ -488,6 +485,162 @@
   <p:cSld>
     <p:spTree>
       <p:nvGrpSpPr>
+        <p:cNvPr id="1" name="">
+          <a:extLst>
+            <a:ext uri="{FF2B5EF4-FFF2-40B4-BE49-F238E27FC236}">
+              <a16:creationId xmlns:a16="http://schemas.microsoft.com/office/drawing/2014/main" id="{EA4E1C22-423C-F95D-9E4D-C2073A7EDABD}"/>
+            </a:ext>
+          </a:extLst>
+        </p:cNvPr>
+        <p:cNvGrpSpPr/>
+        <p:nvPr/>
+      </p:nvGrpSpPr>
+      <p:grpSpPr>
+        <a:xfrm>
+          <a:off x="0" y="0"/>
+          <a:ext cx="0" cy="0"/>
+          <a:chOff x="0" y="0"/>
+          <a:chExt cx="0" cy="0"/>
+        </a:xfrm>
+      </p:grpSpPr>
+      <p:sp>
+        <p:nvSpPr>
+          <p:cNvPr id="24578" name="Rectangle 7">
+            <a:extLst>
+              <a:ext uri="{FF2B5EF4-FFF2-40B4-BE49-F238E27FC236}">
+                <a16:creationId xmlns:a16="http://schemas.microsoft.com/office/drawing/2014/main" id="{ED840933-9D6A-1C57-8C11-CF567FA6FC2A}"/>
+              </a:ext>
+            </a:extLst>
+          </p:cNvPr>
+          <p:cNvSpPr>
+            <a:spLocks noGrp="1" noChangeArrowheads="1"/>
+          </p:cNvSpPr>
+          <p:nvPr>
+            <p:ph type="sldNum" sz="quarter" idx="5"/>
+          </p:nvPr>
+        </p:nvSpPr>
+        <p:spPr bwMode="auto">
+          <a:noFill/>
+          <a:ln>
+            <a:miter lim="800000"/>
+            <a:headEnd/>
+            <a:tailEnd/>
+          </a:ln>
+        </p:spPr>
+        <p:txBody>
+          <a:bodyPr wrap="square" numCol="1" anchorCtr="0" compatLnSpc="1">
+            <a:prstTxWarp prst="textNoShape">
+              <a:avLst/>
+            </a:prstTxWarp>
+          </a:bodyPr>
+          <a:lstStyle/>
+          <a:p>
+            <a:pPr fontAlgn="base">
+              <a:spcBef>
+                <a:spcPct val="0"/>
+              </a:spcBef>
+              <a:spcAft>
+                <a:spcPct val="0"/>
+              </a:spcAft>
+            </a:pPr>
+            <a:fld id="{603558D8-15F3-4A47-8F3A-8638566C761C}" type="slidenum">
+              <a:rPr lang="en-US"/>
+              <a:pPr fontAlgn="base">
+                <a:spcBef>
+                  <a:spcPct val="0"/>
+                </a:spcBef>
+                <a:spcAft>
+                  <a:spcPct val="0"/>
+                </a:spcAft>
+              </a:pPr>
+              <a:t>4</a:t>
+            </a:fld>
+            <a:endParaRPr lang="en-US"/>
+          </a:p>
+        </p:txBody>
+      </p:sp>
+      <p:sp>
+        <p:nvSpPr>
+          <p:cNvPr id="24579" name="Rectangle 2">
+            <a:extLst>
+              <a:ext uri="{FF2B5EF4-FFF2-40B4-BE49-F238E27FC236}">
+                <a16:creationId xmlns:a16="http://schemas.microsoft.com/office/drawing/2014/main" id="{472BCF50-6605-55E0-00E4-5F12B708BD57}"/>
+              </a:ext>
+            </a:extLst>
+          </p:cNvPr>
+          <p:cNvSpPr>
+            <a:spLocks noGrp="1" noRot="1" noChangeAspect="1" noChangeArrowheads="1" noTextEdit="1"/>
+          </p:cNvSpPr>
+          <p:nvPr>
+            <p:ph type="sldImg"/>
+          </p:nvPr>
+        </p:nvSpPr>
+        <p:spPr bwMode="auto">
+          <a:noFill/>
+          <a:ln>
+            <a:solidFill>
+              <a:srgbClr val="000000"/>
+            </a:solidFill>
+            <a:miter lim="800000"/>
+            <a:headEnd/>
+            <a:tailEnd/>
+          </a:ln>
+        </p:spPr>
+      </p:sp>
+      <p:sp>
+        <p:nvSpPr>
+          <p:cNvPr id="24580" name="Rectangle 3">
+            <a:extLst>
+              <a:ext uri="{FF2B5EF4-FFF2-40B4-BE49-F238E27FC236}">
+                <a16:creationId xmlns:a16="http://schemas.microsoft.com/office/drawing/2014/main" id="{8AF0C3ED-633E-C97D-4BB0-6B1B161A2C52}"/>
+              </a:ext>
+            </a:extLst>
+          </p:cNvPr>
+          <p:cNvSpPr>
+            <a:spLocks noGrp="1" noChangeArrowheads="1"/>
+          </p:cNvSpPr>
+          <p:nvPr>
+            <p:ph type="body" idx="1"/>
+          </p:nvPr>
+        </p:nvSpPr>
+        <p:spPr bwMode="auto">
+          <a:noFill/>
+        </p:spPr>
+        <p:txBody>
+          <a:bodyPr wrap="square" numCol="1" anchor="t" anchorCtr="0" compatLnSpc="1">
+            <a:prstTxWarp prst="textNoShape">
+              <a:avLst/>
+            </a:prstTxWarp>
+          </a:bodyPr>
+          <a:lstStyle/>
+          <a:p>
+            <a:pPr>
+              <a:spcBef>
+                <a:spcPct val="0"/>
+              </a:spcBef>
+            </a:pPr>
+            <a:endParaRPr lang="en-US"/>
+          </a:p>
+        </p:txBody>
+      </p:sp>
+    </p:spTree>
+    <p:extLst>
+      <p:ext uri="{BB962C8B-B14F-4D97-AF65-F5344CB8AC3E}">
+        <p14:creationId xmlns:p14="http://schemas.microsoft.com/office/powerpoint/2010/main" val="4259824954"/>
+      </p:ext>
+    </p:extLst>
+  </p:cSld>
+  <p:clrMapOvr>
+    <a:masterClrMapping/>
+  </p:clrMapOvr>
+</p:notes>
+</file>
+
+<file path=ppt/notesSlides/notesSlide2.xml><?xml version="1.0" encoding="utf-8"?>
+<p:notes xmlns:a="http://schemas.openxmlformats.org/drawingml/2006/main" xmlns:r="http://schemas.openxmlformats.org/officeDocument/2006/relationships" xmlns:p="http://schemas.openxmlformats.org/presentationml/2006/main">
+  <p:cSld>
+    <p:spTree>
+      <p:nvGrpSpPr>
         <p:cNvPr id="1" name=""/>
         <p:cNvGrpSpPr/>
         <p:nvPr/>
@@ -655,7 +808,7 @@
                   <a:spcPct val="0"/>
                 </a:spcAft>
               </a:pPr>
-              <a:t>2</a:t>
+              <a:t>8</a:t>
             </a:fld>
             <a:endParaRPr lang="en-US"/>
           </a:p>
@@ -901,7 +1054,7 @@
           <a:p>
             <a:fld id="{C6296303-98FD-456D-A8A2-CA41DFD59786}" type="datetimeFigureOut">
               <a:rPr lang="en-US" smtClean="0"/>
-              <a:t>2/20/2024</a:t>
+              <a:t>2/25/2024</a:t>
             </a:fld>
             <a:endParaRPr lang="en-US"/>
           </a:p>
@@ -1099,7 +1252,7 @@
           <a:p>
             <a:fld id="{C6296303-98FD-456D-A8A2-CA41DFD59786}" type="datetimeFigureOut">
               <a:rPr lang="en-US" smtClean="0"/>
-              <a:t>2/20/2024</a:t>
+              <a:t>2/25/2024</a:t>
             </a:fld>
             <a:endParaRPr lang="en-US"/>
           </a:p>
@@ -1307,7 +1460,7 @@
           <a:p>
             <a:fld id="{C6296303-98FD-456D-A8A2-CA41DFD59786}" type="datetimeFigureOut">
               <a:rPr lang="en-US" smtClean="0"/>
-              <a:t>2/20/2024</a:t>
+              <a:t>2/25/2024</a:t>
             </a:fld>
             <a:endParaRPr lang="en-US"/>
           </a:p>
@@ -1505,7 +1658,7 @@
           <a:p>
             <a:fld id="{C6296303-98FD-456D-A8A2-CA41DFD59786}" type="datetimeFigureOut">
               <a:rPr lang="en-US" smtClean="0"/>
-              <a:t>2/20/2024</a:t>
+              <a:t>2/25/2024</a:t>
             </a:fld>
             <a:endParaRPr lang="en-US"/>
           </a:p>
@@ -1780,7 +1933,7 @@
           <a:p>
             <a:fld id="{C6296303-98FD-456D-A8A2-CA41DFD59786}" type="datetimeFigureOut">
               <a:rPr lang="en-US" smtClean="0"/>
-              <a:t>2/20/2024</a:t>
+              <a:t>2/25/2024</a:t>
             </a:fld>
             <a:endParaRPr lang="en-US"/>
           </a:p>
@@ -2045,7 +2198,7 @@
           <a:p>
             <a:fld id="{C6296303-98FD-456D-A8A2-CA41DFD59786}" type="datetimeFigureOut">
               <a:rPr lang="en-US" smtClean="0"/>
-              <a:t>2/20/2024</a:t>
+              <a:t>2/25/2024</a:t>
             </a:fld>
             <a:endParaRPr lang="en-US"/>
           </a:p>
@@ -2457,7 +2610,7 @@
           <a:p>
             <a:fld id="{C6296303-98FD-456D-A8A2-CA41DFD59786}" type="datetimeFigureOut">
               <a:rPr lang="en-US" smtClean="0"/>
-              <a:t>2/20/2024</a:t>
+              <a:t>2/25/2024</a:t>
             </a:fld>
             <a:endParaRPr lang="en-US"/>
           </a:p>
@@ -2598,7 +2751,7 @@
           <a:p>
             <a:fld id="{C6296303-98FD-456D-A8A2-CA41DFD59786}" type="datetimeFigureOut">
               <a:rPr lang="en-US" smtClean="0"/>
-              <a:t>2/20/2024</a:t>
+              <a:t>2/25/2024</a:t>
             </a:fld>
             <a:endParaRPr lang="en-US"/>
           </a:p>
@@ -2711,7 +2864,7 @@
           <a:p>
             <a:fld id="{C6296303-98FD-456D-A8A2-CA41DFD59786}" type="datetimeFigureOut">
               <a:rPr lang="en-US" smtClean="0"/>
-              <a:t>2/20/2024</a:t>
+              <a:t>2/25/2024</a:t>
             </a:fld>
             <a:endParaRPr lang="en-US"/>
           </a:p>
@@ -3022,7 +3175,7 @@
           <a:p>
             <a:fld id="{C6296303-98FD-456D-A8A2-CA41DFD59786}" type="datetimeFigureOut">
               <a:rPr lang="en-US" smtClean="0"/>
-              <a:t>2/20/2024</a:t>
+              <a:t>2/25/2024</a:t>
             </a:fld>
             <a:endParaRPr lang="en-US"/>
           </a:p>
@@ -3310,7 +3463,7 @@
           <a:p>
             <a:fld id="{C6296303-98FD-456D-A8A2-CA41DFD59786}" type="datetimeFigureOut">
               <a:rPr lang="en-US" smtClean="0"/>
-              <a:t>2/20/2024</a:t>
+              <a:t>2/25/2024</a:t>
             </a:fld>
             <a:endParaRPr lang="en-US"/>
           </a:p>
@@ -3551,7 +3704,7 @@
           <a:p>
             <a:fld id="{C6296303-98FD-456D-A8A2-CA41DFD59786}" type="datetimeFigureOut">
               <a:rPr lang="en-US" smtClean="0"/>
-              <a:t>2/20/2024</a:t>
+              <a:t>2/25/2024</a:t>
             </a:fld>
             <a:endParaRPr lang="en-US"/>
           </a:p>
@@ -4019,7 +4172,14 @@
           <a:p>
             <a:r>
               <a:rPr lang="en-US" dirty="0"/>
-              <a:t>Final project proposals</a:t>
+              <a:t>Applied Research</a:t>
+            </a:r>
+          </a:p>
+          <a:p>
+            <a:pPr lvl="1"/>
+            <a:r>
+              <a:rPr lang="en-US" dirty="0"/>
+              <a:t>Quasi-experimental studies: Field, Intervention, Translational research</a:t>
             </a:r>
           </a:p>
           <a:p>
@@ -4028,7 +4188,7 @@
           <a:p>
             <a:r>
               <a:rPr lang="en-US" dirty="0"/>
-              <a:t>Field Research, Cunningham (1989)</a:t>
+              <a:t>Example: Field Research, Cunningham (1989)</a:t>
             </a:r>
           </a:p>
         </p:txBody>
@@ -4047,1844 +4207,6 @@
 </file>
 
 <file path=ppt/slides/slide10.xml><?xml version="1.0" encoding="utf-8"?>
-<p:sld xmlns:a="http://schemas.openxmlformats.org/drawingml/2006/main" xmlns:r="http://schemas.openxmlformats.org/officeDocument/2006/relationships" xmlns:p="http://schemas.openxmlformats.org/presentationml/2006/main">
-  <p:cSld>
-    <p:spTree>
-      <p:nvGrpSpPr>
-        <p:cNvPr id="1" name=""/>
-        <p:cNvGrpSpPr/>
-        <p:nvPr/>
-      </p:nvGrpSpPr>
-      <p:grpSpPr>
-        <a:xfrm>
-          <a:off x="0" y="0"/>
-          <a:ext cx="0" cy="0"/>
-          <a:chOff x="0" y="0"/>
-          <a:chExt cx="0" cy="0"/>
-        </a:xfrm>
-      </p:grpSpPr>
-      <p:sp>
-        <p:nvSpPr>
-          <p:cNvPr id="2" name="Title 1">
-            <a:extLst>
-              <a:ext uri="{FF2B5EF4-FFF2-40B4-BE49-F238E27FC236}">
-                <a16:creationId xmlns:a16="http://schemas.microsoft.com/office/drawing/2014/main" id="{A631FB21-A527-9A2B-1AA5-2B76577CDF41}"/>
-              </a:ext>
-            </a:extLst>
-          </p:cNvPr>
-          <p:cNvSpPr>
-            <a:spLocks noGrp="1"/>
-          </p:cNvSpPr>
-          <p:nvPr>
-            <p:ph type="title"/>
-          </p:nvPr>
-        </p:nvSpPr>
-        <p:spPr/>
-        <p:txBody>
-          <a:bodyPr/>
-          <a:lstStyle/>
-          <a:p>
-            <a:r>
-              <a:rPr lang="en-US" dirty="0"/>
-              <a:t>Field Research Summary	</a:t>
-            </a:r>
-          </a:p>
-        </p:txBody>
-      </p:sp>
-      <p:sp>
-        <p:nvSpPr>
-          <p:cNvPr id="3" name="Content Placeholder 2">
-            <a:extLst>
-              <a:ext uri="{FF2B5EF4-FFF2-40B4-BE49-F238E27FC236}">
-                <a16:creationId xmlns:a16="http://schemas.microsoft.com/office/drawing/2014/main" id="{DA43A815-D1A4-0D1C-A81B-309AF9C1C167}"/>
-              </a:ext>
-            </a:extLst>
-          </p:cNvPr>
-          <p:cNvSpPr>
-            <a:spLocks noGrp="1"/>
-          </p:cNvSpPr>
-          <p:nvPr>
-            <p:ph idx="1"/>
-          </p:nvPr>
-        </p:nvSpPr>
-        <p:spPr/>
-        <p:txBody>
-          <a:bodyPr>
-            <a:normAutofit/>
-          </a:bodyPr>
-          <a:lstStyle/>
-          <a:p>
-            <a:r>
-              <a:rPr lang="en-US" dirty="0"/>
-              <a:t>Quasi-experimental design</a:t>
-            </a:r>
-          </a:p>
-          <a:p>
-            <a:pPr lvl="1"/>
-            <a:r>
-              <a:rPr lang="en-US" dirty="0"/>
-              <a:t>Manipulated independent variable</a:t>
-            </a:r>
-          </a:p>
-          <a:p>
-            <a:pPr lvl="1"/>
-            <a:r>
-              <a:rPr lang="en-US" dirty="0"/>
-              <a:t>Done outside controlled laboratory conditions</a:t>
-            </a:r>
-          </a:p>
-          <a:p>
-            <a:pPr lvl="1"/>
-            <a:r>
-              <a:rPr lang="en-US" dirty="0"/>
-              <a:t>Good external validity</a:t>
-            </a:r>
-          </a:p>
-          <a:p>
-            <a:pPr lvl="1"/>
-            <a:r>
-              <a:rPr lang="en-US" dirty="0"/>
-              <a:t>Pretty good internal validity</a:t>
-            </a:r>
-          </a:p>
-          <a:p>
-            <a:r>
-              <a:rPr lang="en-US" dirty="0"/>
-              <a:t>Procedurally difficult to carry out</a:t>
-            </a:r>
-          </a:p>
-          <a:p>
-            <a:pPr lvl="1"/>
-            <a:r>
-              <a:rPr lang="en-US" dirty="0"/>
-              <a:t>Many uncontrolled extraneous variables</a:t>
-            </a:r>
-          </a:p>
-          <a:p>
-            <a:r>
-              <a:rPr lang="en-US" dirty="0"/>
-              <a:t>Challenging to follow best practices for ethical research</a:t>
-            </a:r>
-          </a:p>
-          <a:p>
-            <a:pPr lvl="1"/>
-            <a:r>
-              <a:rPr lang="en-US" dirty="0"/>
-              <a:t>Lack of voluntary participation, informed consent</a:t>
-            </a:r>
-          </a:p>
-          <a:p>
-            <a:pPr lvl="1"/>
-            <a:r>
-              <a:rPr lang="en-US" dirty="0"/>
-              <a:t>Implicit deception</a:t>
-            </a:r>
-          </a:p>
-        </p:txBody>
-      </p:sp>
-    </p:spTree>
-    <p:extLst>
-      <p:ext uri="{BB962C8B-B14F-4D97-AF65-F5344CB8AC3E}">
-        <p14:creationId xmlns:p14="http://schemas.microsoft.com/office/powerpoint/2010/main" val="2505456781"/>
-      </p:ext>
-    </p:extLst>
-  </p:cSld>
-  <p:clrMapOvr>
-    <a:masterClrMapping/>
-  </p:clrMapOvr>
-</p:sld>
-</file>
-
-<file path=ppt/slides/slide11.xml><?xml version="1.0" encoding="utf-8"?>
-<p:sld xmlns:a="http://schemas.openxmlformats.org/drawingml/2006/main" xmlns:r="http://schemas.openxmlformats.org/officeDocument/2006/relationships" xmlns:p="http://schemas.openxmlformats.org/presentationml/2006/main">
-  <p:cSld>
-    <p:spTree>
-      <p:nvGrpSpPr>
-        <p:cNvPr id="1" name=""/>
-        <p:cNvGrpSpPr/>
-        <p:nvPr/>
-      </p:nvGrpSpPr>
-      <p:grpSpPr>
-        <a:xfrm>
-          <a:off x="0" y="0"/>
-          <a:ext cx="0" cy="0"/>
-          <a:chOff x="0" y="0"/>
-          <a:chExt cx="0" cy="0"/>
-        </a:xfrm>
-      </p:grpSpPr>
-      <p:sp>
-        <p:nvSpPr>
-          <p:cNvPr id="2" name="Title 1">
-            <a:extLst>
-              <a:ext uri="{FF2B5EF4-FFF2-40B4-BE49-F238E27FC236}">
-                <a16:creationId xmlns:a16="http://schemas.microsoft.com/office/drawing/2014/main" id="{C9C316F5-C052-AE74-8E3C-723764656866}"/>
-              </a:ext>
-            </a:extLst>
-          </p:cNvPr>
-          <p:cNvSpPr>
-            <a:spLocks noGrp="1"/>
-          </p:cNvSpPr>
-          <p:nvPr>
-            <p:ph type="title"/>
-          </p:nvPr>
-        </p:nvSpPr>
-        <p:spPr/>
-        <p:txBody>
-          <a:bodyPr/>
-          <a:lstStyle/>
-          <a:p>
-            <a:r>
-              <a:rPr lang="en-US" dirty="0"/>
-              <a:t>Laptops in the classroom</a:t>
-            </a:r>
-          </a:p>
-        </p:txBody>
-      </p:sp>
-      <p:sp>
-        <p:nvSpPr>
-          <p:cNvPr id="3" name="Content Placeholder 2">
-            <a:extLst>
-              <a:ext uri="{FF2B5EF4-FFF2-40B4-BE49-F238E27FC236}">
-                <a16:creationId xmlns:a16="http://schemas.microsoft.com/office/drawing/2014/main" id="{31DE2EA4-2EE3-5604-19F2-EB46EB17E9A0}"/>
-              </a:ext>
-            </a:extLst>
-          </p:cNvPr>
-          <p:cNvSpPr>
-            <a:spLocks noGrp="1"/>
-          </p:cNvSpPr>
-          <p:nvPr>
-            <p:ph idx="1"/>
-          </p:nvPr>
-        </p:nvSpPr>
-        <p:spPr/>
-        <p:txBody>
-          <a:bodyPr/>
-          <a:lstStyle/>
-          <a:p>
-            <a:r>
-              <a:rPr lang="en-US" dirty="0"/>
-              <a:t>Evidence against</a:t>
-            </a:r>
-          </a:p>
-          <a:p>
-            <a:pPr lvl="1"/>
-            <a:r>
-              <a:rPr lang="en-US" dirty="0"/>
-              <a:t>Distraction caused by multitasking (Sana et al. 2013)</a:t>
-            </a:r>
-          </a:p>
-          <a:p>
-            <a:pPr lvl="1"/>
-            <a:r>
-              <a:rPr lang="en-US" dirty="0"/>
-              <a:t>Writing is better (Mueller &amp; Oppenheimer, 2014)</a:t>
-            </a:r>
-          </a:p>
-          <a:p>
-            <a:r>
-              <a:rPr lang="en-US" dirty="0"/>
-              <a:t>Methodological challenges</a:t>
-            </a:r>
-          </a:p>
-          <a:p>
-            <a:pPr lvl="1"/>
-            <a:r>
-              <a:rPr lang="en-US" dirty="0"/>
-              <a:t>Grades are a problematic DV</a:t>
-            </a:r>
-          </a:p>
-          <a:p>
-            <a:pPr lvl="1"/>
-            <a:r>
-              <a:rPr lang="en-US" dirty="0"/>
-              <a:t>Too many extraneous variables to control</a:t>
-            </a:r>
-          </a:p>
-          <a:p>
-            <a:r>
-              <a:rPr lang="en-US" dirty="0"/>
-              <a:t>External validity</a:t>
-            </a:r>
-          </a:p>
-          <a:p>
-            <a:pPr lvl="1"/>
-            <a:r>
-              <a:rPr lang="en-US" dirty="0"/>
-              <a:t>Differences in students, teachers, material</a:t>
-            </a:r>
-          </a:p>
-          <a:p>
-            <a:pPr lvl="1"/>
-            <a:r>
-              <a:rPr lang="en-US" dirty="0"/>
-              <a:t>Changes over time due to greater experience with technology?</a:t>
-            </a:r>
-          </a:p>
-        </p:txBody>
-      </p:sp>
-    </p:spTree>
-    <p:extLst>
-      <p:ext uri="{BB962C8B-B14F-4D97-AF65-F5344CB8AC3E}">
-        <p14:creationId xmlns:p14="http://schemas.microsoft.com/office/powerpoint/2010/main" val="1681685781"/>
-      </p:ext>
-    </p:extLst>
-  </p:cSld>
-  <p:clrMapOvr>
-    <a:masterClrMapping/>
-  </p:clrMapOvr>
-</p:sld>
-</file>
-
-<file path=ppt/slides/slide12.xml><?xml version="1.0" encoding="utf-8"?>
-<p:sld xmlns:a="http://schemas.openxmlformats.org/drawingml/2006/main" xmlns:r="http://schemas.openxmlformats.org/officeDocument/2006/relationships" xmlns:p="http://schemas.openxmlformats.org/presentationml/2006/main">
-  <p:cSld>
-    <p:spTree>
-      <p:nvGrpSpPr>
-        <p:cNvPr id="1" name=""/>
-        <p:cNvGrpSpPr/>
-        <p:nvPr/>
-      </p:nvGrpSpPr>
-      <p:grpSpPr>
-        <a:xfrm>
-          <a:off x="0" y="0"/>
-          <a:ext cx="0" cy="0"/>
-          <a:chOff x="0" y="0"/>
-          <a:chExt cx="0" cy="0"/>
-        </a:xfrm>
-      </p:grpSpPr>
-      <p:sp>
-        <p:nvSpPr>
-          <p:cNvPr id="2" name="Content Placeholder 1">
-            <a:extLst>
-              <a:ext uri="{FF2B5EF4-FFF2-40B4-BE49-F238E27FC236}">
-                <a16:creationId xmlns:a16="http://schemas.microsoft.com/office/drawing/2014/main" id="{61784353-8B8F-4C90-8DC2-A33EE32EE775}"/>
-              </a:ext>
-            </a:extLst>
-          </p:cNvPr>
-          <p:cNvSpPr>
-            <a:spLocks noGrp="1"/>
-          </p:cNvSpPr>
-          <p:nvPr>
-            <p:ph idx="1"/>
-          </p:nvPr>
-        </p:nvSpPr>
-        <p:spPr/>
-        <p:txBody>
-          <a:bodyPr>
-            <a:normAutofit fontScale="92500"/>
-          </a:bodyPr>
-          <a:lstStyle/>
-          <a:p>
-            <a:r>
-              <a:rPr lang="en-US" sz="2400" dirty="0"/>
-              <a:t>T1: A1 &gt; B1</a:t>
-            </a:r>
-          </a:p>
-          <a:p>
-            <a:pPr lvl="1"/>
-            <a:r>
-              <a:rPr lang="en-US" sz="2000" dirty="0"/>
-              <a:t>Strongest evidence if successful</a:t>
-            </a:r>
-          </a:p>
-          <a:p>
-            <a:pPr lvl="2"/>
-            <a:r>
-              <a:rPr lang="en-US" sz="1800" dirty="0"/>
-              <a:t>Cohort A is better at task performance because of training intervention</a:t>
-            </a:r>
-          </a:p>
-          <a:p>
-            <a:pPr lvl="1"/>
-            <a:r>
-              <a:rPr lang="en-US" sz="2000" dirty="0"/>
-              <a:t>Weakest for statistical power</a:t>
-            </a:r>
-          </a:p>
-          <a:p>
-            <a:pPr lvl="2"/>
-            <a:r>
-              <a:rPr lang="en-US" sz="1800" dirty="0"/>
-              <a:t>“Between-participants” design vulnerable to individual differences, variability due to measurement error</a:t>
-            </a:r>
-          </a:p>
-          <a:p>
-            <a:r>
-              <a:rPr lang="en-US" sz="2400" dirty="0"/>
-              <a:t>T2: B2 &gt; B1</a:t>
-            </a:r>
-          </a:p>
-          <a:p>
-            <a:pPr lvl="1"/>
-            <a:r>
-              <a:rPr lang="en-US" sz="2000" dirty="0"/>
-              <a:t>Strongest statistical power</a:t>
-            </a:r>
-          </a:p>
-          <a:p>
-            <a:pPr lvl="2"/>
-            <a:r>
-              <a:rPr lang="en-US" sz="1800" dirty="0"/>
-              <a:t>Each student is their own control</a:t>
-            </a:r>
-          </a:p>
-          <a:p>
-            <a:pPr lvl="1"/>
-            <a:r>
-              <a:rPr lang="en-US" sz="2000" dirty="0"/>
-              <a:t>Inference that intervention caused improvement is weakened by other possible sources of learning between assessments</a:t>
-            </a:r>
-          </a:p>
-          <a:p>
-            <a:r>
-              <a:rPr lang="en-US" sz="2400" dirty="0"/>
-              <a:t>T3: A1 = A2</a:t>
-            </a:r>
-          </a:p>
-          <a:p>
-            <a:pPr lvl="1"/>
-            <a:r>
-              <a:rPr lang="en-US" sz="2000" dirty="0"/>
-              <a:t>Demonstrates retention</a:t>
-            </a:r>
-          </a:p>
-          <a:p>
-            <a:pPr lvl="1"/>
-            <a:r>
-              <a:rPr lang="en-US" sz="2000" dirty="0"/>
-              <a:t>Weak statistical test relies on no difference but still useful to document</a:t>
-            </a:r>
-            <a:endParaRPr lang="en-US" dirty="0"/>
-          </a:p>
-          <a:p>
-            <a:pPr lvl="1"/>
-            <a:endParaRPr lang="en-US" dirty="0"/>
-          </a:p>
-        </p:txBody>
-      </p:sp>
-      <p:sp>
-        <p:nvSpPr>
-          <p:cNvPr id="3" name="Title 2">
-            <a:extLst>
-              <a:ext uri="{FF2B5EF4-FFF2-40B4-BE49-F238E27FC236}">
-                <a16:creationId xmlns:a16="http://schemas.microsoft.com/office/drawing/2014/main" id="{11E3BB26-5983-40DF-9934-451C766FA8F2}"/>
-              </a:ext>
-            </a:extLst>
-          </p:cNvPr>
-          <p:cNvSpPr>
-            <a:spLocks noGrp="1"/>
-          </p:cNvSpPr>
-          <p:nvPr>
-            <p:ph type="title"/>
-          </p:nvPr>
-        </p:nvSpPr>
-        <p:spPr/>
-        <p:txBody>
-          <a:bodyPr/>
-          <a:lstStyle/>
-          <a:p>
-            <a:r>
-              <a:rPr lang="en-US" dirty="0"/>
-              <a:t>Contrasts</a:t>
-            </a:r>
-          </a:p>
-        </p:txBody>
-      </p:sp>
-    </p:spTree>
-    <p:extLst>
-      <p:ext uri="{BB962C8B-B14F-4D97-AF65-F5344CB8AC3E}">
-        <p14:creationId xmlns:p14="http://schemas.microsoft.com/office/powerpoint/2010/main" val="609411249"/>
-      </p:ext>
-    </p:extLst>
-  </p:cSld>
-  <p:clrMapOvr>
-    <a:masterClrMapping/>
-  </p:clrMapOvr>
-</p:sld>
-</file>
-
-<file path=ppt/slides/slide13.xml><?xml version="1.0" encoding="utf-8"?>
-<p:sld xmlns:a="http://schemas.openxmlformats.org/drawingml/2006/main" xmlns:r="http://schemas.openxmlformats.org/officeDocument/2006/relationships" xmlns:p="http://schemas.openxmlformats.org/presentationml/2006/main">
-  <p:cSld>
-    <p:spTree>
-      <p:nvGrpSpPr>
-        <p:cNvPr id="1" name=""/>
-        <p:cNvGrpSpPr/>
-        <p:nvPr/>
-      </p:nvGrpSpPr>
-      <p:grpSpPr>
-        <a:xfrm>
-          <a:off x="0" y="0"/>
-          <a:ext cx="0" cy="0"/>
-          <a:chOff x="0" y="0"/>
-          <a:chExt cx="0" cy="0"/>
-        </a:xfrm>
-      </p:grpSpPr>
-      <p:sp>
-        <p:nvSpPr>
-          <p:cNvPr id="2" name="Title 1">
-            <a:extLst>
-              <a:ext uri="{FF2B5EF4-FFF2-40B4-BE49-F238E27FC236}">
-                <a16:creationId xmlns:a16="http://schemas.microsoft.com/office/drawing/2014/main" id="{14839D3A-9452-9A37-1918-C0DD2C9C5375}"/>
-              </a:ext>
-            </a:extLst>
-          </p:cNvPr>
-          <p:cNvSpPr>
-            <a:spLocks noGrp="1"/>
-          </p:cNvSpPr>
-          <p:nvPr>
-            <p:ph type="title"/>
-          </p:nvPr>
-        </p:nvSpPr>
-        <p:spPr/>
-        <p:txBody>
-          <a:bodyPr/>
-          <a:lstStyle/>
-          <a:p>
-            <a:r>
-              <a:rPr lang="en-US" dirty="0"/>
-              <a:t>Brain Training</a:t>
-            </a:r>
-          </a:p>
-        </p:txBody>
-      </p:sp>
-      <p:sp>
-        <p:nvSpPr>
-          <p:cNvPr id="3" name="Content Placeholder 2">
-            <a:extLst>
-              <a:ext uri="{FF2B5EF4-FFF2-40B4-BE49-F238E27FC236}">
-                <a16:creationId xmlns:a16="http://schemas.microsoft.com/office/drawing/2014/main" id="{77B82970-A800-96A2-3AF6-DFEDF45A6CF8}"/>
-              </a:ext>
-            </a:extLst>
-          </p:cNvPr>
-          <p:cNvSpPr>
-            <a:spLocks noGrp="1"/>
-          </p:cNvSpPr>
-          <p:nvPr>
-            <p:ph idx="1"/>
-          </p:nvPr>
-        </p:nvSpPr>
-        <p:spPr/>
-        <p:txBody>
-          <a:bodyPr/>
-          <a:lstStyle/>
-          <a:p>
-            <a:r>
-              <a:rPr lang="en-US" dirty="0" err="1"/>
-              <a:t>Jaeggi</a:t>
-            </a:r>
-            <a:r>
-              <a:rPr lang="en-US" dirty="0"/>
-              <a:t> et al. (2008) reported an intervention that appeared to increase fluid intelligence</a:t>
-            </a:r>
-          </a:p>
-          <a:p>
-            <a:endParaRPr lang="en-US" dirty="0"/>
-          </a:p>
-          <a:p>
-            <a:r>
-              <a:rPr lang="en-US" dirty="0"/>
-              <a:t>Basic science: fluid intelligence is supposed to be immutable</a:t>
-            </a:r>
-          </a:p>
-          <a:p>
-            <a:pPr lvl="1"/>
-            <a:r>
-              <a:rPr lang="en-US" dirty="0"/>
-              <a:t>Some core cognitive abilities are traits</a:t>
-            </a:r>
-          </a:p>
-          <a:p>
-            <a:pPr lvl="1"/>
-            <a:r>
-              <a:rPr lang="en-US" dirty="0"/>
-              <a:t>Unaffected by education, experience, environment</a:t>
-            </a:r>
-          </a:p>
-          <a:p>
-            <a:r>
-              <a:rPr lang="en-US" dirty="0"/>
-              <a:t>Applied science: “use it or lose it” in cognitive aging</a:t>
-            </a:r>
-          </a:p>
-          <a:p>
-            <a:pPr lvl="1"/>
-            <a:r>
-              <a:rPr lang="en-US" dirty="0"/>
-              <a:t>Lifetime cognitive engagement predicts better aging</a:t>
-            </a:r>
-          </a:p>
-          <a:p>
-            <a:pPr lvl="1"/>
-            <a:r>
-              <a:rPr lang="en-US" dirty="0"/>
-              <a:t>High levels of education, “occupational complexity”</a:t>
-            </a:r>
-          </a:p>
-        </p:txBody>
-      </p:sp>
-    </p:spTree>
-    <p:extLst>
-      <p:ext uri="{BB962C8B-B14F-4D97-AF65-F5344CB8AC3E}">
-        <p14:creationId xmlns:p14="http://schemas.microsoft.com/office/powerpoint/2010/main" val="1884425633"/>
-      </p:ext>
-    </p:extLst>
-  </p:cSld>
-  <p:clrMapOvr>
-    <a:masterClrMapping/>
-  </p:clrMapOvr>
-</p:sld>
-</file>
-
-<file path=ppt/slides/slide14.xml><?xml version="1.0" encoding="utf-8"?>
-<p:sld xmlns:a="http://schemas.openxmlformats.org/drawingml/2006/main" xmlns:r="http://schemas.openxmlformats.org/officeDocument/2006/relationships" xmlns:p="http://schemas.openxmlformats.org/presentationml/2006/main">
-  <p:cSld>
-    <p:spTree>
-      <p:nvGrpSpPr>
-        <p:cNvPr id="1" name=""/>
-        <p:cNvGrpSpPr/>
-        <p:nvPr/>
-      </p:nvGrpSpPr>
-      <p:grpSpPr>
-        <a:xfrm>
-          <a:off x="0" y="0"/>
-          <a:ext cx="0" cy="0"/>
-          <a:chOff x="0" y="0"/>
-          <a:chExt cx="0" cy="0"/>
-        </a:xfrm>
-      </p:grpSpPr>
-      <p:sp>
-        <p:nvSpPr>
-          <p:cNvPr id="2" name="Title 1">
-            <a:extLst>
-              <a:ext uri="{FF2B5EF4-FFF2-40B4-BE49-F238E27FC236}">
-                <a16:creationId xmlns:a16="http://schemas.microsoft.com/office/drawing/2014/main" id="{B072376F-0958-D095-5F57-9D7ED401C895}"/>
-              </a:ext>
-            </a:extLst>
-          </p:cNvPr>
-          <p:cNvSpPr>
-            <a:spLocks noGrp="1"/>
-          </p:cNvSpPr>
-          <p:nvPr>
-            <p:ph type="title"/>
-          </p:nvPr>
-        </p:nvSpPr>
-        <p:spPr/>
-        <p:txBody>
-          <a:bodyPr/>
-          <a:lstStyle/>
-          <a:p>
-            <a:r>
-              <a:rPr lang="en-US" dirty="0"/>
-              <a:t>Methodological challenges</a:t>
-            </a:r>
-          </a:p>
-        </p:txBody>
-      </p:sp>
-      <p:sp>
-        <p:nvSpPr>
-          <p:cNvPr id="3" name="Content Placeholder 2">
-            <a:extLst>
-              <a:ext uri="{FF2B5EF4-FFF2-40B4-BE49-F238E27FC236}">
-                <a16:creationId xmlns:a16="http://schemas.microsoft.com/office/drawing/2014/main" id="{C8D9BF1E-55BA-0708-81D6-49D5323C78B7}"/>
-              </a:ext>
-            </a:extLst>
-          </p:cNvPr>
-          <p:cNvSpPr>
-            <a:spLocks noGrp="1"/>
-          </p:cNvSpPr>
-          <p:nvPr>
-            <p:ph idx="1"/>
-          </p:nvPr>
-        </p:nvSpPr>
-        <p:spPr/>
-        <p:txBody>
-          <a:bodyPr>
-            <a:normAutofit lnSpcReduction="10000"/>
-          </a:bodyPr>
-          <a:lstStyle/>
-          <a:p>
-            <a:r>
-              <a:rPr lang="en-US" dirty="0"/>
-              <a:t>What is the best control condition to the intervention?</a:t>
-            </a:r>
-          </a:p>
-          <a:p>
-            <a:pPr lvl="1"/>
-            <a:r>
-              <a:rPr lang="en-US" dirty="0"/>
-              <a:t>Demand characteristics matter</a:t>
-            </a:r>
-          </a:p>
-          <a:p>
-            <a:r>
-              <a:rPr lang="en-US" dirty="0"/>
-              <a:t>What is the appropriate dependent variable?</a:t>
-            </a:r>
-          </a:p>
-          <a:p>
-            <a:pPr lvl="1"/>
-            <a:r>
-              <a:rPr lang="en-US" dirty="0"/>
-              <a:t>Matrix-based IQ tests are not designed for this</a:t>
-            </a:r>
-          </a:p>
-          <a:p>
-            <a:r>
-              <a:rPr lang="en-US" dirty="0"/>
-              <a:t>Generalization across age</a:t>
-            </a:r>
-          </a:p>
-          <a:p>
-            <a:pPr lvl="1"/>
-            <a:r>
-              <a:rPr lang="en-US" dirty="0"/>
-              <a:t>Undergraduates</a:t>
-            </a:r>
-          </a:p>
-          <a:p>
-            <a:pPr lvl="1"/>
-            <a:r>
-              <a:rPr lang="en-US" dirty="0"/>
-              <a:t>Children</a:t>
-            </a:r>
-          </a:p>
-          <a:p>
-            <a:pPr lvl="1"/>
-            <a:r>
-              <a:rPr lang="en-US" dirty="0"/>
-              <a:t>Older adults</a:t>
-            </a:r>
-          </a:p>
-          <a:p>
-            <a:r>
-              <a:rPr lang="en-US" dirty="0"/>
-              <a:t>Effect size estimates</a:t>
-            </a:r>
-          </a:p>
-          <a:p>
-            <a:pPr lvl="1"/>
-            <a:r>
-              <a:rPr lang="en-US" dirty="0"/>
-              <a:t>0.8 -&gt; 0.2</a:t>
-            </a:r>
-          </a:p>
-          <a:p>
-            <a:pPr lvl="1"/>
-            <a:endParaRPr lang="en-US" dirty="0"/>
-          </a:p>
-        </p:txBody>
-      </p:sp>
-    </p:spTree>
-    <p:extLst>
-      <p:ext uri="{BB962C8B-B14F-4D97-AF65-F5344CB8AC3E}">
-        <p14:creationId xmlns:p14="http://schemas.microsoft.com/office/powerpoint/2010/main" val="510382756"/>
-      </p:ext>
-    </p:extLst>
-  </p:cSld>
-  <p:clrMapOvr>
-    <a:masterClrMapping/>
-  </p:clrMapOvr>
-</p:sld>
-</file>
-
-<file path=ppt/slides/slide15.xml><?xml version="1.0" encoding="utf-8"?>
-<p:sld xmlns:a="http://schemas.openxmlformats.org/drawingml/2006/main" xmlns:r="http://schemas.openxmlformats.org/officeDocument/2006/relationships" xmlns:p="http://schemas.openxmlformats.org/presentationml/2006/main">
-  <p:cSld>
-    <p:spTree>
-      <p:nvGrpSpPr>
-        <p:cNvPr id="1" name=""/>
-        <p:cNvGrpSpPr/>
-        <p:nvPr/>
-      </p:nvGrpSpPr>
-      <p:grpSpPr>
-        <a:xfrm>
-          <a:off x="0" y="0"/>
-          <a:ext cx="0" cy="0"/>
-          <a:chOff x="0" y="0"/>
-          <a:chExt cx="0" cy="0"/>
-        </a:xfrm>
-      </p:grpSpPr>
-      <p:sp>
-        <p:nvSpPr>
-          <p:cNvPr id="2" name="Title 1">
-            <a:extLst>
-              <a:ext uri="{FF2B5EF4-FFF2-40B4-BE49-F238E27FC236}">
-                <a16:creationId xmlns:a16="http://schemas.microsoft.com/office/drawing/2014/main" id="{A23E2A11-9CCF-4A04-351B-3594B1B9FE27}"/>
-              </a:ext>
-            </a:extLst>
-          </p:cNvPr>
-          <p:cNvSpPr>
-            <a:spLocks noGrp="1"/>
-          </p:cNvSpPr>
-          <p:nvPr>
-            <p:ph type="title"/>
-          </p:nvPr>
-        </p:nvSpPr>
-        <p:spPr/>
-        <p:txBody>
-          <a:bodyPr/>
-          <a:lstStyle/>
-          <a:p>
-            <a:r>
-              <a:rPr lang="en-US" dirty="0"/>
-              <a:t>RCR Problems</a:t>
-            </a:r>
-          </a:p>
-        </p:txBody>
-      </p:sp>
-      <p:sp>
-        <p:nvSpPr>
-          <p:cNvPr id="3" name="Content Placeholder 2">
-            <a:extLst>
-              <a:ext uri="{FF2B5EF4-FFF2-40B4-BE49-F238E27FC236}">
-                <a16:creationId xmlns:a16="http://schemas.microsoft.com/office/drawing/2014/main" id="{A364051A-11F6-90CE-30EC-6FC0D42B045C}"/>
-              </a:ext>
-            </a:extLst>
-          </p:cNvPr>
-          <p:cNvSpPr>
-            <a:spLocks noGrp="1"/>
-          </p:cNvSpPr>
-          <p:nvPr>
-            <p:ph idx="1"/>
-          </p:nvPr>
-        </p:nvSpPr>
-        <p:spPr/>
-        <p:txBody>
-          <a:bodyPr/>
-          <a:lstStyle/>
-          <a:p>
-            <a:r>
-              <a:rPr lang="en-US" dirty="0"/>
-              <a:t>Lumosity Brain Training company</a:t>
-            </a:r>
-          </a:p>
-          <a:p>
-            <a:pPr lvl="1"/>
-            <a:r>
-              <a:rPr lang="en-US" dirty="0"/>
-              <a:t>Licensed tasks</a:t>
-            </a:r>
-          </a:p>
-          <a:p>
-            <a:pPr lvl="1"/>
-            <a:r>
-              <a:rPr lang="en-US" dirty="0"/>
-              <a:t>Funded efficacy research</a:t>
-            </a:r>
-          </a:p>
-          <a:p>
-            <a:pPr lvl="1"/>
-            <a:r>
-              <a:rPr lang="en-US" dirty="0"/>
-              <a:t>Paid a large fine for misleading advertising</a:t>
-            </a:r>
-          </a:p>
-          <a:p>
-            <a:pPr lvl="1"/>
-            <a:endParaRPr lang="en-US" dirty="0"/>
-          </a:p>
-          <a:p>
-            <a:r>
-              <a:rPr lang="en-US" dirty="0"/>
-              <a:t>Brain training markets</a:t>
-            </a:r>
-          </a:p>
-          <a:p>
-            <a:pPr lvl="1"/>
-            <a:r>
-              <a:rPr lang="en-US" dirty="0"/>
-              <a:t>Children with learning disabilities</a:t>
-            </a:r>
-          </a:p>
-          <a:p>
-            <a:pPr lvl="1"/>
-            <a:r>
-              <a:rPr lang="en-US" dirty="0"/>
-              <a:t>Older adults and cognitive decline</a:t>
-            </a:r>
-          </a:p>
-          <a:p>
-            <a:pPr lvl="1"/>
-            <a:endParaRPr lang="en-US" dirty="0"/>
-          </a:p>
-          <a:p>
-            <a:r>
-              <a:rPr lang="en-US" dirty="0"/>
-              <a:t>Conflict of Interest concerns greatly heightened skepticism</a:t>
-            </a:r>
-          </a:p>
-        </p:txBody>
-      </p:sp>
-    </p:spTree>
-    <p:extLst>
-      <p:ext uri="{BB962C8B-B14F-4D97-AF65-F5344CB8AC3E}">
-        <p14:creationId xmlns:p14="http://schemas.microsoft.com/office/powerpoint/2010/main" val="1122911974"/>
-      </p:ext>
-    </p:extLst>
-  </p:cSld>
-  <p:clrMapOvr>
-    <a:masterClrMapping/>
-  </p:clrMapOvr>
-</p:sld>
-</file>
-
-<file path=ppt/slides/slide16.xml><?xml version="1.0" encoding="utf-8"?>
-<p:sld xmlns:a="http://schemas.openxmlformats.org/drawingml/2006/main" xmlns:r="http://schemas.openxmlformats.org/officeDocument/2006/relationships" xmlns:p="http://schemas.openxmlformats.org/presentationml/2006/main">
-  <p:cSld>
-    <p:spTree>
-      <p:nvGrpSpPr>
-        <p:cNvPr id="1" name=""/>
-        <p:cNvGrpSpPr/>
-        <p:nvPr/>
-      </p:nvGrpSpPr>
-      <p:grpSpPr>
-        <a:xfrm>
-          <a:off x="0" y="0"/>
-          <a:ext cx="0" cy="0"/>
-          <a:chOff x="0" y="0"/>
-          <a:chExt cx="0" cy="0"/>
-        </a:xfrm>
-      </p:grpSpPr>
-      <p:sp>
-        <p:nvSpPr>
-          <p:cNvPr id="2" name="Title 1">
-            <a:extLst>
-              <a:ext uri="{FF2B5EF4-FFF2-40B4-BE49-F238E27FC236}">
-                <a16:creationId xmlns:a16="http://schemas.microsoft.com/office/drawing/2014/main" id="{776CD3C4-55E8-5B7C-9D3D-3C9B3268D664}"/>
-              </a:ext>
-            </a:extLst>
-          </p:cNvPr>
-          <p:cNvSpPr>
-            <a:spLocks noGrp="1"/>
-          </p:cNvSpPr>
-          <p:nvPr>
-            <p:ph type="title"/>
-          </p:nvPr>
-        </p:nvSpPr>
-        <p:spPr/>
-        <p:txBody>
-          <a:bodyPr/>
-          <a:lstStyle/>
-          <a:p>
-            <a:r>
-              <a:rPr lang="en-US" dirty="0"/>
-              <a:t>Owen et al. (2010)</a:t>
-            </a:r>
-          </a:p>
-        </p:txBody>
-      </p:sp>
-      <p:sp>
-        <p:nvSpPr>
-          <p:cNvPr id="3" name="Content Placeholder 2">
-            <a:extLst>
-              <a:ext uri="{FF2B5EF4-FFF2-40B4-BE49-F238E27FC236}">
-                <a16:creationId xmlns:a16="http://schemas.microsoft.com/office/drawing/2014/main" id="{F7A2F110-90E9-14DB-C224-F7B509AAB1BA}"/>
-              </a:ext>
-            </a:extLst>
-          </p:cNvPr>
-          <p:cNvSpPr>
-            <a:spLocks noGrp="1"/>
-          </p:cNvSpPr>
-          <p:nvPr>
-            <p:ph idx="1"/>
-          </p:nvPr>
-        </p:nvSpPr>
-        <p:spPr/>
-        <p:txBody>
-          <a:bodyPr/>
-          <a:lstStyle/>
-          <a:p>
-            <a:r>
-              <a:rPr lang="en-US" dirty="0"/>
-              <a:t>Large-scale study failed to find effects</a:t>
-            </a:r>
-          </a:p>
-          <a:p>
-            <a:pPr lvl="1"/>
-            <a:r>
-              <a:rPr lang="en-US" dirty="0"/>
-              <a:t>6 weeks of training</a:t>
-            </a:r>
-          </a:p>
-          <a:p>
-            <a:pPr lvl="1"/>
-            <a:r>
-              <a:rPr lang="en-US" dirty="0"/>
-              <a:t>N = 11,430 online participants</a:t>
-            </a:r>
-          </a:p>
-          <a:p>
-            <a:pPr lvl="1"/>
-            <a:endParaRPr lang="en-US" dirty="0"/>
-          </a:p>
-          <a:p>
-            <a:r>
-              <a:rPr lang="en-US" dirty="0"/>
-              <a:t>Practice improved performance on trained tasks</a:t>
-            </a:r>
-          </a:p>
-          <a:p>
-            <a:pPr lvl="1"/>
-            <a:r>
-              <a:rPr lang="en-US" dirty="0"/>
-              <a:t>Did not transfer to any general or untrained measures</a:t>
-            </a:r>
-          </a:p>
-          <a:p>
-            <a:pPr lvl="1"/>
-            <a:endParaRPr lang="en-US" dirty="0"/>
-          </a:p>
-          <a:p>
-            <a:r>
-              <a:rPr lang="en-US" dirty="0"/>
-              <a:t>Similar to many other training studies with null findings</a:t>
-            </a:r>
-          </a:p>
-        </p:txBody>
-      </p:sp>
-      <p:pic>
-        <p:nvPicPr>
-          <p:cNvPr id="5" name="Picture 4">
-            <a:extLst>
-              <a:ext uri="{FF2B5EF4-FFF2-40B4-BE49-F238E27FC236}">
-                <a16:creationId xmlns:a16="http://schemas.microsoft.com/office/drawing/2014/main" id="{17616D90-8E6A-6A8B-A320-A5BFD772C4CA}"/>
-              </a:ext>
-            </a:extLst>
-          </p:cNvPr>
-          <p:cNvPicPr>
-            <a:picLocks noChangeAspect="1"/>
-          </p:cNvPicPr>
-          <p:nvPr/>
-        </p:nvPicPr>
-        <p:blipFill>
-          <a:blip r:embed="rId2"/>
-          <a:stretch>
-            <a:fillRect/>
-          </a:stretch>
-        </p:blipFill>
-        <p:spPr>
-          <a:xfrm>
-            <a:off x="5789034" y="177800"/>
-            <a:ext cx="5934075" cy="1647825"/>
-          </a:xfrm>
-          <a:prstGeom prst="rect">
-            <a:avLst/>
-          </a:prstGeom>
-        </p:spPr>
-      </p:pic>
-    </p:spTree>
-    <p:extLst>
-      <p:ext uri="{BB962C8B-B14F-4D97-AF65-F5344CB8AC3E}">
-        <p14:creationId xmlns:p14="http://schemas.microsoft.com/office/powerpoint/2010/main" val="370961319"/>
-      </p:ext>
-    </p:extLst>
-  </p:cSld>
-  <p:clrMapOvr>
-    <a:masterClrMapping/>
-  </p:clrMapOvr>
-</p:sld>
-</file>
-
-<file path=ppt/slides/slide17.xml><?xml version="1.0" encoding="utf-8"?>
-<p:sld xmlns:a="http://schemas.openxmlformats.org/drawingml/2006/main" xmlns:r="http://schemas.openxmlformats.org/officeDocument/2006/relationships" xmlns:p="http://schemas.openxmlformats.org/presentationml/2006/main">
-  <p:cSld>
-    <p:spTree>
-      <p:nvGrpSpPr>
-        <p:cNvPr id="1" name=""/>
-        <p:cNvGrpSpPr/>
-        <p:nvPr/>
-      </p:nvGrpSpPr>
-      <p:grpSpPr>
-        <a:xfrm>
-          <a:off x="0" y="0"/>
-          <a:ext cx="0" cy="0"/>
-          <a:chOff x="0" y="0"/>
-          <a:chExt cx="0" cy="0"/>
-        </a:xfrm>
-      </p:grpSpPr>
-      <p:sp>
-        <p:nvSpPr>
-          <p:cNvPr id="2" name="Title 1">
-            <a:extLst>
-              <a:ext uri="{FF2B5EF4-FFF2-40B4-BE49-F238E27FC236}">
-                <a16:creationId xmlns:a16="http://schemas.microsoft.com/office/drawing/2014/main" id="{C610100F-F24A-2F81-2D6B-82CC34528929}"/>
-              </a:ext>
-            </a:extLst>
-          </p:cNvPr>
-          <p:cNvSpPr>
-            <a:spLocks noGrp="1"/>
-          </p:cNvSpPr>
-          <p:nvPr>
-            <p:ph type="title"/>
-          </p:nvPr>
-        </p:nvSpPr>
-        <p:spPr/>
-        <p:txBody>
-          <a:bodyPr/>
-          <a:lstStyle/>
-          <a:p>
-            <a:r>
-              <a:rPr lang="en-US" dirty="0"/>
-              <a:t>Corbett et al. (2015)</a:t>
-            </a:r>
-          </a:p>
-        </p:txBody>
-      </p:sp>
-      <p:sp>
-        <p:nvSpPr>
-          <p:cNvPr id="3" name="Content Placeholder 2">
-            <a:extLst>
-              <a:ext uri="{FF2B5EF4-FFF2-40B4-BE49-F238E27FC236}">
-                <a16:creationId xmlns:a16="http://schemas.microsoft.com/office/drawing/2014/main" id="{5B6D4C54-E992-B624-B438-CB8E76EE6F33}"/>
-              </a:ext>
-            </a:extLst>
-          </p:cNvPr>
-          <p:cNvSpPr>
-            <a:spLocks noGrp="1"/>
-          </p:cNvSpPr>
-          <p:nvPr>
-            <p:ph idx="1"/>
-          </p:nvPr>
-        </p:nvSpPr>
-        <p:spPr/>
-        <p:txBody>
-          <a:bodyPr/>
-          <a:lstStyle/>
-          <a:p>
-            <a:r>
-              <a:rPr lang="en-US" dirty="0"/>
-              <a:t>Adults &gt; 60</a:t>
-            </a:r>
-          </a:p>
-          <a:p>
-            <a:pPr lvl="1"/>
-            <a:r>
-              <a:rPr lang="en-US" dirty="0"/>
-              <a:t>N = 2912</a:t>
-            </a:r>
-          </a:p>
-          <a:p>
-            <a:endParaRPr lang="en-US" dirty="0"/>
-          </a:p>
-          <a:p>
-            <a:endParaRPr lang="en-US" dirty="0"/>
-          </a:p>
-          <a:p>
-            <a:r>
-              <a:rPr lang="en-US" dirty="0"/>
-              <a:t>Reasoning based cognitive training improved performance on reasoning, working memory and verbal learning</a:t>
-            </a:r>
-          </a:p>
-          <a:p>
-            <a:pPr lvl="1"/>
-            <a:r>
-              <a:rPr lang="en-US" dirty="0"/>
-              <a:t>Effect size 0.15 – 0.20 for ADL, VL</a:t>
-            </a:r>
-          </a:p>
-          <a:p>
-            <a:pPr lvl="1"/>
-            <a:r>
-              <a:rPr lang="en-US" dirty="0"/>
-              <a:t>Effect size 0.30 for Reasoning tasks</a:t>
-            </a:r>
-          </a:p>
-        </p:txBody>
-      </p:sp>
-      <p:pic>
-        <p:nvPicPr>
-          <p:cNvPr id="5" name="Picture 4">
-            <a:extLst>
-              <a:ext uri="{FF2B5EF4-FFF2-40B4-BE49-F238E27FC236}">
-                <a16:creationId xmlns:a16="http://schemas.microsoft.com/office/drawing/2014/main" id="{70D5DED8-B802-A4FD-DAC3-D8284E8A1E01}"/>
-              </a:ext>
-            </a:extLst>
-          </p:cNvPr>
-          <p:cNvPicPr>
-            <a:picLocks noChangeAspect="1"/>
-          </p:cNvPicPr>
-          <p:nvPr/>
-        </p:nvPicPr>
-        <p:blipFill>
-          <a:blip r:embed="rId2"/>
-          <a:stretch>
-            <a:fillRect/>
-          </a:stretch>
-        </p:blipFill>
-        <p:spPr>
-          <a:xfrm>
-            <a:off x="4380943" y="1590675"/>
-            <a:ext cx="7515225" cy="1838325"/>
-          </a:xfrm>
-          <a:prstGeom prst="rect">
-            <a:avLst/>
-          </a:prstGeom>
-        </p:spPr>
-      </p:pic>
-    </p:spTree>
-    <p:extLst>
-      <p:ext uri="{BB962C8B-B14F-4D97-AF65-F5344CB8AC3E}">
-        <p14:creationId xmlns:p14="http://schemas.microsoft.com/office/powerpoint/2010/main" val="478506075"/>
-      </p:ext>
-    </p:extLst>
-  </p:cSld>
-  <p:clrMapOvr>
-    <a:masterClrMapping/>
-  </p:clrMapOvr>
-</p:sld>
-</file>
-
-<file path=ppt/slides/slide18.xml><?xml version="1.0" encoding="utf-8"?>
-<p:sld xmlns:a="http://schemas.openxmlformats.org/drawingml/2006/main" xmlns:r="http://schemas.openxmlformats.org/officeDocument/2006/relationships" xmlns:p="http://schemas.openxmlformats.org/presentationml/2006/main">
-  <p:cSld>
-    <p:spTree>
-      <p:nvGrpSpPr>
-        <p:cNvPr id="1" name=""/>
-        <p:cNvGrpSpPr/>
-        <p:nvPr/>
-      </p:nvGrpSpPr>
-      <p:grpSpPr>
-        <a:xfrm>
-          <a:off x="0" y="0"/>
-          <a:ext cx="0" cy="0"/>
-          <a:chOff x="0" y="0"/>
-          <a:chExt cx="0" cy="0"/>
-        </a:xfrm>
-      </p:grpSpPr>
-      <p:sp>
-        <p:nvSpPr>
-          <p:cNvPr id="2" name="Title 1">
-            <a:extLst>
-              <a:ext uri="{FF2B5EF4-FFF2-40B4-BE49-F238E27FC236}">
-                <a16:creationId xmlns:a16="http://schemas.microsoft.com/office/drawing/2014/main" id="{B07544F1-962A-8A5A-070C-B93435B70D16}"/>
-              </a:ext>
-            </a:extLst>
-          </p:cNvPr>
-          <p:cNvSpPr>
-            <a:spLocks noGrp="1"/>
-          </p:cNvSpPr>
-          <p:nvPr>
-            <p:ph type="title"/>
-          </p:nvPr>
-        </p:nvSpPr>
-        <p:spPr/>
-        <p:txBody>
-          <a:bodyPr/>
-          <a:lstStyle/>
-          <a:p>
-            <a:r>
-              <a:rPr lang="en-US" dirty="0"/>
-              <a:t>Childhood Developmental Studies</a:t>
-            </a:r>
-          </a:p>
-        </p:txBody>
-      </p:sp>
-      <p:sp>
-        <p:nvSpPr>
-          <p:cNvPr id="3" name="Content Placeholder 2">
-            <a:extLst>
-              <a:ext uri="{FF2B5EF4-FFF2-40B4-BE49-F238E27FC236}">
-                <a16:creationId xmlns:a16="http://schemas.microsoft.com/office/drawing/2014/main" id="{E265AC50-8451-DB85-0141-BEC99FFF799A}"/>
-              </a:ext>
-            </a:extLst>
-          </p:cNvPr>
-          <p:cNvSpPr>
-            <a:spLocks noGrp="1"/>
-          </p:cNvSpPr>
-          <p:nvPr>
-            <p:ph idx="1"/>
-          </p:nvPr>
-        </p:nvSpPr>
-        <p:spPr/>
-        <p:txBody>
-          <a:bodyPr>
-            <a:normAutofit/>
-          </a:bodyPr>
-          <a:lstStyle/>
-          <a:p>
-            <a:r>
-              <a:rPr lang="en-US" dirty="0"/>
-              <a:t>More mixed results and RCR issues</a:t>
-            </a:r>
-          </a:p>
-          <a:p>
-            <a:endParaRPr lang="en-US" dirty="0"/>
-          </a:p>
-          <a:p>
-            <a:r>
-              <a:rPr lang="en-US" dirty="0"/>
-              <a:t>“Fast </a:t>
-            </a:r>
-            <a:r>
-              <a:rPr lang="en-US" dirty="0" err="1"/>
-              <a:t>ForWord</a:t>
-            </a:r>
-            <a:r>
-              <a:rPr lang="en-US" dirty="0"/>
-              <a:t>” result unable to be replicated, but still sold popularly</a:t>
-            </a:r>
-          </a:p>
-          <a:p>
-            <a:pPr lvl="1"/>
-            <a:r>
-              <a:rPr lang="en-US" dirty="0"/>
-              <a:t>Auditory training of phonemes to improve reading</a:t>
-            </a:r>
-          </a:p>
-          <a:p>
-            <a:endParaRPr lang="en-US" dirty="0"/>
-          </a:p>
-          <a:p>
-            <a:r>
-              <a:rPr lang="en-US" dirty="0"/>
-              <a:t>Interventions with LD children appear effective</a:t>
-            </a:r>
-          </a:p>
-          <a:p>
-            <a:pPr lvl="1"/>
-            <a:r>
-              <a:rPr lang="en-US" dirty="0"/>
-              <a:t>Difficult to control maturation effects</a:t>
-            </a:r>
-          </a:p>
-          <a:p>
-            <a:pPr lvl="1"/>
-            <a:r>
-              <a:rPr lang="en-US" dirty="0"/>
-              <a:t>Cognitive functions being trained improve with age, education</a:t>
-            </a:r>
-          </a:p>
-          <a:p>
-            <a:pPr lvl="1"/>
-            <a:r>
-              <a:rPr lang="en-US" dirty="0"/>
-              <a:t>Smaller n’s in most studies</a:t>
-            </a:r>
-          </a:p>
-        </p:txBody>
-      </p:sp>
-    </p:spTree>
-    <p:extLst>
-      <p:ext uri="{BB962C8B-B14F-4D97-AF65-F5344CB8AC3E}">
-        <p14:creationId xmlns:p14="http://schemas.microsoft.com/office/powerpoint/2010/main" val="3740152898"/>
-      </p:ext>
-    </p:extLst>
-  </p:cSld>
-  <p:clrMapOvr>
-    <a:masterClrMapping/>
-  </p:clrMapOvr>
-</p:sld>
-</file>
-
-<file path=ppt/slides/slide19.xml><?xml version="1.0" encoding="utf-8"?>
-<p:sld xmlns:a="http://schemas.openxmlformats.org/drawingml/2006/main" xmlns:r="http://schemas.openxmlformats.org/officeDocument/2006/relationships" xmlns:p="http://schemas.openxmlformats.org/presentationml/2006/main">
-  <p:cSld>
-    <p:spTree>
-      <p:nvGrpSpPr>
-        <p:cNvPr id="1" name=""/>
-        <p:cNvGrpSpPr/>
-        <p:nvPr/>
-      </p:nvGrpSpPr>
-      <p:grpSpPr>
-        <a:xfrm>
-          <a:off x="0" y="0"/>
-          <a:ext cx="0" cy="0"/>
-          <a:chOff x="0" y="0"/>
-          <a:chExt cx="0" cy="0"/>
-        </a:xfrm>
-      </p:grpSpPr>
-      <p:sp>
-        <p:nvSpPr>
-          <p:cNvPr id="2" name="Title 1">
-            <a:extLst>
-              <a:ext uri="{FF2B5EF4-FFF2-40B4-BE49-F238E27FC236}">
-                <a16:creationId xmlns:a16="http://schemas.microsoft.com/office/drawing/2014/main" id="{21D75EAA-347D-C074-DEFB-3BAC572C2A45}"/>
-              </a:ext>
-            </a:extLst>
-          </p:cNvPr>
-          <p:cNvSpPr>
-            <a:spLocks noGrp="1"/>
-          </p:cNvSpPr>
-          <p:nvPr>
-            <p:ph type="title"/>
-          </p:nvPr>
-        </p:nvSpPr>
-        <p:spPr/>
-        <p:txBody>
-          <a:bodyPr/>
-          <a:lstStyle/>
-          <a:p>
-            <a:r>
-              <a:rPr lang="en-US" dirty="0"/>
-              <a:t>Brain Training Summary</a:t>
-            </a:r>
-          </a:p>
-        </p:txBody>
-      </p:sp>
-      <p:sp>
-        <p:nvSpPr>
-          <p:cNvPr id="3" name="Content Placeholder 2">
-            <a:extLst>
-              <a:ext uri="{FF2B5EF4-FFF2-40B4-BE49-F238E27FC236}">
-                <a16:creationId xmlns:a16="http://schemas.microsoft.com/office/drawing/2014/main" id="{B9596C48-9D96-357F-D759-AB3F8E652DAB}"/>
-              </a:ext>
-            </a:extLst>
-          </p:cNvPr>
-          <p:cNvSpPr>
-            <a:spLocks noGrp="1"/>
-          </p:cNvSpPr>
-          <p:nvPr>
-            <p:ph idx="1"/>
-          </p:nvPr>
-        </p:nvSpPr>
-        <p:spPr/>
-        <p:txBody>
-          <a:bodyPr/>
-          <a:lstStyle/>
-          <a:p>
-            <a:r>
-              <a:rPr lang="en-US" dirty="0"/>
-              <a:t>Does “brain training” work?</a:t>
-            </a:r>
-          </a:p>
-          <a:p>
-            <a:pPr lvl="1"/>
-            <a:r>
-              <a:rPr lang="en-US" dirty="0"/>
-              <a:t>Who’s asking?</a:t>
-            </a:r>
-          </a:p>
-          <a:p>
-            <a:pPr lvl="1"/>
-            <a:r>
-              <a:rPr lang="en-US" dirty="0"/>
-              <a:t>Yes, for some populations and some outcomes</a:t>
-            </a:r>
-          </a:p>
-          <a:p>
-            <a:pPr lvl="1"/>
-            <a:endParaRPr lang="en-US" dirty="0"/>
-          </a:p>
-          <a:p>
-            <a:r>
-              <a:rPr lang="en-US" dirty="0"/>
-              <a:t>Illustrates many challenges of intervention research</a:t>
-            </a:r>
-          </a:p>
-          <a:p>
-            <a:pPr lvl="1"/>
-            <a:r>
-              <a:rPr lang="en-US" dirty="0"/>
-              <a:t>What is the intended population and how are they sampled?</a:t>
-            </a:r>
-          </a:p>
-          <a:p>
-            <a:pPr lvl="1"/>
-            <a:r>
-              <a:rPr lang="en-US" dirty="0"/>
-              <a:t>What is the dependent variable outcome measure?</a:t>
-            </a:r>
-          </a:p>
-          <a:p>
-            <a:pPr lvl="1"/>
-            <a:r>
-              <a:rPr lang="en-US" dirty="0"/>
-              <a:t>How is the control task implemented?</a:t>
-            </a:r>
-          </a:p>
-          <a:p>
-            <a:pPr lvl="1"/>
-            <a:r>
-              <a:rPr lang="en-US" dirty="0"/>
-              <a:t>How rigorous is the methodology?</a:t>
-            </a:r>
-          </a:p>
-        </p:txBody>
-      </p:sp>
-    </p:spTree>
-    <p:extLst>
-      <p:ext uri="{BB962C8B-B14F-4D97-AF65-F5344CB8AC3E}">
-        <p14:creationId xmlns:p14="http://schemas.microsoft.com/office/powerpoint/2010/main" val="4181518295"/>
-      </p:ext>
-    </p:extLst>
-  </p:cSld>
-  <p:clrMapOvr>
-    <a:masterClrMapping/>
-  </p:clrMapOvr>
-</p:sld>
-</file>
-
-<file path=ppt/slides/slide2.xml><?xml version="1.0" encoding="utf-8"?>
-<p:sld xmlns:a="http://schemas.openxmlformats.org/drawingml/2006/main" xmlns:r="http://schemas.openxmlformats.org/officeDocument/2006/relationships" xmlns:p="http://schemas.openxmlformats.org/presentationml/2006/main">
-  <p:cSld>
-    <p:spTree>
-      <p:nvGrpSpPr>
-        <p:cNvPr id="1" name=""/>
-        <p:cNvGrpSpPr/>
-        <p:nvPr/>
-      </p:nvGrpSpPr>
-      <p:grpSpPr>
-        <a:xfrm>
-          <a:off x="0" y="0"/>
-          <a:ext cx="0" cy="0"/>
-          <a:chOff x="0" y="0"/>
-          <a:chExt cx="0" cy="0"/>
-        </a:xfrm>
-      </p:grpSpPr>
-      <p:sp>
-        <p:nvSpPr>
-          <p:cNvPr id="11266" name="Rectangle 2"/>
-          <p:cNvSpPr>
-            <a:spLocks noGrp="1" noChangeArrowheads="1"/>
-          </p:cNvSpPr>
-          <p:nvPr>
-            <p:ph type="title"/>
-          </p:nvPr>
-        </p:nvSpPr>
-        <p:spPr/>
-        <p:txBody>
-          <a:bodyPr/>
-          <a:lstStyle/>
-          <a:p>
-            <a:r>
-              <a:rPr lang="en-US"/>
-              <a:t>Field experiment</a:t>
-            </a:r>
-          </a:p>
-        </p:txBody>
-      </p:sp>
-      <p:sp>
-        <p:nvSpPr>
-          <p:cNvPr id="11267" name="Rectangle 3"/>
-          <p:cNvSpPr>
-            <a:spLocks noGrp="1" noChangeArrowheads="1"/>
-          </p:cNvSpPr>
-          <p:nvPr>
-            <p:ph type="body" idx="1"/>
-          </p:nvPr>
-        </p:nvSpPr>
-        <p:spPr/>
-        <p:txBody>
-          <a:bodyPr>
-            <a:normAutofit fontScale="92500"/>
-          </a:bodyPr>
-          <a:lstStyle/>
-          <a:p>
-            <a:pPr>
-              <a:lnSpc>
-                <a:spcPct val="90000"/>
-              </a:lnSpc>
-            </a:pPr>
-            <a:r>
-              <a:rPr lang="en-US" dirty="0"/>
-              <a:t>Cunningham (1989) trained several colleges students to approach opposite-sex bar patrons at random, delivering one of several different kinds of conversation-starters (“lines”).  The positivity of each patron’s response to the line was surreptitiously measured.  </a:t>
-            </a:r>
-          </a:p>
-          <a:p>
-            <a:pPr>
-              <a:lnSpc>
-                <a:spcPct val="90000"/>
-              </a:lnSpc>
-            </a:pPr>
-            <a:r>
-              <a:rPr lang="en-US" dirty="0"/>
-              <a:t>Cunningham discovered that women were much more sensitive to the kind of line an opposite-sex person delivered than were men.  Women responded more positively too lines that were either self-disclosing or ordinary, like a simple “Hi,” than they did to a flippantly delivered line such as “You remind me of someone I used to date” or “Bet I can </a:t>
-            </a:r>
-            <a:r>
-              <a:rPr lang="en-US" dirty="0" err="1"/>
-              <a:t>outdrink</a:t>
-            </a:r>
-            <a:r>
-              <a:rPr lang="en-US" dirty="0"/>
-              <a:t> you.”</a:t>
-            </a:r>
-          </a:p>
-          <a:p>
-            <a:pPr>
-              <a:lnSpc>
-                <a:spcPct val="90000"/>
-              </a:lnSpc>
-            </a:pPr>
-            <a:r>
-              <a:rPr lang="en-US" dirty="0"/>
-              <a:t>Men, however, did not appear to care which kind of conversational gambit a woman used; they responded equally positively to all three.</a:t>
-            </a:r>
-          </a:p>
-          <a:p>
-            <a:pPr>
-              <a:lnSpc>
-                <a:spcPct val="90000"/>
-              </a:lnSpc>
-            </a:pPr>
-            <a:endParaRPr lang="en-US" dirty="0"/>
-          </a:p>
-        </p:txBody>
-      </p:sp>
-    </p:spTree>
-    <p:extLst>
-      <p:ext uri="{BB962C8B-B14F-4D97-AF65-F5344CB8AC3E}">
-        <p14:creationId xmlns:p14="http://schemas.microsoft.com/office/powerpoint/2010/main" val="715894301"/>
-      </p:ext>
-    </p:extLst>
-  </p:cSld>
-  <p:clrMapOvr>
-    <a:masterClrMapping/>
-  </p:clrMapOvr>
-</p:sld>
-</file>
-
-<file path=ppt/slides/slide20.xml><?xml version="1.0" encoding="utf-8"?>
-<p:sld xmlns:a="http://schemas.openxmlformats.org/drawingml/2006/main" xmlns:r="http://schemas.openxmlformats.org/officeDocument/2006/relationships" xmlns:p="http://schemas.openxmlformats.org/presentationml/2006/main">
-  <p:cSld>
-    <p:spTree>
-      <p:nvGrpSpPr>
-        <p:cNvPr id="1" name=""/>
-        <p:cNvGrpSpPr/>
-        <p:nvPr/>
-      </p:nvGrpSpPr>
-      <p:grpSpPr>
-        <a:xfrm>
-          <a:off x="0" y="0"/>
-          <a:ext cx="0" cy="0"/>
-          <a:chOff x="0" y="0"/>
-          <a:chExt cx="0" cy="0"/>
-        </a:xfrm>
-      </p:grpSpPr>
-      <p:sp>
-        <p:nvSpPr>
-          <p:cNvPr id="2" name="Title 1">
-            <a:extLst>
-              <a:ext uri="{FF2B5EF4-FFF2-40B4-BE49-F238E27FC236}">
-                <a16:creationId xmlns:a16="http://schemas.microsoft.com/office/drawing/2014/main" id="{7C8F1D74-06A0-5C73-571B-688E81B9EECA}"/>
-              </a:ext>
-            </a:extLst>
-          </p:cNvPr>
-          <p:cNvSpPr>
-            <a:spLocks noGrp="1"/>
-          </p:cNvSpPr>
-          <p:nvPr>
-            <p:ph type="title"/>
-          </p:nvPr>
-        </p:nvSpPr>
-        <p:spPr/>
-        <p:txBody>
-          <a:bodyPr/>
-          <a:lstStyle/>
-          <a:p>
-            <a:r>
-              <a:rPr lang="en-US" dirty="0"/>
-              <a:t>For Wed Feb 28</a:t>
-            </a:r>
-          </a:p>
-        </p:txBody>
-      </p:sp>
-      <p:sp>
-        <p:nvSpPr>
-          <p:cNvPr id="3" name="Content Placeholder 2">
-            <a:extLst>
-              <a:ext uri="{FF2B5EF4-FFF2-40B4-BE49-F238E27FC236}">
-                <a16:creationId xmlns:a16="http://schemas.microsoft.com/office/drawing/2014/main" id="{49D24313-1642-BCE6-9E19-38914263D700}"/>
-              </a:ext>
-            </a:extLst>
-          </p:cNvPr>
-          <p:cNvSpPr>
-            <a:spLocks noGrp="1"/>
-          </p:cNvSpPr>
-          <p:nvPr>
-            <p:ph idx="1"/>
-          </p:nvPr>
-        </p:nvSpPr>
-        <p:spPr/>
-        <p:txBody>
-          <a:bodyPr/>
-          <a:lstStyle/>
-          <a:p>
-            <a:r>
-              <a:rPr lang="en-US" dirty="0"/>
-              <a:t>Chapter 20: Developmental and </a:t>
-            </a:r>
-            <a:r>
-              <a:rPr lang="en-US"/>
-              <a:t>Neuropsychological Methods</a:t>
-            </a:r>
-            <a:endParaRPr lang="en-US" dirty="0"/>
-          </a:p>
-          <a:p>
-            <a:endParaRPr lang="en-US" dirty="0"/>
-          </a:p>
-          <a:p>
-            <a:r>
-              <a:rPr lang="en-US" dirty="0"/>
-              <a:t>Final project full proposal drafts</a:t>
-            </a:r>
-          </a:p>
-          <a:p>
-            <a:pPr lvl="1"/>
-            <a:r>
-              <a:rPr lang="en-US" dirty="0"/>
-              <a:t>As soon as possible</a:t>
-            </a:r>
-          </a:p>
-        </p:txBody>
-      </p:sp>
-    </p:spTree>
-    <p:extLst>
-      <p:ext uri="{BB962C8B-B14F-4D97-AF65-F5344CB8AC3E}">
-        <p14:creationId xmlns:p14="http://schemas.microsoft.com/office/powerpoint/2010/main" val="1495610878"/>
-      </p:ext>
-    </p:extLst>
-  </p:cSld>
-  <p:clrMapOvr>
-    <a:masterClrMapping/>
-  </p:clrMapOvr>
-</p:sld>
-</file>
-
-<file path=ppt/slides/slide3.xml><?xml version="1.0" encoding="utf-8"?>
-<p:sld xmlns:a="http://schemas.openxmlformats.org/drawingml/2006/main" xmlns:r="http://schemas.openxmlformats.org/officeDocument/2006/relationships" xmlns:p="http://schemas.openxmlformats.org/presentationml/2006/main">
-  <p:cSld>
-    <p:spTree>
-      <p:nvGrpSpPr>
-        <p:cNvPr id="1" name=""/>
-        <p:cNvGrpSpPr/>
-        <p:nvPr/>
-      </p:nvGrpSpPr>
-      <p:grpSpPr>
-        <a:xfrm>
-          <a:off x="0" y="0"/>
-          <a:ext cx="0" cy="0"/>
-          <a:chOff x="0" y="0"/>
-          <a:chExt cx="0" cy="0"/>
-        </a:xfrm>
-      </p:grpSpPr>
-      <p:sp>
-        <p:nvSpPr>
-          <p:cNvPr id="8" name="Title 7">
-            <a:extLst>
-              <a:ext uri="{FF2B5EF4-FFF2-40B4-BE49-F238E27FC236}">
-                <a16:creationId xmlns:a16="http://schemas.microsoft.com/office/drawing/2014/main" id="{A500861A-823E-E2AD-211D-483F6371C96D}"/>
-              </a:ext>
-            </a:extLst>
-          </p:cNvPr>
-          <p:cNvSpPr>
-            <a:spLocks noGrp="1"/>
-          </p:cNvSpPr>
-          <p:nvPr>
-            <p:ph type="title"/>
-          </p:nvPr>
-        </p:nvSpPr>
-        <p:spPr/>
-        <p:txBody>
-          <a:bodyPr/>
-          <a:lstStyle/>
-          <a:p>
-            <a:endParaRPr lang="en-US"/>
-          </a:p>
-        </p:txBody>
-      </p:sp>
-      <p:pic>
-        <p:nvPicPr>
-          <p:cNvPr id="16" name="Content Placeholder 15">
-            <a:extLst>
-              <a:ext uri="{FF2B5EF4-FFF2-40B4-BE49-F238E27FC236}">
-                <a16:creationId xmlns:a16="http://schemas.microsoft.com/office/drawing/2014/main" id="{7A049B40-A642-14FF-1116-8FF145D444D4}"/>
-              </a:ext>
-            </a:extLst>
-          </p:cNvPr>
-          <p:cNvPicPr>
-            <a:picLocks noGrp="1" noChangeAspect="1"/>
-          </p:cNvPicPr>
-          <p:nvPr>
-            <p:ph sz="half" idx="2"/>
-          </p:nvPr>
-        </p:nvPicPr>
-        <p:blipFill>
-          <a:blip r:embed="rId2"/>
-          <a:stretch>
-            <a:fillRect/>
-          </a:stretch>
-        </p:blipFill>
-        <p:spPr>
-          <a:xfrm>
-            <a:off x="6231839" y="2014594"/>
-            <a:ext cx="4939081" cy="3876670"/>
-          </a:xfrm>
-        </p:spPr>
-      </p:pic>
-      <p:pic>
-        <p:nvPicPr>
-          <p:cNvPr id="20" name="Content Placeholder 19">
-            <a:extLst>
-              <a:ext uri="{FF2B5EF4-FFF2-40B4-BE49-F238E27FC236}">
-                <a16:creationId xmlns:a16="http://schemas.microsoft.com/office/drawing/2014/main" id="{27CE323B-DDB9-88D4-DAE3-5B00A34B2DDB}"/>
-              </a:ext>
-            </a:extLst>
-          </p:cNvPr>
-          <p:cNvPicPr>
-            <a:picLocks noGrp="1" noChangeAspect="1"/>
-          </p:cNvPicPr>
-          <p:nvPr>
-            <p:ph sz="half" idx="1"/>
-          </p:nvPr>
-        </p:nvPicPr>
-        <p:blipFill>
-          <a:blip r:embed="rId3"/>
-          <a:stretch>
-            <a:fillRect/>
-          </a:stretch>
-        </p:blipFill>
-        <p:spPr>
-          <a:xfrm>
-            <a:off x="838200" y="2014594"/>
-            <a:ext cx="5121962" cy="2511866"/>
-          </a:xfrm>
-        </p:spPr>
-      </p:pic>
-      <p:pic>
-        <p:nvPicPr>
-          <p:cNvPr id="22" name="Picture 21">
-            <a:extLst>
-              <a:ext uri="{FF2B5EF4-FFF2-40B4-BE49-F238E27FC236}">
-                <a16:creationId xmlns:a16="http://schemas.microsoft.com/office/drawing/2014/main" id="{ABDA710A-FC76-2C63-B6ED-A16A51D9FE3E}"/>
-              </a:ext>
-            </a:extLst>
-          </p:cNvPr>
-          <p:cNvPicPr>
-            <a:picLocks noChangeAspect="1"/>
-          </p:cNvPicPr>
-          <p:nvPr/>
-        </p:nvPicPr>
-        <p:blipFill>
-          <a:blip r:embed="rId4"/>
-          <a:stretch>
-            <a:fillRect/>
-          </a:stretch>
-        </p:blipFill>
-        <p:spPr>
-          <a:xfrm>
-            <a:off x="838200" y="4742497"/>
-            <a:ext cx="4969386" cy="1148767"/>
-          </a:xfrm>
-          <a:prstGeom prst="rect">
-            <a:avLst/>
-          </a:prstGeom>
-        </p:spPr>
-      </p:pic>
-    </p:spTree>
-    <p:extLst>
-      <p:ext uri="{BB962C8B-B14F-4D97-AF65-F5344CB8AC3E}">
-        <p14:creationId xmlns:p14="http://schemas.microsoft.com/office/powerpoint/2010/main" val="3000547799"/>
-      </p:ext>
-    </p:extLst>
-  </p:cSld>
-  <p:clrMapOvr>
-    <a:masterClrMapping/>
-  </p:clrMapOvr>
-</p:sld>
-</file>
-
-<file path=ppt/slides/slide4.xml><?xml version="1.0" encoding="utf-8"?>
 <p:sld xmlns:a="http://schemas.openxmlformats.org/drawingml/2006/main" xmlns:r="http://schemas.openxmlformats.org/officeDocument/2006/relationships" xmlns:p="http://schemas.openxmlformats.org/presentationml/2006/main">
   <p:cSld>
     <p:spTree>
@@ -6042,7 +4364,7 @@
 </p:sld>
 </file>
 
-<file path=ppt/slides/slide5.xml><?xml version="1.0" encoding="utf-8"?>
+<file path=ppt/slides/slide11.xml><?xml version="1.0" encoding="utf-8"?>
 <p:sld xmlns:a="http://schemas.openxmlformats.org/drawingml/2006/main" xmlns:r="http://schemas.openxmlformats.org/officeDocument/2006/relationships" xmlns:p="http://schemas.openxmlformats.org/presentationml/2006/main">
   <p:cSld>
     <p:spTree>
@@ -6168,7 +4490,7 @@
 </p:sld>
 </file>
 
-<file path=ppt/slides/slide6.xml><?xml version="1.0" encoding="utf-8"?>
+<file path=ppt/slides/slide12.xml><?xml version="1.0" encoding="utf-8"?>
 <p:sld xmlns:a="http://schemas.openxmlformats.org/drawingml/2006/main" xmlns:r="http://schemas.openxmlformats.org/officeDocument/2006/relationships" xmlns:p="http://schemas.openxmlformats.org/presentationml/2006/main">
   <p:cSld>
     <p:spTree>
@@ -6270,7 +4592,7 @@
 </p:sld>
 </file>
 
-<file path=ppt/slides/slide7.xml><?xml version="1.0" encoding="utf-8"?>
+<file path=ppt/slides/slide13.xml><?xml version="1.0" encoding="utf-8"?>
 <p:sld xmlns:a="http://schemas.openxmlformats.org/drawingml/2006/main" xmlns:r="http://schemas.openxmlformats.org/officeDocument/2006/relationships" xmlns:p="http://schemas.openxmlformats.org/presentationml/2006/main">
   <p:cSld>
     <p:spTree>
@@ -6365,7 +4687,7 @@
 </p:sld>
 </file>
 
-<file path=ppt/slides/slide8.xml><?xml version="1.0" encoding="utf-8"?>
+<file path=ppt/slides/slide14.xml><?xml version="1.0" encoding="utf-8"?>
 <p:sld xmlns:a="http://schemas.openxmlformats.org/drawingml/2006/main" xmlns:r="http://schemas.openxmlformats.org/officeDocument/2006/relationships" xmlns:p="http://schemas.openxmlformats.org/presentationml/2006/main">
   <p:cSld>
     <p:spTree>
@@ -6459,6 +4781,2819 @@
 </p:sld>
 </file>
 
+<file path=ppt/slides/slide15.xml><?xml version="1.0" encoding="utf-8"?>
+<p:sld xmlns:a="http://schemas.openxmlformats.org/drawingml/2006/main" xmlns:r="http://schemas.openxmlformats.org/officeDocument/2006/relationships" xmlns:p="http://schemas.openxmlformats.org/presentationml/2006/main">
+  <p:cSld>
+    <p:spTree>
+      <p:nvGrpSpPr>
+        <p:cNvPr id="1" name=""/>
+        <p:cNvGrpSpPr/>
+        <p:nvPr/>
+      </p:nvGrpSpPr>
+      <p:grpSpPr>
+        <a:xfrm>
+          <a:off x="0" y="0"/>
+          <a:ext cx="0" cy="0"/>
+          <a:chOff x="0" y="0"/>
+          <a:chExt cx="0" cy="0"/>
+        </a:xfrm>
+      </p:grpSpPr>
+      <p:sp>
+        <p:nvSpPr>
+          <p:cNvPr id="2" name="Title 1">
+            <a:extLst>
+              <a:ext uri="{FF2B5EF4-FFF2-40B4-BE49-F238E27FC236}">
+                <a16:creationId xmlns:a16="http://schemas.microsoft.com/office/drawing/2014/main" id="{4BD54881-5310-935D-1959-DB5D87A4583E}"/>
+              </a:ext>
+            </a:extLst>
+          </p:cNvPr>
+          <p:cNvSpPr>
+            <a:spLocks noGrp="1"/>
+          </p:cNvSpPr>
+          <p:nvPr>
+            <p:ph type="title"/>
+          </p:nvPr>
+        </p:nvSpPr>
+        <p:spPr/>
+        <p:txBody>
+          <a:bodyPr/>
+          <a:lstStyle/>
+          <a:p>
+            <a:endParaRPr lang="en-US"/>
+          </a:p>
+        </p:txBody>
+      </p:sp>
+      <p:sp>
+        <p:nvSpPr>
+          <p:cNvPr id="3" name="Content Placeholder 2">
+            <a:extLst>
+              <a:ext uri="{FF2B5EF4-FFF2-40B4-BE49-F238E27FC236}">
+                <a16:creationId xmlns:a16="http://schemas.microsoft.com/office/drawing/2014/main" id="{39546871-C583-20E3-28B1-65F8C8228027}"/>
+              </a:ext>
+            </a:extLst>
+          </p:cNvPr>
+          <p:cNvSpPr>
+            <a:spLocks noGrp="1"/>
+          </p:cNvSpPr>
+          <p:nvPr>
+            <p:ph idx="1"/>
+          </p:nvPr>
+        </p:nvSpPr>
+        <p:spPr/>
+        <p:txBody>
+          <a:bodyPr>
+            <a:normAutofit fontScale="92500" lnSpcReduction="10000"/>
+          </a:bodyPr>
+          <a:lstStyle/>
+          <a:p>
+            <a:r>
+              <a:rPr lang="en-US" dirty="0"/>
+              <a:t>Q5. Experiment 1 includes the note:</a:t>
+            </a:r>
+          </a:p>
+          <a:p>
+            <a:pPr lvl="1"/>
+            <a:r>
+              <a:rPr lang="en-US" dirty="0"/>
+              <a:t>“Because of concern that people might resent having their romantic responses subjected to scientific observation, pilot subjects were carefully debriefed, revealing that all had expected that social contacts might follow from being in the public setting of the bar and that non resenting the brief intrusion of the research.  Thus this study was deemed to meet Cook and Campbell’s (1979, p. 369) criteria for an innocuous field experiment excluded from the ethical requirement of informed consent.”</a:t>
+            </a:r>
+          </a:p>
+          <a:p>
+            <a:r>
+              <a:rPr lang="en-US" dirty="0"/>
+              <a:t>This rational does not meet modern expectations for best practices for ethical research.  </a:t>
+            </a:r>
+          </a:p>
+          <a:p>
+            <a:r>
+              <a:rPr lang="en-US" dirty="0"/>
+              <a:t>If one were to propose some similar research today, what ethical issues would you expect the IRB to raise and how might a researcher address those?</a:t>
+            </a:r>
+          </a:p>
+          <a:p>
+            <a:endParaRPr lang="en-US" dirty="0"/>
+          </a:p>
+        </p:txBody>
+      </p:sp>
+    </p:spTree>
+    <p:extLst>
+      <p:ext uri="{BB962C8B-B14F-4D97-AF65-F5344CB8AC3E}">
+        <p14:creationId xmlns:p14="http://schemas.microsoft.com/office/powerpoint/2010/main" val="715666943"/>
+      </p:ext>
+    </p:extLst>
+  </p:cSld>
+  <p:clrMapOvr>
+    <a:masterClrMapping/>
+  </p:clrMapOvr>
+</p:sld>
+</file>
+
+<file path=ppt/slides/slide16.xml><?xml version="1.0" encoding="utf-8"?>
+<p:sld xmlns:a="http://schemas.openxmlformats.org/drawingml/2006/main" xmlns:r="http://schemas.openxmlformats.org/officeDocument/2006/relationships" xmlns:p="http://schemas.openxmlformats.org/presentationml/2006/main">
+  <p:cSld>
+    <p:spTree>
+      <p:nvGrpSpPr>
+        <p:cNvPr id="1" name="">
+          <a:extLst>
+            <a:ext uri="{FF2B5EF4-FFF2-40B4-BE49-F238E27FC236}">
+              <a16:creationId xmlns:a16="http://schemas.microsoft.com/office/drawing/2014/main" id="{EC1B55AA-C408-13D2-ED61-1413B7DD5978}"/>
+            </a:ext>
+          </a:extLst>
+        </p:cNvPr>
+        <p:cNvGrpSpPr/>
+        <p:nvPr/>
+      </p:nvGrpSpPr>
+      <p:grpSpPr>
+        <a:xfrm>
+          <a:off x="0" y="0"/>
+          <a:ext cx="0" cy="0"/>
+          <a:chOff x="0" y="0"/>
+          <a:chExt cx="0" cy="0"/>
+        </a:xfrm>
+      </p:grpSpPr>
+      <p:sp>
+        <p:nvSpPr>
+          <p:cNvPr id="2" name="Title 1">
+            <a:extLst>
+              <a:ext uri="{FF2B5EF4-FFF2-40B4-BE49-F238E27FC236}">
+                <a16:creationId xmlns:a16="http://schemas.microsoft.com/office/drawing/2014/main" id="{B0EAE5FB-3AF8-6B5E-4F36-12952915ACE1}"/>
+              </a:ext>
+            </a:extLst>
+          </p:cNvPr>
+          <p:cNvSpPr>
+            <a:spLocks noGrp="1"/>
+          </p:cNvSpPr>
+          <p:nvPr>
+            <p:ph type="title"/>
+          </p:nvPr>
+        </p:nvSpPr>
+        <p:spPr/>
+        <p:txBody>
+          <a:bodyPr/>
+          <a:lstStyle/>
+          <a:p>
+            <a:r>
+              <a:rPr lang="en-US" dirty="0"/>
+              <a:t>Field Research Summary	</a:t>
+            </a:r>
+          </a:p>
+        </p:txBody>
+      </p:sp>
+      <p:sp>
+        <p:nvSpPr>
+          <p:cNvPr id="3" name="Content Placeholder 2">
+            <a:extLst>
+              <a:ext uri="{FF2B5EF4-FFF2-40B4-BE49-F238E27FC236}">
+                <a16:creationId xmlns:a16="http://schemas.microsoft.com/office/drawing/2014/main" id="{EC35D79F-C464-6026-DC31-0D3CACF8DE25}"/>
+              </a:ext>
+            </a:extLst>
+          </p:cNvPr>
+          <p:cNvSpPr>
+            <a:spLocks noGrp="1"/>
+          </p:cNvSpPr>
+          <p:nvPr>
+            <p:ph idx="1"/>
+          </p:nvPr>
+        </p:nvSpPr>
+        <p:spPr/>
+        <p:txBody>
+          <a:bodyPr>
+            <a:normAutofit/>
+          </a:bodyPr>
+          <a:lstStyle/>
+          <a:p>
+            <a:r>
+              <a:rPr lang="en-US" dirty="0"/>
+              <a:t>Quasi-experimental design</a:t>
+            </a:r>
+          </a:p>
+          <a:p>
+            <a:pPr lvl="1"/>
+            <a:r>
+              <a:rPr lang="en-US" dirty="0"/>
+              <a:t>Manipulated independent variable</a:t>
+            </a:r>
+          </a:p>
+          <a:p>
+            <a:pPr lvl="1"/>
+            <a:r>
+              <a:rPr lang="en-US" dirty="0"/>
+              <a:t>Done outside controlled laboratory conditions</a:t>
+            </a:r>
+          </a:p>
+          <a:p>
+            <a:pPr lvl="1"/>
+            <a:r>
+              <a:rPr lang="en-US" dirty="0"/>
+              <a:t>Good external validity</a:t>
+            </a:r>
+          </a:p>
+          <a:p>
+            <a:pPr lvl="1"/>
+            <a:r>
+              <a:rPr lang="en-US" dirty="0"/>
+              <a:t>Pretty good internal validity</a:t>
+            </a:r>
+          </a:p>
+          <a:p>
+            <a:r>
+              <a:rPr lang="en-US" dirty="0"/>
+              <a:t>Procedurally difficult to carry out</a:t>
+            </a:r>
+          </a:p>
+          <a:p>
+            <a:pPr lvl="1"/>
+            <a:r>
+              <a:rPr lang="en-US" dirty="0"/>
+              <a:t>Many uncontrolled extraneous variables</a:t>
+            </a:r>
+          </a:p>
+          <a:p>
+            <a:r>
+              <a:rPr lang="en-US" dirty="0"/>
+              <a:t>Challenging to follow best practices for ethical research</a:t>
+            </a:r>
+          </a:p>
+          <a:p>
+            <a:pPr lvl="1"/>
+            <a:r>
+              <a:rPr lang="en-US" dirty="0"/>
+              <a:t>Lack of voluntary participation, informed consent</a:t>
+            </a:r>
+          </a:p>
+          <a:p>
+            <a:pPr lvl="1"/>
+            <a:r>
+              <a:rPr lang="en-US" dirty="0"/>
+              <a:t>Implicit deception</a:t>
+            </a:r>
+          </a:p>
+        </p:txBody>
+      </p:sp>
+    </p:spTree>
+    <p:extLst>
+      <p:ext uri="{BB962C8B-B14F-4D97-AF65-F5344CB8AC3E}">
+        <p14:creationId xmlns:p14="http://schemas.microsoft.com/office/powerpoint/2010/main" val="737928988"/>
+      </p:ext>
+    </p:extLst>
+  </p:cSld>
+  <p:clrMapOvr>
+    <a:masterClrMapping/>
+  </p:clrMapOvr>
+</p:sld>
+</file>
+
+<file path=ppt/slides/slide17.xml><?xml version="1.0" encoding="utf-8"?>
+<p:sld xmlns:a="http://schemas.openxmlformats.org/drawingml/2006/main" xmlns:r="http://schemas.openxmlformats.org/officeDocument/2006/relationships" xmlns:p="http://schemas.openxmlformats.org/presentationml/2006/main">
+  <p:cSld>
+    <p:spTree>
+      <p:nvGrpSpPr>
+        <p:cNvPr id="1" name=""/>
+        <p:cNvGrpSpPr/>
+        <p:nvPr/>
+      </p:nvGrpSpPr>
+      <p:grpSpPr>
+        <a:xfrm>
+          <a:off x="0" y="0"/>
+          <a:ext cx="0" cy="0"/>
+          <a:chOff x="0" y="0"/>
+          <a:chExt cx="0" cy="0"/>
+        </a:xfrm>
+      </p:grpSpPr>
+      <p:sp>
+        <p:nvSpPr>
+          <p:cNvPr id="2" name="Title 1">
+            <a:extLst>
+              <a:ext uri="{FF2B5EF4-FFF2-40B4-BE49-F238E27FC236}">
+                <a16:creationId xmlns:a16="http://schemas.microsoft.com/office/drawing/2014/main" id="{7C8F1D74-06A0-5C73-571B-688E81B9EECA}"/>
+              </a:ext>
+            </a:extLst>
+          </p:cNvPr>
+          <p:cNvSpPr>
+            <a:spLocks noGrp="1"/>
+          </p:cNvSpPr>
+          <p:nvPr>
+            <p:ph type="title"/>
+          </p:nvPr>
+        </p:nvSpPr>
+        <p:spPr/>
+        <p:txBody>
+          <a:bodyPr/>
+          <a:lstStyle/>
+          <a:p>
+            <a:r>
+              <a:rPr lang="en-US" dirty="0"/>
+              <a:t>For Wed Feb 28</a:t>
+            </a:r>
+          </a:p>
+        </p:txBody>
+      </p:sp>
+      <p:sp>
+        <p:nvSpPr>
+          <p:cNvPr id="3" name="Content Placeholder 2">
+            <a:extLst>
+              <a:ext uri="{FF2B5EF4-FFF2-40B4-BE49-F238E27FC236}">
+                <a16:creationId xmlns:a16="http://schemas.microsoft.com/office/drawing/2014/main" id="{49D24313-1642-BCE6-9E19-38914263D700}"/>
+              </a:ext>
+            </a:extLst>
+          </p:cNvPr>
+          <p:cNvSpPr>
+            <a:spLocks noGrp="1"/>
+          </p:cNvSpPr>
+          <p:nvPr>
+            <p:ph idx="1"/>
+          </p:nvPr>
+        </p:nvSpPr>
+        <p:spPr/>
+        <p:txBody>
+          <a:bodyPr/>
+          <a:lstStyle/>
+          <a:p>
+            <a:r>
+              <a:rPr lang="en-US" dirty="0"/>
+              <a:t>Chapter 20: Developmental and Neuropsychological Methods</a:t>
+            </a:r>
+          </a:p>
+          <a:p>
+            <a:endParaRPr lang="en-US" dirty="0"/>
+          </a:p>
+          <a:p>
+            <a:r>
+              <a:rPr lang="en-US" dirty="0"/>
+              <a:t>Final project full proposal</a:t>
+            </a:r>
+          </a:p>
+          <a:p>
+            <a:pPr lvl="1"/>
+            <a:r>
+              <a:rPr lang="en-US" dirty="0"/>
+              <a:t>Implemented procedure that we can test and verify</a:t>
+            </a:r>
+          </a:p>
+          <a:p>
+            <a:pPr lvl="1"/>
+            <a:r>
+              <a:rPr lang="en-US" dirty="0"/>
+              <a:t>As soon as possible</a:t>
+            </a:r>
+          </a:p>
+        </p:txBody>
+      </p:sp>
+    </p:spTree>
+    <p:extLst>
+      <p:ext uri="{BB962C8B-B14F-4D97-AF65-F5344CB8AC3E}">
+        <p14:creationId xmlns:p14="http://schemas.microsoft.com/office/powerpoint/2010/main" val="1495610878"/>
+      </p:ext>
+    </p:extLst>
+  </p:cSld>
+  <p:clrMapOvr>
+    <a:masterClrMapping/>
+  </p:clrMapOvr>
+</p:sld>
+</file>
+
+<file path=ppt/slides/slide2.xml><?xml version="1.0" encoding="utf-8"?>
+<p:sld xmlns:a="http://schemas.openxmlformats.org/drawingml/2006/main" xmlns:r="http://schemas.openxmlformats.org/officeDocument/2006/relationships" xmlns:p="http://schemas.openxmlformats.org/presentationml/2006/main">
+  <p:cSld>
+    <p:spTree>
+      <p:nvGrpSpPr>
+        <p:cNvPr id="1" name=""/>
+        <p:cNvGrpSpPr/>
+        <p:nvPr/>
+      </p:nvGrpSpPr>
+      <p:grpSpPr>
+        <a:xfrm>
+          <a:off x="0" y="0"/>
+          <a:ext cx="0" cy="0"/>
+          <a:chOff x="0" y="0"/>
+          <a:chExt cx="0" cy="0"/>
+        </a:xfrm>
+      </p:grpSpPr>
+      <p:sp>
+        <p:nvSpPr>
+          <p:cNvPr id="2" name="Title 1">
+            <a:extLst>
+              <a:ext uri="{FF2B5EF4-FFF2-40B4-BE49-F238E27FC236}">
+                <a16:creationId xmlns:a16="http://schemas.microsoft.com/office/drawing/2014/main" id="{E0898E75-48DA-5529-BC45-2A2315BB5256}"/>
+              </a:ext>
+            </a:extLst>
+          </p:cNvPr>
+          <p:cNvSpPr>
+            <a:spLocks noGrp="1"/>
+          </p:cNvSpPr>
+          <p:nvPr>
+            <p:ph type="title"/>
+          </p:nvPr>
+        </p:nvSpPr>
+        <p:spPr/>
+        <p:txBody>
+          <a:bodyPr/>
+          <a:lstStyle/>
+          <a:p>
+            <a:r>
+              <a:rPr lang="en-US" dirty="0"/>
+              <a:t>Quasi-Experimental Research Methods</a:t>
+            </a:r>
+          </a:p>
+        </p:txBody>
+      </p:sp>
+      <p:sp>
+        <p:nvSpPr>
+          <p:cNvPr id="3" name="Content Placeholder 2">
+            <a:extLst>
+              <a:ext uri="{FF2B5EF4-FFF2-40B4-BE49-F238E27FC236}">
+                <a16:creationId xmlns:a16="http://schemas.microsoft.com/office/drawing/2014/main" id="{87E3CBA4-F59E-AF14-6D9F-D5CCF428FC6B}"/>
+              </a:ext>
+            </a:extLst>
+          </p:cNvPr>
+          <p:cNvSpPr>
+            <a:spLocks noGrp="1"/>
+          </p:cNvSpPr>
+          <p:nvPr>
+            <p:ph idx="1"/>
+          </p:nvPr>
+        </p:nvSpPr>
+        <p:spPr/>
+        <p:txBody>
+          <a:bodyPr/>
+          <a:lstStyle/>
+          <a:p>
+            <a:r>
+              <a:rPr lang="en-US" dirty="0"/>
+              <a:t>Mix of experimental and non-experimental methods</a:t>
+            </a:r>
+          </a:p>
+          <a:p>
+            <a:pPr lvl="1"/>
+            <a:r>
+              <a:rPr lang="en-US" dirty="0"/>
+              <a:t>Requires at least one controlled independent variable</a:t>
+            </a:r>
+          </a:p>
+          <a:p>
+            <a:pPr lvl="1"/>
+            <a:endParaRPr lang="en-US" dirty="0"/>
+          </a:p>
+          <a:p>
+            <a:r>
+              <a:rPr lang="en-US" dirty="0"/>
+              <a:t>Field Research</a:t>
+            </a:r>
+          </a:p>
+          <a:p>
+            <a:pPr lvl="1"/>
+            <a:r>
+              <a:rPr lang="en-US" dirty="0"/>
+              <a:t>Experimentation in the real world, outside of laboratory control</a:t>
+            </a:r>
+          </a:p>
+          <a:p>
+            <a:r>
+              <a:rPr lang="en-US" dirty="0"/>
+              <a:t>Intervention Research</a:t>
+            </a:r>
+          </a:p>
+          <a:p>
+            <a:pPr lvl="1"/>
+            <a:r>
+              <a:rPr lang="en-US" dirty="0"/>
+              <a:t>Testing out something that may help people</a:t>
+            </a:r>
+          </a:p>
+          <a:p>
+            <a:r>
+              <a:rPr lang="en-US" dirty="0"/>
+              <a:t>Translational Research</a:t>
+            </a:r>
+          </a:p>
+          <a:p>
+            <a:pPr lvl="1"/>
+            <a:r>
+              <a:rPr lang="en-US" dirty="0"/>
+              <a:t>Bringing basic science results to application</a:t>
+            </a:r>
+          </a:p>
+        </p:txBody>
+      </p:sp>
+    </p:spTree>
+    <p:extLst>
+      <p:ext uri="{BB962C8B-B14F-4D97-AF65-F5344CB8AC3E}">
+        <p14:creationId xmlns:p14="http://schemas.microsoft.com/office/powerpoint/2010/main" val="2654132776"/>
+      </p:ext>
+    </p:extLst>
+  </p:cSld>
+  <p:clrMapOvr>
+    <a:masterClrMapping/>
+  </p:clrMapOvr>
+</p:sld>
+</file>
+
+<file path=ppt/slides/slide3.xml><?xml version="1.0" encoding="utf-8"?>
+<p:sld xmlns:a="http://schemas.openxmlformats.org/drawingml/2006/main" xmlns:r="http://schemas.openxmlformats.org/officeDocument/2006/relationships" xmlns:p="http://schemas.openxmlformats.org/presentationml/2006/main">
+  <p:cSld>
+    <p:spTree>
+      <p:nvGrpSpPr>
+        <p:cNvPr id="1" name=""/>
+        <p:cNvGrpSpPr/>
+        <p:nvPr/>
+      </p:nvGrpSpPr>
+      <p:grpSpPr>
+        <a:xfrm>
+          <a:off x="0" y="0"/>
+          <a:ext cx="0" cy="0"/>
+          <a:chOff x="0" y="0"/>
+          <a:chExt cx="0" cy="0"/>
+        </a:xfrm>
+      </p:grpSpPr>
+      <p:sp>
+        <p:nvSpPr>
+          <p:cNvPr id="2" name="Title 1">
+            <a:extLst>
+              <a:ext uri="{FF2B5EF4-FFF2-40B4-BE49-F238E27FC236}">
+                <a16:creationId xmlns:a16="http://schemas.microsoft.com/office/drawing/2014/main" id="{121A0376-8412-9804-DF3B-00D7C9B624DD}"/>
+              </a:ext>
+            </a:extLst>
+          </p:cNvPr>
+          <p:cNvSpPr>
+            <a:spLocks noGrp="1"/>
+          </p:cNvSpPr>
+          <p:nvPr>
+            <p:ph type="title"/>
+          </p:nvPr>
+        </p:nvSpPr>
+        <p:spPr/>
+        <p:txBody>
+          <a:bodyPr/>
+          <a:lstStyle/>
+          <a:p>
+            <a:r>
+              <a:rPr lang="en-US" dirty="0"/>
+              <a:t>Training intervention with Military personnel</a:t>
+            </a:r>
+          </a:p>
+        </p:txBody>
+      </p:sp>
+      <p:sp>
+        <p:nvSpPr>
+          <p:cNvPr id="3" name="Content Placeholder 2">
+            <a:extLst>
+              <a:ext uri="{FF2B5EF4-FFF2-40B4-BE49-F238E27FC236}">
+                <a16:creationId xmlns:a16="http://schemas.microsoft.com/office/drawing/2014/main" id="{D9B74437-F3E7-B1DB-C562-C1C12F264875}"/>
+              </a:ext>
+            </a:extLst>
+          </p:cNvPr>
+          <p:cNvSpPr>
+            <a:spLocks noGrp="1"/>
+          </p:cNvSpPr>
+          <p:nvPr>
+            <p:ph idx="1"/>
+          </p:nvPr>
+        </p:nvSpPr>
+        <p:spPr/>
+        <p:txBody>
+          <a:bodyPr/>
+          <a:lstStyle/>
+          <a:p>
+            <a:r>
+              <a:rPr lang="en-US" dirty="0"/>
+              <a:t>Can memory theory be used to accelerate training?</a:t>
+            </a:r>
+          </a:p>
+          <a:p>
+            <a:pPr lvl="1"/>
+            <a:r>
+              <a:rPr lang="en-US" dirty="0"/>
+              <a:t>Intervention to speed learning</a:t>
+            </a:r>
+          </a:p>
+          <a:p>
+            <a:pPr lvl="1"/>
+            <a:endParaRPr lang="en-US" dirty="0"/>
+          </a:p>
+          <a:p>
+            <a:r>
+              <a:rPr lang="en-US" dirty="0"/>
+              <a:t>Targeted skill training</a:t>
+            </a:r>
+          </a:p>
+          <a:p>
+            <a:pPr lvl="1"/>
+            <a:r>
+              <a:rPr lang="en-US" dirty="0"/>
+              <a:t>Shorter time course, 4-6 weeks</a:t>
+            </a:r>
+          </a:p>
+          <a:p>
+            <a:pPr lvl="1"/>
+            <a:r>
+              <a:rPr lang="en-US" dirty="0"/>
+              <a:t>Large numbers of students, all getting identical content</a:t>
+            </a:r>
+          </a:p>
+          <a:p>
+            <a:pPr lvl="1"/>
+            <a:endParaRPr lang="en-US" dirty="0"/>
+          </a:p>
+          <a:p>
+            <a:r>
+              <a:rPr lang="en-US" dirty="0"/>
+              <a:t>Training may improve performance on key skills</a:t>
+            </a:r>
+          </a:p>
+          <a:p>
+            <a:pPr lvl="1"/>
+            <a:r>
+              <a:rPr lang="en-US" dirty="0"/>
+              <a:t>How to design this ethically?</a:t>
+            </a:r>
+          </a:p>
+          <a:p>
+            <a:pPr lvl="1"/>
+            <a:endParaRPr lang="en-US" dirty="0"/>
+          </a:p>
+        </p:txBody>
+      </p:sp>
+    </p:spTree>
+    <p:extLst>
+      <p:ext uri="{BB962C8B-B14F-4D97-AF65-F5344CB8AC3E}">
+        <p14:creationId xmlns:p14="http://schemas.microsoft.com/office/powerpoint/2010/main" val="1626187573"/>
+      </p:ext>
+    </p:extLst>
+  </p:cSld>
+  <p:clrMapOvr>
+    <a:masterClrMapping/>
+  </p:clrMapOvr>
+</p:sld>
+</file>
+
+<file path=ppt/slides/slide4.xml><?xml version="1.0" encoding="utf-8"?>
+<p:sld xmlns:a="http://schemas.openxmlformats.org/drawingml/2006/main" xmlns:r="http://schemas.openxmlformats.org/officeDocument/2006/relationships" xmlns:p="http://schemas.openxmlformats.org/presentationml/2006/main">
+  <p:cSld>
+    <p:spTree>
+      <p:nvGrpSpPr>
+        <p:cNvPr id="1" name="">
+          <a:extLst>
+            <a:ext uri="{FF2B5EF4-FFF2-40B4-BE49-F238E27FC236}">
+              <a16:creationId xmlns:a16="http://schemas.microsoft.com/office/drawing/2014/main" id="{1765E892-BB63-372A-E9D0-D7832912CA1F}"/>
+            </a:ext>
+          </a:extLst>
+        </p:cNvPr>
+        <p:cNvGrpSpPr/>
+        <p:nvPr/>
+      </p:nvGrpSpPr>
+      <p:grpSpPr>
+        <a:xfrm>
+          <a:off x="0" y="0"/>
+          <a:ext cx="0" cy="0"/>
+          <a:chOff x="0" y="0"/>
+          <a:chExt cx="0" cy="0"/>
+        </a:xfrm>
+      </p:grpSpPr>
+      <p:sp>
+        <p:nvSpPr>
+          <p:cNvPr id="10242" name="Rectangle 2">
+            <a:extLst>
+              <a:ext uri="{FF2B5EF4-FFF2-40B4-BE49-F238E27FC236}">
+                <a16:creationId xmlns:a16="http://schemas.microsoft.com/office/drawing/2014/main" id="{A1A7BBFE-E824-2DB1-754D-3CD7312D1EE3}"/>
+              </a:ext>
+            </a:extLst>
+          </p:cNvPr>
+          <p:cNvSpPr>
+            <a:spLocks noGrp="1" noChangeArrowheads="1"/>
+          </p:cNvSpPr>
+          <p:nvPr>
+            <p:ph type="title"/>
+          </p:nvPr>
+        </p:nvSpPr>
+        <p:spPr/>
+        <p:txBody>
+          <a:bodyPr/>
+          <a:lstStyle/>
+          <a:p>
+            <a:r>
+              <a:rPr lang="en-US" dirty="0"/>
+              <a:t>Philosophical Ethical Challenges</a:t>
+            </a:r>
+          </a:p>
+        </p:txBody>
+      </p:sp>
+      <p:sp>
+        <p:nvSpPr>
+          <p:cNvPr id="10243" name="Rectangle 3">
+            <a:extLst>
+              <a:ext uri="{FF2B5EF4-FFF2-40B4-BE49-F238E27FC236}">
+                <a16:creationId xmlns:a16="http://schemas.microsoft.com/office/drawing/2014/main" id="{D66E7B74-64B4-EF36-B740-47D817D4F5D1}"/>
+              </a:ext>
+            </a:extLst>
+          </p:cNvPr>
+          <p:cNvSpPr>
+            <a:spLocks noGrp="1" noChangeArrowheads="1"/>
+          </p:cNvSpPr>
+          <p:nvPr>
+            <p:ph type="body" idx="1"/>
+          </p:nvPr>
+        </p:nvSpPr>
+        <p:spPr/>
+        <p:txBody>
+          <a:bodyPr>
+            <a:normAutofit lnSpcReduction="10000"/>
+          </a:bodyPr>
+          <a:lstStyle/>
+          <a:p>
+            <a:r>
+              <a:rPr lang="en-US" dirty="0"/>
+              <a:t>When the experimental treatment is a benefit</a:t>
+            </a:r>
+          </a:p>
+          <a:p>
+            <a:pPr lvl="1"/>
+            <a:r>
+              <a:rPr lang="en-US" dirty="0"/>
+              <a:t>Justice would normally mean equal benefits across groups</a:t>
+            </a:r>
+          </a:p>
+          <a:p>
+            <a:pPr lvl="1"/>
+            <a:r>
+              <a:rPr lang="en-US" dirty="0"/>
+              <a:t>Intervention research on Monday</a:t>
+            </a:r>
+          </a:p>
+          <a:p>
+            <a:r>
+              <a:rPr lang="en-US" dirty="0"/>
+              <a:t>Coercion versus voluntary participation</a:t>
+            </a:r>
+          </a:p>
+          <a:p>
+            <a:pPr lvl="1"/>
+            <a:r>
+              <a:rPr lang="en-US" dirty="0"/>
+              <a:t>Authority figures: supervisors, teachers</a:t>
+            </a:r>
+          </a:p>
+          <a:p>
+            <a:pPr lvl="1"/>
+            <a:r>
+              <a:rPr lang="en-US" dirty="0"/>
+              <a:t>Financial rewards: incentivizing risk</a:t>
+            </a:r>
+          </a:p>
+          <a:p>
+            <a:r>
+              <a:rPr lang="en-US" dirty="0"/>
+              <a:t>Vulnerable populations</a:t>
+            </a:r>
+          </a:p>
+          <a:p>
+            <a:pPr lvl="1"/>
+            <a:r>
+              <a:rPr lang="en-US" dirty="0"/>
+              <a:t>Children: depend on guardian</a:t>
+            </a:r>
+          </a:p>
+          <a:p>
+            <a:pPr lvl="2"/>
+            <a:r>
+              <a:rPr lang="en-US" dirty="0"/>
+              <a:t>Mandatory reporting training for staff</a:t>
+            </a:r>
+          </a:p>
+          <a:p>
+            <a:pPr lvl="1"/>
+            <a:r>
+              <a:rPr lang="en-US" dirty="0"/>
+              <a:t>Prisoners: cannot voluntarily consent</a:t>
+            </a:r>
+          </a:p>
+          <a:p>
+            <a:pPr lvl="2"/>
+            <a:r>
+              <a:rPr lang="en-US" dirty="0"/>
+              <a:t>Research must be for prisoners’ benefit</a:t>
+            </a:r>
+          </a:p>
+          <a:p>
+            <a:endParaRPr lang="en-US" dirty="0"/>
+          </a:p>
+          <a:p>
+            <a:endParaRPr lang="en-US" dirty="0"/>
+          </a:p>
+        </p:txBody>
+      </p:sp>
+    </p:spTree>
+    <p:extLst>
+      <p:ext uri="{BB962C8B-B14F-4D97-AF65-F5344CB8AC3E}">
+        <p14:creationId xmlns:p14="http://schemas.microsoft.com/office/powerpoint/2010/main" val="95894188"/>
+      </p:ext>
+    </p:extLst>
+  </p:cSld>
+  <p:clrMapOvr>
+    <a:masterClrMapping/>
+  </p:clrMapOvr>
+</p:sld>
+</file>
+
+<file path=ppt/slides/slide5.xml><?xml version="1.0" encoding="utf-8"?>
+<p:sld xmlns:a="http://schemas.openxmlformats.org/drawingml/2006/main" xmlns:r="http://schemas.openxmlformats.org/officeDocument/2006/relationships" xmlns:p="http://schemas.openxmlformats.org/presentationml/2006/main">
+  <p:cSld>
+    <p:spTree>
+      <p:nvGrpSpPr>
+        <p:cNvPr id="1" name=""/>
+        <p:cNvGrpSpPr/>
+        <p:nvPr/>
+      </p:nvGrpSpPr>
+      <p:grpSpPr>
+        <a:xfrm>
+          <a:off x="0" y="0"/>
+          <a:ext cx="0" cy="0"/>
+          <a:chOff x="0" y="0"/>
+          <a:chExt cx="0" cy="0"/>
+        </a:xfrm>
+      </p:grpSpPr>
+      <p:sp>
+        <p:nvSpPr>
+          <p:cNvPr id="4" name="Rectangle 3">
+            <a:extLst>
+              <a:ext uri="{FF2B5EF4-FFF2-40B4-BE49-F238E27FC236}">
+                <a16:creationId xmlns:a16="http://schemas.microsoft.com/office/drawing/2014/main" id="{48BF34F6-A202-5E53-9E6A-231F740D4C85}"/>
+              </a:ext>
+            </a:extLst>
+          </p:cNvPr>
+          <p:cNvSpPr/>
+          <p:nvPr/>
+        </p:nvSpPr>
+        <p:spPr bwMode="auto">
+          <a:xfrm>
+            <a:off x="6841637" y="2800068"/>
+            <a:ext cx="1695172" cy="762000"/>
+          </a:xfrm>
+          <a:prstGeom prst="rect">
+            <a:avLst/>
+          </a:prstGeom>
+          <a:solidFill>
+            <a:schemeClr val="accent3">
+              <a:lumMod val="40000"/>
+              <a:lumOff val="60000"/>
+            </a:schemeClr>
+          </a:solidFill>
+          <a:ln>
+            <a:headEnd type="none" w="med" len="med"/>
+            <a:tailEnd type="none" w="med" len="med"/>
+          </a:ln>
+        </p:spPr>
+        <p:style>
+          <a:lnRef idx="3">
+            <a:schemeClr val="lt1"/>
+          </a:lnRef>
+          <a:fillRef idx="1">
+            <a:schemeClr val="accent3"/>
+          </a:fillRef>
+          <a:effectRef idx="1">
+            <a:schemeClr val="accent3"/>
+          </a:effectRef>
+          <a:fontRef idx="minor">
+            <a:schemeClr val="lt1"/>
+          </a:fontRef>
+        </p:style>
+        <p:txBody>
+          <a:bodyPr vert="horz" wrap="square" lIns="91440" tIns="45720" rIns="91440" bIns="45720" numCol="1" rtlCol="0" anchor="ctr" anchorCtr="0" compatLnSpc="1">
+            <a:prstTxWarp prst="textNoShape">
+              <a:avLst/>
+            </a:prstTxWarp>
+          </a:bodyPr>
+          <a:lstStyle/>
+          <a:p>
+            <a:pPr algn="ctr" fontAlgn="base">
+              <a:spcBef>
+                <a:spcPct val="0"/>
+              </a:spcBef>
+              <a:spcAft>
+                <a:spcPct val="0"/>
+              </a:spcAft>
+            </a:pPr>
+            <a:r>
+              <a:rPr lang="en-US" sz="1600" b="1" i="1" dirty="0">
+                <a:solidFill>
+                  <a:schemeClr val="accent5">
+                    <a:lumMod val="60000"/>
+                    <a:lumOff val="40000"/>
+                  </a:schemeClr>
+                </a:solidFill>
+                <a:latin typeface="Arial" charset="0"/>
+              </a:rPr>
+              <a:t>No training</a:t>
+            </a:r>
+          </a:p>
+        </p:txBody>
+      </p:sp>
+      <p:sp>
+        <p:nvSpPr>
+          <p:cNvPr id="5" name="Rectangle 4">
+            <a:extLst>
+              <a:ext uri="{FF2B5EF4-FFF2-40B4-BE49-F238E27FC236}">
+                <a16:creationId xmlns:a16="http://schemas.microsoft.com/office/drawing/2014/main" id="{5CFD65CF-E299-65E8-0BD9-7520D6EB8991}"/>
+              </a:ext>
+            </a:extLst>
+          </p:cNvPr>
+          <p:cNvSpPr/>
+          <p:nvPr/>
+        </p:nvSpPr>
+        <p:spPr bwMode="auto">
+          <a:xfrm>
+            <a:off x="2780742" y="3082262"/>
+            <a:ext cx="838200" cy="1981200"/>
+          </a:xfrm>
+          <a:prstGeom prst="rect">
+            <a:avLst/>
+          </a:prstGeom>
+          <a:ln>
+            <a:headEnd type="none" w="med" len="med"/>
+            <a:tailEnd type="none" w="med" len="med"/>
+          </a:ln>
+        </p:spPr>
+        <p:style>
+          <a:lnRef idx="3">
+            <a:schemeClr val="lt1"/>
+          </a:lnRef>
+          <a:fillRef idx="1">
+            <a:schemeClr val="accent3"/>
+          </a:fillRef>
+          <a:effectRef idx="1">
+            <a:schemeClr val="accent3"/>
+          </a:effectRef>
+          <a:fontRef idx="minor">
+            <a:schemeClr val="lt1"/>
+          </a:fontRef>
+        </p:style>
+        <p:txBody>
+          <a:bodyPr vert="horz" wrap="square" lIns="91440" tIns="45720" rIns="91440" bIns="45720" numCol="1" rtlCol="0" anchor="ctr" anchorCtr="0" compatLnSpc="1">
+            <a:prstTxWarp prst="textNoShape">
+              <a:avLst/>
+            </a:prstTxWarp>
+          </a:bodyPr>
+          <a:lstStyle/>
+          <a:p>
+            <a:pPr fontAlgn="base">
+              <a:spcBef>
+                <a:spcPct val="0"/>
+              </a:spcBef>
+              <a:spcAft>
+                <a:spcPct val="0"/>
+              </a:spcAft>
+            </a:pPr>
+            <a:endParaRPr lang="en-US" sz="1600" b="1">
+              <a:solidFill>
+                <a:srgbClr val="003399"/>
+              </a:solidFill>
+              <a:latin typeface="Arial" charset="0"/>
+            </a:endParaRPr>
+          </a:p>
+        </p:txBody>
+      </p:sp>
+      <p:sp>
+        <p:nvSpPr>
+          <p:cNvPr id="6" name="Rectangle 5">
+            <a:extLst>
+              <a:ext uri="{FF2B5EF4-FFF2-40B4-BE49-F238E27FC236}">
+                <a16:creationId xmlns:a16="http://schemas.microsoft.com/office/drawing/2014/main" id="{AA3212F7-B92F-D881-E9C6-2DBC7D1B611B}"/>
+              </a:ext>
+            </a:extLst>
+          </p:cNvPr>
+          <p:cNvSpPr/>
+          <p:nvPr/>
+        </p:nvSpPr>
+        <p:spPr bwMode="auto">
+          <a:xfrm>
+            <a:off x="4208669" y="2800068"/>
+            <a:ext cx="1695172" cy="762000"/>
+          </a:xfrm>
+          <a:prstGeom prst="rect">
+            <a:avLst/>
+          </a:prstGeom>
+          <a:ln>
+            <a:headEnd type="none" w="med" len="med"/>
+            <a:tailEnd type="none" w="med" len="med"/>
+          </a:ln>
+        </p:spPr>
+        <p:style>
+          <a:lnRef idx="3">
+            <a:schemeClr val="lt1"/>
+          </a:lnRef>
+          <a:fillRef idx="1">
+            <a:schemeClr val="accent3"/>
+          </a:fillRef>
+          <a:effectRef idx="1">
+            <a:schemeClr val="accent3"/>
+          </a:effectRef>
+          <a:fontRef idx="minor">
+            <a:schemeClr val="lt1"/>
+          </a:fontRef>
+        </p:style>
+        <p:txBody>
+          <a:bodyPr vert="horz" wrap="square" lIns="91440" tIns="45720" rIns="91440" bIns="45720" numCol="1" rtlCol="0" anchor="ctr" anchorCtr="0" compatLnSpc="1">
+            <a:prstTxWarp prst="textNoShape">
+              <a:avLst/>
+            </a:prstTxWarp>
+          </a:bodyPr>
+          <a:lstStyle/>
+          <a:p>
+            <a:pPr algn="ctr" fontAlgn="base">
+              <a:spcBef>
+                <a:spcPct val="0"/>
+              </a:spcBef>
+              <a:spcAft>
+                <a:spcPct val="0"/>
+              </a:spcAft>
+            </a:pPr>
+            <a:r>
+              <a:rPr lang="en-US" sz="1600" b="1" dirty="0">
+                <a:solidFill>
+                  <a:srgbClr val="003399"/>
+                </a:solidFill>
+                <a:latin typeface="Arial" charset="0"/>
+              </a:rPr>
+              <a:t>Intervention Training</a:t>
+            </a:r>
+          </a:p>
+        </p:txBody>
+      </p:sp>
+      <p:sp>
+        <p:nvSpPr>
+          <p:cNvPr id="7" name="Rectangle 6">
+            <a:extLst>
+              <a:ext uri="{FF2B5EF4-FFF2-40B4-BE49-F238E27FC236}">
+                <a16:creationId xmlns:a16="http://schemas.microsoft.com/office/drawing/2014/main" id="{E778C213-957D-4E2A-0DCB-6B630F932191}"/>
+              </a:ext>
+            </a:extLst>
+          </p:cNvPr>
+          <p:cNvSpPr/>
+          <p:nvPr/>
+        </p:nvSpPr>
+        <p:spPr bwMode="auto">
+          <a:xfrm>
+            <a:off x="4208669" y="4464109"/>
+            <a:ext cx="1695172" cy="762000"/>
+          </a:xfrm>
+          <a:prstGeom prst="rect">
+            <a:avLst/>
+          </a:prstGeom>
+          <a:solidFill>
+            <a:schemeClr val="accent3">
+              <a:lumMod val="40000"/>
+              <a:lumOff val="60000"/>
+            </a:schemeClr>
+          </a:solidFill>
+          <a:ln>
+            <a:headEnd type="none" w="med" len="med"/>
+            <a:tailEnd type="none" w="med" len="med"/>
+          </a:ln>
+        </p:spPr>
+        <p:style>
+          <a:lnRef idx="3">
+            <a:schemeClr val="lt1"/>
+          </a:lnRef>
+          <a:fillRef idx="1">
+            <a:schemeClr val="accent3"/>
+          </a:fillRef>
+          <a:effectRef idx="1">
+            <a:schemeClr val="accent3"/>
+          </a:effectRef>
+          <a:fontRef idx="minor">
+            <a:schemeClr val="lt1"/>
+          </a:fontRef>
+        </p:style>
+        <p:txBody>
+          <a:bodyPr vert="horz" wrap="square" lIns="91440" tIns="45720" rIns="91440" bIns="45720" numCol="1" rtlCol="0" anchor="ctr" anchorCtr="0" compatLnSpc="1">
+            <a:prstTxWarp prst="textNoShape">
+              <a:avLst/>
+            </a:prstTxWarp>
+          </a:bodyPr>
+          <a:lstStyle/>
+          <a:p>
+            <a:pPr algn="ctr" fontAlgn="base">
+              <a:spcBef>
+                <a:spcPct val="0"/>
+              </a:spcBef>
+              <a:spcAft>
+                <a:spcPct val="0"/>
+              </a:spcAft>
+            </a:pPr>
+            <a:r>
+              <a:rPr lang="en-US" sz="1600" b="1" i="1" dirty="0">
+                <a:solidFill>
+                  <a:schemeClr val="accent5">
+                    <a:lumMod val="60000"/>
+                    <a:lumOff val="40000"/>
+                  </a:schemeClr>
+                </a:solidFill>
+                <a:latin typeface="Arial" charset="0"/>
+              </a:rPr>
+              <a:t>No training</a:t>
+            </a:r>
+          </a:p>
+        </p:txBody>
+      </p:sp>
+      <p:sp>
+        <p:nvSpPr>
+          <p:cNvPr id="8" name="Rectangle 7">
+            <a:extLst>
+              <a:ext uri="{FF2B5EF4-FFF2-40B4-BE49-F238E27FC236}">
+                <a16:creationId xmlns:a16="http://schemas.microsoft.com/office/drawing/2014/main" id="{8AF4A6F5-F055-936E-4919-AF12FAF965F8}"/>
+              </a:ext>
+            </a:extLst>
+          </p:cNvPr>
+          <p:cNvSpPr/>
+          <p:nvPr/>
+        </p:nvSpPr>
+        <p:spPr bwMode="auto">
+          <a:xfrm>
+            <a:off x="6042446" y="2281472"/>
+            <a:ext cx="381000" cy="3397787"/>
+          </a:xfrm>
+          <a:prstGeom prst="rect">
+            <a:avLst/>
+          </a:prstGeom>
+          <a:ln>
+            <a:headEnd type="none" w="med" len="med"/>
+            <a:tailEnd type="none" w="med" len="med"/>
+          </a:ln>
+        </p:spPr>
+        <p:style>
+          <a:lnRef idx="2">
+            <a:schemeClr val="accent6">
+              <a:shade val="50000"/>
+            </a:schemeClr>
+          </a:lnRef>
+          <a:fillRef idx="1">
+            <a:schemeClr val="accent6"/>
+          </a:fillRef>
+          <a:effectRef idx="0">
+            <a:schemeClr val="accent6"/>
+          </a:effectRef>
+          <a:fontRef idx="minor">
+            <a:schemeClr val="lt1"/>
+          </a:fontRef>
+        </p:style>
+        <p:txBody>
+          <a:bodyPr vert="vert270" wrap="square" lIns="91440" tIns="45720" rIns="91440" bIns="45720" numCol="1" rtlCol="0" anchor="ctr" anchorCtr="0" compatLnSpc="1">
+            <a:prstTxWarp prst="textNoShape">
+              <a:avLst/>
+            </a:prstTxWarp>
+          </a:bodyPr>
+          <a:lstStyle/>
+          <a:p>
+            <a:pPr algn="ctr" fontAlgn="base">
+              <a:spcBef>
+                <a:spcPct val="0"/>
+              </a:spcBef>
+              <a:spcAft>
+                <a:spcPct val="0"/>
+              </a:spcAft>
+            </a:pPr>
+            <a:r>
+              <a:rPr lang="en-US" sz="1600" b="1" dirty="0">
+                <a:solidFill>
+                  <a:srgbClr val="003399"/>
+                </a:solidFill>
+                <a:latin typeface="Arial" charset="0"/>
+              </a:rPr>
+              <a:t>Assessment - 1</a:t>
+            </a:r>
+          </a:p>
+        </p:txBody>
+      </p:sp>
+      <p:sp>
+        <p:nvSpPr>
+          <p:cNvPr id="9" name="Arrow: Right 8">
+            <a:extLst>
+              <a:ext uri="{FF2B5EF4-FFF2-40B4-BE49-F238E27FC236}">
+                <a16:creationId xmlns:a16="http://schemas.microsoft.com/office/drawing/2014/main" id="{7FD3732D-B217-3BF3-34F2-86CE64932D0D}"/>
+              </a:ext>
+            </a:extLst>
+          </p:cNvPr>
+          <p:cNvSpPr/>
+          <p:nvPr/>
+        </p:nvSpPr>
+        <p:spPr bwMode="auto">
+          <a:xfrm rot="21088868">
+            <a:off x="3765748" y="3217031"/>
+            <a:ext cx="381000" cy="265043"/>
+          </a:xfrm>
+          <a:prstGeom prst="rightArrow">
+            <a:avLst/>
+          </a:prstGeom>
+          <a:ln>
+            <a:headEnd type="none" w="med" len="med"/>
+            <a:tailEnd type="none" w="med" len="med"/>
+          </a:ln>
+        </p:spPr>
+        <p:style>
+          <a:lnRef idx="3">
+            <a:schemeClr val="lt1"/>
+          </a:lnRef>
+          <a:fillRef idx="1">
+            <a:schemeClr val="accent1"/>
+          </a:fillRef>
+          <a:effectRef idx="1">
+            <a:schemeClr val="accent1"/>
+          </a:effectRef>
+          <a:fontRef idx="minor">
+            <a:schemeClr val="lt1"/>
+          </a:fontRef>
+        </p:style>
+        <p:txBody>
+          <a:bodyPr vert="horz" wrap="square" lIns="91440" tIns="45720" rIns="91440" bIns="45720" numCol="1" rtlCol="0" anchor="ctr" anchorCtr="0" compatLnSpc="1">
+            <a:prstTxWarp prst="textNoShape">
+              <a:avLst/>
+            </a:prstTxWarp>
+          </a:bodyPr>
+          <a:lstStyle/>
+          <a:p>
+            <a:pPr fontAlgn="base">
+              <a:spcBef>
+                <a:spcPct val="0"/>
+              </a:spcBef>
+              <a:spcAft>
+                <a:spcPct val="0"/>
+              </a:spcAft>
+            </a:pPr>
+            <a:endParaRPr lang="en-US" sz="1600" b="1">
+              <a:solidFill>
+                <a:srgbClr val="003399"/>
+              </a:solidFill>
+              <a:latin typeface="Arial" charset="0"/>
+            </a:endParaRPr>
+          </a:p>
+        </p:txBody>
+      </p:sp>
+      <p:sp>
+        <p:nvSpPr>
+          <p:cNvPr id="10" name="Arrow: Right 9">
+            <a:extLst>
+              <a:ext uri="{FF2B5EF4-FFF2-40B4-BE49-F238E27FC236}">
+                <a16:creationId xmlns:a16="http://schemas.microsoft.com/office/drawing/2014/main" id="{3B58AD8F-537F-96FC-7BE4-587F804FBDD8}"/>
+              </a:ext>
+            </a:extLst>
+          </p:cNvPr>
+          <p:cNvSpPr/>
+          <p:nvPr/>
+        </p:nvSpPr>
+        <p:spPr bwMode="auto">
+          <a:xfrm rot="199713">
+            <a:off x="3765748" y="4635633"/>
+            <a:ext cx="381000" cy="265043"/>
+          </a:xfrm>
+          <a:prstGeom prst="rightArrow">
+            <a:avLst/>
+          </a:prstGeom>
+          <a:ln>
+            <a:headEnd type="none" w="med" len="med"/>
+            <a:tailEnd type="none" w="med" len="med"/>
+          </a:ln>
+        </p:spPr>
+        <p:style>
+          <a:lnRef idx="3">
+            <a:schemeClr val="lt1"/>
+          </a:lnRef>
+          <a:fillRef idx="1">
+            <a:schemeClr val="accent1"/>
+          </a:fillRef>
+          <a:effectRef idx="1">
+            <a:schemeClr val="accent1"/>
+          </a:effectRef>
+          <a:fontRef idx="minor">
+            <a:schemeClr val="lt1"/>
+          </a:fontRef>
+        </p:style>
+        <p:txBody>
+          <a:bodyPr vert="horz" wrap="square" lIns="91440" tIns="45720" rIns="91440" bIns="45720" numCol="1" rtlCol="0" anchor="ctr" anchorCtr="0" compatLnSpc="1">
+            <a:prstTxWarp prst="textNoShape">
+              <a:avLst/>
+            </a:prstTxWarp>
+          </a:bodyPr>
+          <a:lstStyle/>
+          <a:p>
+            <a:pPr fontAlgn="base">
+              <a:spcBef>
+                <a:spcPct val="0"/>
+              </a:spcBef>
+              <a:spcAft>
+                <a:spcPct val="0"/>
+              </a:spcAft>
+            </a:pPr>
+            <a:endParaRPr lang="en-US" sz="1600" b="1">
+              <a:solidFill>
+                <a:srgbClr val="003399"/>
+              </a:solidFill>
+              <a:latin typeface="Arial" charset="0"/>
+            </a:endParaRPr>
+          </a:p>
+        </p:txBody>
+      </p:sp>
+      <p:cxnSp>
+        <p:nvCxnSpPr>
+          <p:cNvPr id="11" name="Straight Connector 10">
+            <a:extLst>
+              <a:ext uri="{FF2B5EF4-FFF2-40B4-BE49-F238E27FC236}">
+                <a16:creationId xmlns:a16="http://schemas.microsoft.com/office/drawing/2014/main" id="{CF24B6BF-B603-F502-99EC-226B577A3C5A}"/>
+              </a:ext>
+            </a:extLst>
+          </p:cNvPr>
+          <p:cNvCxnSpPr>
+            <a:cxnSpLocks/>
+          </p:cNvCxnSpPr>
+          <p:nvPr/>
+        </p:nvCxnSpPr>
+        <p:spPr bwMode="auto">
+          <a:xfrm>
+            <a:off x="2548370" y="4072862"/>
+            <a:ext cx="1299172" cy="0"/>
+          </a:xfrm>
+          <a:prstGeom prst="line">
+            <a:avLst/>
+          </a:prstGeom>
+          <a:ln>
+            <a:headEnd type="none" w="med" len="med"/>
+            <a:tailEnd type="none" w="med" len="med"/>
+          </a:ln>
+        </p:spPr>
+        <p:style>
+          <a:lnRef idx="3">
+            <a:schemeClr val="accent1"/>
+          </a:lnRef>
+          <a:fillRef idx="0">
+            <a:schemeClr val="accent1"/>
+          </a:fillRef>
+          <a:effectRef idx="2">
+            <a:schemeClr val="accent1"/>
+          </a:effectRef>
+          <a:fontRef idx="minor">
+            <a:schemeClr val="tx1"/>
+          </a:fontRef>
+        </p:style>
+      </p:cxnSp>
+      <p:sp>
+        <p:nvSpPr>
+          <p:cNvPr id="12" name="Rectangle 11">
+            <a:extLst>
+              <a:ext uri="{FF2B5EF4-FFF2-40B4-BE49-F238E27FC236}">
+                <a16:creationId xmlns:a16="http://schemas.microsoft.com/office/drawing/2014/main" id="{A9311D96-9796-D54F-BF55-24E5050A7998}"/>
+              </a:ext>
+            </a:extLst>
+          </p:cNvPr>
+          <p:cNvSpPr/>
+          <p:nvPr/>
+        </p:nvSpPr>
+        <p:spPr>
+          <a:xfrm>
+            <a:off x="3314388" y="2331368"/>
+            <a:ext cx="585417" cy="923330"/>
+          </a:xfrm>
+          <a:prstGeom prst="rect">
+            <a:avLst/>
+          </a:prstGeom>
+          <a:noFill/>
+        </p:spPr>
+        <p:txBody>
+          <a:bodyPr wrap="none" lIns="91440" tIns="45720" rIns="91440" bIns="45720">
+            <a:spAutoFit/>
+          </a:bodyPr>
+          <a:lstStyle/>
+          <a:p>
+            <a:pPr algn="ctr"/>
+            <a:r>
+              <a:rPr lang="en-US" sz="5400" dirty="0">
+                <a:ln w="0"/>
+                <a:solidFill>
+                  <a:schemeClr val="accent1"/>
+                </a:solidFill>
+                <a:effectLst>
+                  <a:outerShdw blurRad="38100" dist="25400" dir="5400000" algn="ctr" rotWithShape="0">
+                    <a:srgbClr val="6E747A">
+                      <a:alpha val="43000"/>
+                    </a:srgbClr>
+                  </a:outerShdw>
+                </a:effectLst>
+              </a:rPr>
+              <a:t>A</a:t>
+            </a:r>
+          </a:p>
+        </p:txBody>
+      </p:sp>
+      <p:sp>
+        <p:nvSpPr>
+          <p:cNvPr id="13" name="Rectangle 12">
+            <a:extLst>
+              <a:ext uri="{FF2B5EF4-FFF2-40B4-BE49-F238E27FC236}">
+                <a16:creationId xmlns:a16="http://schemas.microsoft.com/office/drawing/2014/main" id="{06B69BD2-44DB-19DE-4CC5-B101AC151AB2}"/>
+              </a:ext>
+            </a:extLst>
+          </p:cNvPr>
+          <p:cNvSpPr/>
+          <p:nvPr/>
+        </p:nvSpPr>
+        <p:spPr>
+          <a:xfrm>
+            <a:off x="3326409" y="4939999"/>
+            <a:ext cx="561372" cy="923330"/>
+          </a:xfrm>
+          <a:prstGeom prst="rect">
+            <a:avLst/>
+          </a:prstGeom>
+          <a:noFill/>
+        </p:spPr>
+        <p:txBody>
+          <a:bodyPr wrap="none" lIns="91440" tIns="45720" rIns="91440" bIns="45720">
+            <a:spAutoFit/>
+          </a:bodyPr>
+          <a:lstStyle/>
+          <a:p>
+            <a:pPr algn="ctr"/>
+            <a:r>
+              <a:rPr lang="en-US" sz="5400" dirty="0">
+                <a:ln w="0"/>
+                <a:solidFill>
+                  <a:schemeClr val="accent1"/>
+                </a:solidFill>
+                <a:effectLst>
+                  <a:outerShdw blurRad="38100" dist="25400" dir="5400000" algn="ctr" rotWithShape="0">
+                    <a:srgbClr val="6E747A">
+                      <a:alpha val="43000"/>
+                    </a:srgbClr>
+                  </a:outerShdw>
+                </a:effectLst>
+              </a:rPr>
+              <a:t>B</a:t>
+            </a:r>
+          </a:p>
+        </p:txBody>
+      </p:sp>
+      <p:sp>
+        <p:nvSpPr>
+          <p:cNvPr id="14" name="TextBox 13">
+            <a:extLst>
+              <a:ext uri="{FF2B5EF4-FFF2-40B4-BE49-F238E27FC236}">
+                <a16:creationId xmlns:a16="http://schemas.microsoft.com/office/drawing/2014/main" id="{1474348D-6BAD-C83C-2EF4-EFA40AEB0CAF}"/>
+              </a:ext>
+            </a:extLst>
+          </p:cNvPr>
+          <p:cNvSpPr txBox="1"/>
+          <p:nvPr/>
+        </p:nvSpPr>
+        <p:spPr>
+          <a:xfrm>
+            <a:off x="875970" y="3254698"/>
+            <a:ext cx="1828800" cy="2031325"/>
+          </a:xfrm>
+          <a:prstGeom prst="rect">
+            <a:avLst/>
+          </a:prstGeom>
+          <a:noFill/>
+        </p:spPr>
+        <p:txBody>
+          <a:bodyPr wrap="square" rtlCol="0">
+            <a:spAutoFit/>
+          </a:bodyPr>
+          <a:lstStyle/>
+          <a:p>
+            <a:r>
+              <a:rPr lang="en-US" dirty="0"/>
+              <a:t>Random assignment within a single  class, half students to “A” cohort and half to “B” cohort</a:t>
+            </a:r>
+          </a:p>
+        </p:txBody>
+      </p:sp>
+      <p:sp>
+        <p:nvSpPr>
+          <p:cNvPr id="15" name="Rectangle 14">
+            <a:extLst>
+              <a:ext uri="{FF2B5EF4-FFF2-40B4-BE49-F238E27FC236}">
+                <a16:creationId xmlns:a16="http://schemas.microsoft.com/office/drawing/2014/main" id="{DCC05804-9C5A-0C3C-08DE-9D2A31AA47B6}"/>
+              </a:ext>
+            </a:extLst>
+          </p:cNvPr>
+          <p:cNvSpPr/>
+          <p:nvPr/>
+        </p:nvSpPr>
+        <p:spPr bwMode="auto">
+          <a:xfrm>
+            <a:off x="8709446" y="2266307"/>
+            <a:ext cx="381000" cy="3379060"/>
+          </a:xfrm>
+          <a:prstGeom prst="rect">
+            <a:avLst/>
+          </a:prstGeom>
+          <a:ln>
+            <a:headEnd type="none" w="med" len="med"/>
+            <a:tailEnd type="none" w="med" len="med"/>
+          </a:ln>
+        </p:spPr>
+        <p:style>
+          <a:lnRef idx="2">
+            <a:schemeClr val="accent6">
+              <a:shade val="50000"/>
+            </a:schemeClr>
+          </a:lnRef>
+          <a:fillRef idx="1">
+            <a:schemeClr val="accent6"/>
+          </a:fillRef>
+          <a:effectRef idx="0">
+            <a:schemeClr val="accent6"/>
+          </a:effectRef>
+          <a:fontRef idx="minor">
+            <a:schemeClr val="lt1"/>
+          </a:fontRef>
+        </p:style>
+        <p:txBody>
+          <a:bodyPr vert="vert270" wrap="square" lIns="91440" tIns="45720" rIns="91440" bIns="45720" numCol="1" rtlCol="0" anchor="ctr" anchorCtr="0" compatLnSpc="1">
+            <a:prstTxWarp prst="textNoShape">
+              <a:avLst/>
+            </a:prstTxWarp>
+          </a:bodyPr>
+          <a:lstStyle/>
+          <a:p>
+            <a:pPr algn="ctr" fontAlgn="base">
+              <a:spcBef>
+                <a:spcPct val="0"/>
+              </a:spcBef>
+              <a:spcAft>
+                <a:spcPct val="0"/>
+              </a:spcAft>
+            </a:pPr>
+            <a:r>
+              <a:rPr lang="en-US" sz="1600" b="1" dirty="0">
+                <a:solidFill>
+                  <a:srgbClr val="003399"/>
+                </a:solidFill>
+                <a:latin typeface="Arial" charset="0"/>
+              </a:rPr>
+              <a:t>Assessment- 2</a:t>
+            </a:r>
+          </a:p>
+        </p:txBody>
+      </p:sp>
+      <p:sp>
+        <p:nvSpPr>
+          <p:cNvPr id="16" name="TextBox 15">
+            <a:extLst>
+              <a:ext uri="{FF2B5EF4-FFF2-40B4-BE49-F238E27FC236}">
+                <a16:creationId xmlns:a16="http://schemas.microsoft.com/office/drawing/2014/main" id="{97CC169F-6ED9-01B5-E1D3-CF66F46F09C0}"/>
+              </a:ext>
+            </a:extLst>
+          </p:cNvPr>
+          <p:cNvSpPr txBox="1"/>
+          <p:nvPr/>
+        </p:nvSpPr>
+        <p:spPr>
+          <a:xfrm>
+            <a:off x="3935678" y="1552673"/>
+            <a:ext cx="3171714" cy="369332"/>
+          </a:xfrm>
+          <a:prstGeom prst="rect">
+            <a:avLst/>
+          </a:prstGeom>
+          <a:noFill/>
+        </p:spPr>
+        <p:txBody>
+          <a:bodyPr wrap="square" rtlCol="0">
+            <a:spAutoFit/>
+          </a:bodyPr>
+          <a:lstStyle/>
+          <a:p>
+            <a:r>
+              <a:rPr lang="en-US" dirty="0"/>
+              <a:t>Test 1: A1 versus B1</a:t>
+            </a:r>
+          </a:p>
+        </p:txBody>
+      </p:sp>
+      <p:sp>
+        <p:nvSpPr>
+          <p:cNvPr id="17" name="TextBox 16">
+            <a:extLst>
+              <a:ext uri="{FF2B5EF4-FFF2-40B4-BE49-F238E27FC236}">
+                <a16:creationId xmlns:a16="http://schemas.microsoft.com/office/drawing/2014/main" id="{A6A3BC02-03A2-37D8-E998-A81309CEC372}"/>
+              </a:ext>
+            </a:extLst>
+          </p:cNvPr>
+          <p:cNvSpPr txBox="1"/>
+          <p:nvPr/>
+        </p:nvSpPr>
+        <p:spPr>
+          <a:xfrm>
+            <a:off x="4219321" y="6034433"/>
+            <a:ext cx="5270588" cy="369332"/>
+          </a:xfrm>
+          <a:prstGeom prst="rect">
+            <a:avLst/>
+          </a:prstGeom>
+          <a:noFill/>
+        </p:spPr>
+        <p:txBody>
+          <a:bodyPr wrap="square" rtlCol="0">
+            <a:spAutoFit/>
+          </a:bodyPr>
+          <a:lstStyle/>
+          <a:p>
+            <a:r>
+              <a:rPr lang="en-US" dirty="0"/>
+              <a:t>Test 2: B1 versus B2</a:t>
+            </a:r>
+          </a:p>
+        </p:txBody>
+      </p:sp>
+      <p:sp>
+        <p:nvSpPr>
+          <p:cNvPr id="18" name="TextBox 17">
+            <a:extLst>
+              <a:ext uri="{FF2B5EF4-FFF2-40B4-BE49-F238E27FC236}">
+                <a16:creationId xmlns:a16="http://schemas.microsoft.com/office/drawing/2014/main" id="{5611602E-F785-AE9B-2FEE-862149D08A46}"/>
+              </a:ext>
+            </a:extLst>
+          </p:cNvPr>
+          <p:cNvSpPr txBox="1"/>
+          <p:nvPr/>
+        </p:nvSpPr>
+        <p:spPr>
+          <a:xfrm>
+            <a:off x="7212278" y="1552674"/>
+            <a:ext cx="2819400" cy="369332"/>
+          </a:xfrm>
+          <a:prstGeom prst="rect">
+            <a:avLst/>
+          </a:prstGeom>
+          <a:noFill/>
+        </p:spPr>
+        <p:txBody>
+          <a:bodyPr wrap="square" rtlCol="0">
+            <a:spAutoFit/>
+          </a:bodyPr>
+          <a:lstStyle/>
+          <a:p>
+            <a:r>
+              <a:rPr lang="en-US" dirty="0"/>
+              <a:t>Test 3: A1 versus A2</a:t>
+            </a:r>
+          </a:p>
+        </p:txBody>
+      </p:sp>
+      <p:sp>
+        <p:nvSpPr>
+          <p:cNvPr id="19" name="Arrow: Up-Down 18">
+            <a:extLst>
+              <a:ext uri="{FF2B5EF4-FFF2-40B4-BE49-F238E27FC236}">
+                <a16:creationId xmlns:a16="http://schemas.microsoft.com/office/drawing/2014/main" id="{283DD5CF-D40D-E42A-6E3C-A26C5D128E5E}"/>
+              </a:ext>
+            </a:extLst>
+          </p:cNvPr>
+          <p:cNvSpPr/>
+          <p:nvPr/>
+        </p:nvSpPr>
+        <p:spPr bwMode="auto">
+          <a:xfrm>
+            <a:off x="6457995" y="3660986"/>
+            <a:ext cx="254474" cy="643037"/>
+          </a:xfrm>
+          <a:prstGeom prst="upDownArrow">
+            <a:avLst/>
+          </a:prstGeom>
+          <a:ln>
+            <a:headEnd type="none" w="med" len="med"/>
+            <a:tailEnd type="none" w="med" len="med"/>
+          </a:ln>
+        </p:spPr>
+        <p:style>
+          <a:lnRef idx="3">
+            <a:schemeClr val="lt1"/>
+          </a:lnRef>
+          <a:fillRef idx="1">
+            <a:schemeClr val="accent2"/>
+          </a:fillRef>
+          <a:effectRef idx="1">
+            <a:schemeClr val="accent2"/>
+          </a:effectRef>
+          <a:fontRef idx="minor">
+            <a:schemeClr val="lt1"/>
+          </a:fontRef>
+        </p:style>
+        <p:txBody>
+          <a:bodyPr vert="horz" wrap="square" lIns="91440" tIns="45720" rIns="91440" bIns="45720" numCol="1" rtlCol="0" anchor="ctr" anchorCtr="0" compatLnSpc="1">
+            <a:prstTxWarp prst="textNoShape">
+              <a:avLst/>
+            </a:prstTxWarp>
+          </a:bodyPr>
+          <a:lstStyle/>
+          <a:p>
+            <a:pPr fontAlgn="base">
+              <a:spcBef>
+                <a:spcPct val="0"/>
+              </a:spcBef>
+              <a:spcAft>
+                <a:spcPct val="0"/>
+              </a:spcAft>
+            </a:pPr>
+            <a:endParaRPr lang="en-US" sz="1600" b="1">
+              <a:solidFill>
+                <a:srgbClr val="003399"/>
+              </a:solidFill>
+              <a:latin typeface="Arial" charset="0"/>
+            </a:endParaRPr>
+          </a:p>
+        </p:txBody>
+      </p:sp>
+      <p:sp>
+        <p:nvSpPr>
+          <p:cNvPr id="20" name="Arrow: Up-Down 19">
+            <a:extLst>
+              <a:ext uri="{FF2B5EF4-FFF2-40B4-BE49-F238E27FC236}">
+                <a16:creationId xmlns:a16="http://schemas.microsoft.com/office/drawing/2014/main" id="{DD347D55-6018-2044-B04B-0E535165393C}"/>
+              </a:ext>
+            </a:extLst>
+          </p:cNvPr>
+          <p:cNvSpPr/>
+          <p:nvPr/>
+        </p:nvSpPr>
+        <p:spPr bwMode="auto">
+          <a:xfrm rot="16200000">
+            <a:off x="7752486" y="4341978"/>
+            <a:ext cx="254474" cy="2421445"/>
+          </a:xfrm>
+          <a:prstGeom prst="upDownArrow">
+            <a:avLst/>
+          </a:prstGeom>
+          <a:ln>
+            <a:headEnd type="none" w="med" len="med"/>
+            <a:tailEnd type="none" w="med" len="med"/>
+          </a:ln>
+        </p:spPr>
+        <p:style>
+          <a:lnRef idx="3">
+            <a:schemeClr val="lt1"/>
+          </a:lnRef>
+          <a:fillRef idx="1">
+            <a:schemeClr val="accent2"/>
+          </a:fillRef>
+          <a:effectRef idx="1">
+            <a:schemeClr val="accent2"/>
+          </a:effectRef>
+          <a:fontRef idx="minor">
+            <a:schemeClr val="lt1"/>
+          </a:fontRef>
+        </p:style>
+        <p:txBody>
+          <a:bodyPr vert="horz" wrap="square" lIns="91440" tIns="45720" rIns="91440" bIns="45720" numCol="1" rtlCol="0" anchor="ctr" anchorCtr="0" compatLnSpc="1">
+            <a:prstTxWarp prst="textNoShape">
+              <a:avLst/>
+            </a:prstTxWarp>
+          </a:bodyPr>
+          <a:lstStyle/>
+          <a:p>
+            <a:pPr fontAlgn="base">
+              <a:spcBef>
+                <a:spcPct val="0"/>
+              </a:spcBef>
+              <a:spcAft>
+                <a:spcPct val="0"/>
+              </a:spcAft>
+            </a:pPr>
+            <a:endParaRPr lang="en-US" sz="1600" b="1">
+              <a:solidFill>
+                <a:srgbClr val="003399"/>
+              </a:solidFill>
+              <a:latin typeface="Arial" charset="0"/>
+            </a:endParaRPr>
+          </a:p>
+        </p:txBody>
+      </p:sp>
+      <p:sp>
+        <p:nvSpPr>
+          <p:cNvPr id="21" name="Oval 20">
+            <a:extLst>
+              <a:ext uri="{FF2B5EF4-FFF2-40B4-BE49-F238E27FC236}">
+                <a16:creationId xmlns:a16="http://schemas.microsoft.com/office/drawing/2014/main" id="{A7BA40E1-1A24-A549-2D08-8114683CD8CB}"/>
+              </a:ext>
+            </a:extLst>
+          </p:cNvPr>
+          <p:cNvSpPr/>
+          <p:nvPr/>
+        </p:nvSpPr>
+        <p:spPr bwMode="auto">
+          <a:xfrm>
+            <a:off x="6589089" y="3738471"/>
+            <a:ext cx="630920" cy="457448"/>
+          </a:xfrm>
+          <a:prstGeom prst="ellipse">
+            <a:avLst/>
+          </a:prstGeom>
+          <a:noFill/>
+          <a:ln w="9525" cap="flat" cmpd="sng" algn="ctr">
+            <a:solidFill>
+              <a:schemeClr val="tx1"/>
+            </a:solidFill>
+            <a:prstDash val="solid"/>
+            <a:round/>
+            <a:headEnd type="none" w="med" len="med"/>
+            <a:tailEnd type="none" w="med" len="med"/>
+          </a:ln>
+          <a:effectLst/>
+        </p:spPr>
+        <p:txBody>
+          <a:bodyPr vert="horz" wrap="square" lIns="91440" tIns="45720" rIns="91440" bIns="45720" numCol="1" rtlCol="0" anchor="ctr" anchorCtr="0" compatLnSpc="1">
+            <a:prstTxWarp prst="textNoShape">
+              <a:avLst/>
+            </a:prstTxWarp>
+          </a:bodyPr>
+          <a:lstStyle/>
+          <a:p>
+            <a:pPr fontAlgn="base">
+              <a:spcBef>
+                <a:spcPct val="0"/>
+              </a:spcBef>
+              <a:spcAft>
+                <a:spcPct val="0"/>
+              </a:spcAft>
+            </a:pPr>
+            <a:r>
+              <a:rPr lang="en-US" sz="1600" b="1" dirty="0">
+                <a:solidFill>
+                  <a:srgbClr val="003399"/>
+                </a:solidFill>
+                <a:latin typeface="Arial" charset="0"/>
+              </a:rPr>
+              <a:t>T1</a:t>
+            </a:r>
+          </a:p>
+        </p:txBody>
+      </p:sp>
+      <p:sp>
+        <p:nvSpPr>
+          <p:cNvPr id="22" name="Oval 21">
+            <a:extLst>
+              <a:ext uri="{FF2B5EF4-FFF2-40B4-BE49-F238E27FC236}">
+                <a16:creationId xmlns:a16="http://schemas.microsoft.com/office/drawing/2014/main" id="{7C3562DE-6668-0D09-3100-825C7EBCB51F}"/>
+              </a:ext>
+            </a:extLst>
+          </p:cNvPr>
+          <p:cNvSpPr/>
+          <p:nvPr/>
+        </p:nvSpPr>
+        <p:spPr bwMode="auto">
+          <a:xfrm>
+            <a:off x="7632923" y="5552699"/>
+            <a:ext cx="646331" cy="457448"/>
+          </a:xfrm>
+          <a:prstGeom prst="ellipse">
+            <a:avLst/>
+          </a:prstGeom>
+          <a:noFill/>
+          <a:ln w="9525" cap="flat" cmpd="sng" algn="ctr">
+            <a:solidFill>
+              <a:schemeClr val="tx1"/>
+            </a:solidFill>
+            <a:prstDash val="solid"/>
+            <a:round/>
+            <a:headEnd type="none" w="med" len="med"/>
+            <a:tailEnd type="none" w="med" len="med"/>
+          </a:ln>
+          <a:effectLst/>
+        </p:spPr>
+        <p:txBody>
+          <a:bodyPr vert="horz" wrap="square" lIns="91440" tIns="45720" rIns="91440" bIns="45720" numCol="1" rtlCol="0" anchor="ctr" anchorCtr="0" compatLnSpc="1">
+            <a:prstTxWarp prst="textNoShape">
+              <a:avLst/>
+            </a:prstTxWarp>
+          </a:bodyPr>
+          <a:lstStyle/>
+          <a:p>
+            <a:pPr fontAlgn="base">
+              <a:spcBef>
+                <a:spcPct val="0"/>
+              </a:spcBef>
+              <a:spcAft>
+                <a:spcPct val="0"/>
+              </a:spcAft>
+            </a:pPr>
+            <a:r>
+              <a:rPr lang="en-US" sz="1600" b="1" dirty="0">
+                <a:solidFill>
+                  <a:srgbClr val="003399"/>
+                </a:solidFill>
+                <a:latin typeface="Arial" charset="0"/>
+              </a:rPr>
+              <a:t>T2</a:t>
+            </a:r>
+          </a:p>
+        </p:txBody>
+      </p:sp>
+      <p:sp>
+        <p:nvSpPr>
+          <p:cNvPr id="23" name="Rectangle 22">
+            <a:extLst>
+              <a:ext uri="{FF2B5EF4-FFF2-40B4-BE49-F238E27FC236}">
+                <a16:creationId xmlns:a16="http://schemas.microsoft.com/office/drawing/2014/main" id="{F2BEB149-68E7-8B3B-708F-51B78DE7196F}"/>
+              </a:ext>
+            </a:extLst>
+          </p:cNvPr>
+          <p:cNvSpPr/>
+          <p:nvPr/>
+        </p:nvSpPr>
+        <p:spPr bwMode="auto">
+          <a:xfrm>
+            <a:off x="6451605" y="2281472"/>
+            <a:ext cx="206667" cy="1342823"/>
+          </a:xfrm>
+          <a:prstGeom prst="rect">
+            <a:avLst/>
+          </a:prstGeom>
+          <a:ln>
+            <a:headEnd type="none" w="med" len="med"/>
+            <a:tailEnd type="none" w="med" len="med"/>
+          </a:ln>
+        </p:spPr>
+        <p:style>
+          <a:lnRef idx="2">
+            <a:schemeClr val="accent6">
+              <a:shade val="50000"/>
+            </a:schemeClr>
+          </a:lnRef>
+          <a:fillRef idx="1">
+            <a:schemeClr val="accent6"/>
+          </a:fillRef>
+          <a:effectRef idx="0">
+            <a:schemeClr val="accent6"/>
+          </a:effectRef>
+          <a:fontRef idx="minor">
+            <a:schemeClr val="lt1"/>
+          </a:fontRef>
+        </p:style>
+        <p:txBody>
+          <a:bodyPr vert="vert270" wrap="square" lIns="91440" tIns="45720" rIns="91440" bIns="45720" numCol="1" rtlCol="0" anchor="ctr" anchorCtr="0" compatLnSpc="1">
+            <a:prstTxWarp prst="textNoShape">
+              <a:avLst/>
+            </a:prstTxWarp>
+          </a:bodyPr>
+          <a:lstStyle/>
+          <a:p>
+            <a:pPr algn="ctr" fontAlgn="base">
+              <a:spcBef>
+                <a:spcPct val="0"/>
+              </a:spcBef>
+              <a:spcAft>
+                <a:spcPct val="0"/>
+              </a:spcAft>
+            </a:pPr>
+            <a:r>
+              <a:rPr lang="en-US" sz="1000" b="1" dirty="0">
+                <a:solidFill>
+                  <a:srgbClr val="003399"/>
+                </a:solidFill>
+                <a:latin typeface="Arial" charset="0"/>
+              </a:rPr>
+              <a:t>A1 Scores, Cohort A</a:t>
+            </a:r>
+          </a:p>
+        </p:txBody>
+      </p:sp>
+      <p:sp>
+        <p:nvSpPr>
+          <p:cNvPr id="24" name="Rectangle 23">
+            <a:extLst>
+              <a:ext uri="{FF2B5EF4-FFF2-40B4-BE49-F238E27FC236}">
+                <a16:creationId xmlns:a16="http://schemas.microsoft.com/office/drawing/2014/main" id="{0A2F6CD8-FADC-34D1-EAD4-95A3732F78C9}"/>
+              </a:ext>
+            </a:extLst>
+          </p:cNvPr>
+          <p:cNvSpPr/>
+          <p:nvPr/>
+        </p:nvSpPr>
+        <p:spPr bwMode="auto">
+          <a:xfrm>
+            <a:off x="6442891" y="4336436"/>
+            <a:ext cx="206667" cy="1342823"/>
+          </a:xfrm>
+          <a:prstGeom prst="rect">
+            <a:avLst/>
+          </a:prstGeom>
+          <a:ln>
+            <a:headEnd type="none" w="med" len="med"/>
+            <a:tailEnd type="none" w="med" len="med"/>
+          </a:ln>
+        </p:spPr>
+        <p:style>
+          <a:lnRef idx="2">
+            <a:schemeClr val="accent6">
+              <a:shade val="50000"/>
+            </a:schemeClr>
+          </a:lnRef>
+          <a:fillRef idx="1">
+            <a:schemeClr val="accent6"/>
+          </a:fillRef>
+          <a:effectRef idx="0">
+            <a:schemeClr val="accent6"/>
+          </a:effectRef>
+          <a:fontRef idx="minor">
+            <a:schemeClr val="lt1"/>
+          </a:fontRef>
+        </p:style>
+        <p:txBody>
+          <a:bodyPr vert="vert270" wrap="square" lIns="91440" tIns="45720" rIns="91440" bIns="45720" numCol="1" rtlCol="0" anchor="ctr" anchorCtr="0" compatLnSpc="1">
+            <a:prstTxWarp prst="textNoShape">
+              <a:avLst/>
+            </a:prstTxWarp>
+          </a:bodyPr>
+          <a:lstStyle/>
+          <a:p>
+            <a:pPr algn="ctr" fontAlgn="base">
+              <a:spcBef>
+                <a:spcPct val="0"/>
+              </a:spcBef>
+              <a:spcAft>
+                <a:spcPct val="0"/>
+              </a:spcAft>
+            </a:pPr>
+            <a:r>
+              <a:rPr lang="en-US" sz="1000" b="1" dirty="0">
+                <a:solidFill>
+                  <a:srgbClr val="003399"/>
+                </a:solidFill>
+                <a:latin typeface="Arial" charset="0"/>
+              </a:rPr>
+              <a:t>B1 Scores, Cohort B</a:t>
+            </a:r>
+          </a:p>
+        </p:txBody>
+      </p:sp>
+      <p:sp>
+        <p:nvSpPr>
+          <p:cNvPr id="25" name="Rectangle 24">
+            <a:extLst>
+              <a:ext uri="{FF2B5EF4-FFF2-40B4-BE49-F238E27FC236}">
+                <a16:creationId xmlns:a16="http://schemas.microsoft.com/office/drawing/2014/main" id="{6427AFDC-CE4F-4561-EA99-F6F1DBAEFB63}"/>
+              </a:ext>
+            </a:extLst>
+          </p:cNvPr>
+          <p:cNvSpPr/>
+          <p:nvPr/>
+        </p:nvSpPr>
+        <p:spPr bwMode="auto">
+          <a:xfrm>
+            <a:off x="9103771" y="2262315"/>
+            <a:ext cx="206667" cy="1342823"/>
+          </a:xfrm>
+          <a:prstGeom prst="rect">
+            <a:avLst/>
+          </a:prstGeom>
+          <a:ln>
+            <a:headEnd type="none" w="med" len="med"/>
+            <a:tailEnd type="none" w="med" len="med"/>
+          </a:ln>
+        </p:spPr>
+        <p:style>
+          <a:lnRef idx="2">
+            <a:schemeClr val="accent6">
+              <a:shade val="50000"/>
+            </a:schemeClr>
+          </a:lnRef>
+          <a:fillRef idx="1">
+            <a:schemeClr val="accent6"/>
+          </a:fillRef>
+          <a:effectRef idx="0">
+            <a:schemeClr val="accent6"/>
+          </a:effectRef>
+          <a:fontRef idx="minor">
+            <a:schemeClr val="lt1"/>
+          </a:fontRef>
+        </p:style>
+        <p:txBody>
+          <a:bodyPr vert="vert270" wrap="square" lIns="91440" tIns="45720" rIns="91440" bIns="45720" numCol="1" rtlCol="0" anchor="ctr" anchorCtr="0" compatLnSpc="1">
+            <a:prstTxWarp prst="textNoShape">
+              <a:avLst/>
+            </a:prstTxWarp>
+          </a:bodyPr>
+          <a:lstStyle/>
+          <a:p>
+            <a:pPr algn="ctr" fontAlgn="base">
+              <a:spcBef>
+                <a:spcPct val="0"/>
+              </a:spcBef>
+              <a:spcAft>
+                <a:spcPct val="0"/>
+              </a:spcAft>
+            </a:pPr>
+            <a:r>
+              <a:rPr lang="en-US" sz="1000" b="1" dirty="0">
+                <a:solidFill>
+                  <a:srgbClr val="003399"/>
+                </a:solidFill>
+                <a:latin typeface="Arial" charset="0"/>
+              </a:rPr>
+              <a:t>A2 Scores, Cohort A</a:t>
+            </a:r>
+          </a:p>
+        </p:txBody>
+      </p:sp>
+      <p:sp>
+        <p:nvSpPr>
+          <p:cNvPr id="26" name="Rectangle 25">
+            <a:extLst>
+              <a:ext uri="{FF2B5EF4-FFF2-40B4-BE49-F238E27FC236}">
+                <a16:creationId xmlns:a16="http://schemas.microsoft.com/office/drawing/2014/main" id="{229DEB15-882A-6508-CA7F-5F702ACD4E56}"/>
+              </a:ext>
+            </a:extLst>
+          </p:cNvPr>
+          <p:cNvSpPr/>
+          <p:nvPr/>
+        </p:nvSpPr>
+        <p:spPr bwMode="auto">
+          <a:xfrm>
+            <a:off x="9095057" y="4317279"/>
+            <a:ext cx="206667" cy="1342823"/>
+          </a:xfrm>
+          <a:prstGeom prst="rect">
+            <a:avLst/>
+          </a:prstGeom>
+          <a:ln>
+            <a:headEnd type="none" w="med" len="med"/>
+            <a:tailEnd type="none" w="med" len="med"/>
+          </a:ln>
+        </p:spPr>
+        <p:style>
+          <a:lnRef idx="2">
+            <a:schemeClr val="accent6">
+              <a:shade val="50000"/>
+            </a:schemeClr>
+          </a:lnRef>
+          <a:fillRef idx="1">
+            <a:schemeClr val="accent6"/>
+          </a:fillRef>
+          <a:effectRef idx="0">
+            <a:schemeClr val="accent6"/>
+          </a:effectRef>
+          <a:fontRef idx="minor">
+            <a:schemeClr val="lt1"/>
+          </a:fontRef>
+        </p:style>
+        <p:txBody>
+          <a:bodyPr vert="vert270" wrap="square" lIns="91440" tIns="45720" rIns="91440" bIns="45720" numCol="1" rtlCol="0" anchor="ctr" anchorCtr="0" compatLnSpc="1">
+            <a:prstTxWarp prst="textNoShape">
+              <a:avLst/>
+            </a:prstTxWarp>
+          </a:bodyPr>
+          <a:lstStyle/>
+          <a:p>
+            <a:pPr algn="ctr" fontAlgn="base">
+              <a:spcBef>
+                <a:spcPct val="0"/>
+              </a:spcBef>
+              <a:spcAft>
+                <a:spcPct val="0"/>
+              </a:spcAft>
+            </a:pPr>
+            <a:r>
+              <a:rPr lang="en-US" sz="1000" b="1" dirty="0">
+                <a:solidFill>
+                  <a:srgbClr val="003399"/>
+                </a:solidFill>
+                <a:latin typeface="Arial" charset="0"/>
+              </a:rPr>
+              <a:t>B2 Scores, Cohort B</a:t>
+            </a:r>
+          </a:p>
+        </p:txBody>
+      </p:sp>
+      <p:sp>
+        <p:nvSpPr>
+          <p:cNvPr id="27" name="Rectangle 26">
+            <a:extLst>
+              <a:ext uri="{FF2B5EF4-FFF2-40B4-BE49-F238E27FC236}">
+                <a16:creationId xmlns:a16="http://schemas.microsoft.com/office/drawing/2014/main" id="{E7DA7A58-BA3E-CD70-8CD3-8D6B5528F779}"/>
+              </a:ext>
+            </a:extLst>
+          </p:cNvPr>
+          <p:cNvSpPr/>
+          <p:nvPr/>
+        </p:nvSpPr>
+        <p:spPr bwMode="auto">
+          <a:xfrm>
+            <a:off x="6841637" y="4464109"/>
+            <a:ext cx="1695172" cy="762000"/>
+          </a:xfrm>
+          <a:prstGeom prst="rect">
+            <a:avLst/>
+          </a:prstGeom>
+          <a:ln>
+            <a:headEnd type="none" w="med" len="med"/>
+            <a:tailEnd type="none" w="med" len="med"/>
+          </a:ln>
+        </p:spPr>
+        <p:style>
+          <a:lnRef idx="3">
+            <a:schemeClr val="lt1"/>
+          </a:lnRef>
+          <a:fillRef idx="1">
+            <a:schemeClr val="accent3"/>
+          </a:fillRef>
+          <a:effectRef idx="1">
+            <a:schemeClr val="accent3"/>
+          </a:effectRef>
+          <a:fontRef idx="minor">
+            <a:schemeClr val="lt1"/>
+          </a:fontRef>
+        </p:style>
+        <p:txBody>
+          <a:bodyPr vert="horz" wrap="square" lIns="91440" tIns="45720" rIns="91440" bIns="45720" numCol="1" rtlCol="0" anchor="ctr" anchorCtr="0" compatLnSpc="1">
+            <a:prstTxWarp prst="textNoShape">
+              <a:avLst/>
+            </a:prstTxWarp>
+          </a:bodyPr>
+          <a:lstStyle/>
+          <a:p>
+            <a:pPr algn="ctr" fontAlgn="base">
+              <a:spcBef>
+                <a:spcPct val="0"/>
+              </a:spcBef>
+              <a:spcAft>
+                <a:spcPct val="0"/>
+              </a:spcAft>
+            </a:pPr>
+            <a:r>
+              <a:rPr lang="en-US" sz="1600" b="1" dirty="0">
+                <a:solidFill>
+                  <a:srgbClr val="003399"/>
+                </a:solidFill>
+                <a:latin typeface="Arial" charset="0"/>
+              </a:rPr>
+              <a:t>Intervention training</a:t>
+            </a:r>
+          </a:p>
+        </p:txBody>
+      </p:sp>
+      <p:sp>
+        <p:nvSpPr>
+          <p:cNvPr id="28" name="Arrow: Up-Down 27">
+            <a:extLst>
+              <a:ext uri="{FF2B5EF4-FFF2-40B4-BE49-F238E27FC236}">
+                <a16:creationId xmlns:a16="http://schemas.microsoft.com/office/drawing/2014/main" id="{8F84ABDC-C5BF-0815-1AE7-540FD4428194}"/>
+              </a:ext>
+            </a:extLst>
+          </p:cNvPr>
+          <p:cNvSpPr/>
+          <p:nvPr/>
+        </p:nvSpPr>
+        <p:spPr bwMode="auto">
+          <a:xfrm rot="16200000">
+            <a:off x="7759148" y="1157256"/>
+            <a:ext cx="254474" cy="2434770"/>
+          </a:xfrm>
+          <a:prstGeom prst="upDownArrow">
+            <a:avLst/>
+          </a:prstGeom>
+          <a:solidFill>
+            <a:schemeClr val="accent2">
+              <a:lumMod val="60000"/>
+              <a:lumOff val="40000"/>
+            </a:schemeClr>
+          </a:solidFill>
+          <a:ln>
+            <a:headEnd type="none" w="med" len="med"/>
+            <a:tailEnd type="none" w="med" len="med"/>
+          </a:ln>
+        </p:spPr>
+        <p:style>
+          <a:lnRef idx="3">
+            <a:schemeClr val="lt1"/>
+          </a:lnRef>
+          <a:fillRef idx="1">
+            <a:schemeClr val="accent2"/>
+          </a:fillRef>
+          <a:effectRef idx="1">
+            <a:schemeClr val="accent2"/>
+          </a:effectRef>
+          <a:fontRef idx="minor">
+            <a:schemeClr val="lt1"/>
+          </a:fontRef>
+        </p:style>
+        <p:txBody>
+          <a:bodyPr vert="horz" wrap="square" lIns="91440" tIns="45720" rIns="91440" bIns="45720" numCol="1" rtlCol="0" anchor="ctr" anchorCtr="0" compatLnSpc="1">
+            <a:prstTxWarp prst="textNoShape">
+              <a:avLst/>
+            </a:prstTxWarp>
+          </a:bodyPr>
+          <a:lstStyle/>
+          <a:p>
+            <a:pPr fontAlgn="base">
+              <a:spcBef>
+                <a:spcPct val="0"/>
+              </a:spcBef>
+              <a:spcAft>
+                <a:spcPct val="0"/>
+              </a:spcAft>
+            </a:pPr>
+            <a:endParaRPr lang="en-US" sz="1600" b="1">
+              <a:solidFill>
+                <a:srgbClr val="003399"/>
+              </a:solidFill>
+              <a:latin typeface="Arial" charset="0"/>
+            </a:endParaRPr>
+          </a:p>
+        </p:txBody>
+      </p:sp>
+      <p:sp>
+        <p:nvSpPr>
+          <p:cNvPr id="29" name="Oval 28">
+            <a:extLst>
+              <a:ext uri="{FF2B5EF4-FFF2-40B4-BE49-F238E27FC236}">
+                <a16:creationId xmlns:a16="http://schemas.microsoft.com/office/drawing/2014/main" id="{B0BCE78C-522A-1F74-D598-4A85F0281382}"/>
+              </a:ext>
+            </a:extLst>
+          </p:cNvPr>
+          <p:cNvSpPr/>
+          <p:nvPr/>
+        </p:nvSpPr>
+        <p:spPr bwMode="auto">
+          <a:xfrm>
+            <a:off x="7685309" y="2374640"/>
+            <a:ext cx="631089" cy="457448"/>
+          </a:xfrm>
+          <a:prstGeom prst="ellipse">
+            <a:avLst/>
+          </a:prstGeom>
+          <a:noFill/>
+          <a:ln w="9525" cap="flat" cmpd="sng" algn="ctr">
+            <a:solidFill>
+              <a:schemeClr val="tx1"/>
+            </a:solidFill>
+            <a:prstDash val="solid"/>
+            <a:round/>
+            <a:headEnd type="none" w="med" len="med"/>
+            <a:tailEnd type="none" w="med" len="med"/>
+          </a:ln>
+          <a:effectLst/>
+        </p:spPr>
+        <p:txBody>
+          <a:bodyPr vert="horz" wrap="square" lIns="91440" tIns="45720" rIns="91440" bIns="45720" numCol="1" rtlCol="0" anchor="ctr" anchorCtr="0" compatLnSpc="1">
+            <a:prstTxWarp prst="textNoShape">
+              <a:avLst/>
+            </a:prstTxWarp>
+          </a:bodyPr>
+          <a:lstStyle/>
+          <a:p>
+            <a:pPr fontAlgn="base">
+              <a:spcBef>
+                <a:spcPct val="0"/>
+              </a:spcBef>
+              <a:spcAft>
+                <a:spcPct val="0"/>
+              </a:spcAft>
+            </a:pPr>
+            <a:r>
+              <a:rPr lang="en-US" sz="1600" b="1" dirty="0">
+                <a:solidFill>
+                  <a:srgbClr val="003399"/>
+                </a:solidFill>
+                <a:latin typeface="Arial" charset="0"/>
+              </a:rPr>
+              <a:t>T3</a:t>
+            </a:r>
+          </a:p>
+        </p:txBody>
+      </p:sp>
+      <p:sp>
+        <p:nvSpPr>
+          <p:cNvPr id="31" name="Title 30">
+            <a:extLst>
+              <a:ext uri="{FF2B5EF4-FFF2-40B4-BE49-F238E27FC236}">
+                <a16:creationId xmlns:a16="http://schemas.microsoft.com/office/drawing/2014/main" id="{65855E69-7DE4-C015-9E5B-CF4FBCD8953A}"/>
+              </a:ext>
+            </a:extLst>
+          </p:cNvPr>
+          <p:cNvSpPr>
+            <a:spLocks noGrp="1"/>
+          </p:cNvSpPr>
+          <p:nvPr>
+            <p:ph type="title"/>
+          </p:nvPr>
+        </p:nvSpPr>
+        <p:spPr/>
+        <p:txBody>
+          <a:bodyPr/>
+          <a:lstStyle/>
+          <a:p>
+            <a:r>
+              <a:rPr lang="en-US" dirty="0"/>
+              <a:t>Crossover Intervention Design</a:t>
+            </a:r>
+          </a:p>
+        </p:txBody>
+      </p:sp>
+    </p:spTree>
+    <p:extLst>
+      <p:ext uri="{BB962C8B-B14F-4D97-AF65-F5344CB8AC3E}">
+        <p14:creationId xmlns:p14="http://schemas.microsoft.com/office/powerpoint/2010/main" val="294881166"/>
+      </p:ext>
+    </p:extLst>
+  </p:cSld>
+  <p:clrMapOvr>
+    <a:masterClrMapping/>
+  </p:clrMapOvr>
+</p:sld>
+</file>
+
+<file path=ppt/slides/slide6.xml><?xml version="1.0" encoding="utf-8"?>
+<p:sld xmlns:a="http://schemas.openxmlformats.org/drawingml/2006/main" xmlns:r="http://schemas.openxmlformats.org/officeDocument/2006/relationships" xmlns:p="http://schemas.openxmlformats.org/presentationml/2006/main">
+  <p:cSld>
+    <p:spTree>
+      <p:nvGrpSpPr>
+        <p:cNvPr id="1" name="">
+          <a:extLst>
+            <a:ext uri="{FF2B5EF4-FFF2-40B4-BE49-F238E27FC236}">
+              <a16:creationId xmlns:a16="http://schemas.microsoft.com/office/drawing/2014/main" id="{0C964559-450A-92E1-E451-6836F0F81789}"/>
+            </a:ext>
+          </a:extLst>
+        </p:cNvPr>
+        <p:cNvGrpSpPr/>
+        <p:nvPr/>
+      </p:nvGrpSpPr>
+      <p:grpSpPr>
+        <a:xfrm>
+          <a:off x="0" y="0"/>
+          <a:ext cx="0" cy="0"/>
+          <a:chOff x="0" y="0"/>
+          <a:chExt cx="0" cy="0"/>
+        </a:xfrm>
+      </p:grpSpPr>
+      <p:sp>
+        <p:nvSpPr>
+          <p:cNvPr id="2" name="Content Placeholder 1">
+            <a:extLst>
+              <a:ext uri="{FF2B5EF4-FFF2-40B4-BE49-F238E27FC236}">
+                <a16:creationId xmlns:a16="http://schemas.microsoft.com/office/drawing/2014/main" id="{E1689466-A890-6F0F-9DD9-2C7C6A745430}"/>
+              </a:ext>
+            </a:extLst>
+          </p:cNvPr>
+          <p:cNvSpPr>
+            <a:spLocks noGrp="1"/>
+          </p:cNvSpPr>
+          <p:nvPr>
+            <p:ph idx="1"/>
+          </p:nvPr>
+        </p:nvSpPr>
+        <p:spPr/>
+        <p:txBody>
+          <a:bodyPr>
+            <a:normAutofit fontScale="92500"/>
+          </a:bodyPr>
+          <a:lstStyle/>
+          <a:p>
+            <a:r>
+              <a:rPr lang="en-US" sz="2400" dirty="0"/>
+              <a:t>T1: A1 &gt; B1</a:t>
+            </a:r>
+          </a:p>
+          <a:p>
+            <a:pPr lvl="1"/>
+            <a:r>
+              <a:rPr lang="en-US" sz="2000" dirty="0"/>
+              <a:t>Strongest evidence if successful</a:t>
+            </a:r>
+          </a:p>
+          <a:p>
+            <a:pPr lvl="2"/>
+            <a:r>
+              <a:rPr lang="en-US" sz="1800" dirty="0"/>
+              <a:t>Cohort A is better at task performance because of training intervention</a:t>
+            </a:r>
+          </a:p>
+          <a:p>
+            <a:pPr lvl="1"/>
+            <a:r>
+              <a:rPr lang="en-US" sz="2000" dirty="0"/>
+              <a:t>Weakest for statistical power</a:t>
+            </a:r>
+          </a:p>
+          <a:p>
+            <a:pPr lvl="2"/>
+            <a:r>
+              <a:rPr lang="en-US" sz="1800" dirty="0"/>
+              <a:t>“Between-participants” design vulnerable to individual differences, variability due to measurement error</a:t>
+            </a:r>
+          </a:p>
+          <a:p>
+            <a:r>
+              <a:rPr lang="en-US" sz="2400" dirty="0"/>
+              <a:t>T2: B2 &gt; B1</a:t>
+            </a:r>
+          </a:p>
+          <a:p>
+            <a:pPr lvl="1"/>
+            <a:r>
+              <a:rPr lang="en-US" sz="2000" dirty="0"/>
+              <a:t>Strongest statistical power</a:t>
+            </a:r>
+          </a:p>
+          <a:p>
+            <a:pPr lvl="2"/>
+            <a:r>
+              <a:rPr lang="en-US" sz="1800" dirty="0"/>
+              <a:t>Each student is their own control, pre/post design</a:t>
+            </a:r>
+          </a:p>
+          <a:p>
+            <a:pPr lvl="1"/>
+            <a:r>
+              <a:rPr lang="en-US" sz="2000" dirty="0"/>
+              <a:t>Inference that intervention caused improvement is weakened by other possible sources of learning between assessments</a:t>
+            </a:r>
+          </a:p>
+          <a:p>
+            <a:r>
+              <a:rPr lang="en-US" sz="2400" dirty="0"/>
+              <a:t>T3: A1 = A2</a:t>
+            </a:r>
+          </a:p>
+          <a:p>
+            <a:pPr lvl="1"/>
+            <a:r>
+              <a:rPr lang="en-US" sz="2000" dirty="0"/>
+              <a:t>Demonstrates retention</a:t>
+            </a:r>
+          </a:p>
+          <a:p>
+            <a:pPr lvl="1"/>
+            <a:r>
+              <a:rPr lang="en-US" sz="2000" dirty="0"/>
+              <a:t>Weak statistical test relies on no difference but still useful to document</a:t>
+            </a:r>
+            <a:endParaRPr lang="en-US" dirty="0"/>
+          </a:p>
+          <a:p>
+            <a:pPr lvl="1"/>
+            <a:endParaRPr lang="en-US" dirty="0"/>
+          </a:p>
+        </p:txBody>
+      </p:sp>
+      <p:sp>
+        <p:nvSpPr>
+          <p:cNvPr id="3" name="Title 2">
+            <a:extLst>
+              <a:ext uri="{FF2B5EF4-FFF2-40B4-BE49-F238E27FC236}">
+                <a16:creationId xmlns:a16="http://schemas.microsoft.com/office/drawing/2014/main" id="{0E6D2DAD-0DDD-E121-CE1D-D914E4B27B8A}"/>
+              </a:ext>
+            </a:extLst>
+          </p:cNvPr>
+          <p:cNvSpPr>
+            <a:spLocks noGrp="1"/>
+          </p:cNvSpPr>
+          <p:nvPr>
+            <p:ph type="title"/>
+          </p:nvPr>
+        </p:nvSpPr>
+        <p:spPr/>
+        <p:txBody>
+          <a:bodyPr/>
+          <a:lstStyle/>
+          <a:p>
+            <a:r>
+              <a:rPr lang="en-US" dirty="0"/>
+              <a:t>Contrasts</a:t>
+            </a:r>
+          </a:p>
+        </p:txBody>
+      </p:sp>
+    </p:spTree>
+    <p:extLst>
+      <p:ext uri="{BB962C8B-B14F-4D97-AF65-F5344CB8AC3E}">
+        <p14:creationId xmlns:p14="http://schemas.microsoft.com/office/powerpoint/2010/main" val="4097927276"/>
+      </p:ext>
+    </p:extLst>
+  </p:cSld>
+  <p:clrMapOvr>
+    <a:masterClrMapping/>
+  </p:clrMapOvr>
+</p:sld>
+</file>
+
+<file path=ppt/slides/slide7.xml><?xml version="1.0" encoding="utf-8"?>
+<p:sld xmlns:a="http://schemas.openxmlformats.org/drawingml/2006/main" xmlns:r="http://schemas.openxmlformats.org/officeDocument/2006/relationships" xmlns:p="http://schemas.openxmlformats.org/presentationml/2006/main">
+  <p:cSld>
+    <p:spTree>
+      <p:nvGrpSpPr>
+        <p:cNvPr id="1" name="">
+          <a:extLst>
+            <a:ext uri="{FF2B5EF4-FFF2-40B4-BE49-F238E27FC236}">
+              <a16:creationId xmlns:a16="http://schemas.microsoft.com/office/drawing/2014/main" id="{E28111B2-4292-81AE-C9E0-69B4A9B7FCC8}"/>
+            </a:ext>
+          </a:extLst>
+        </p:cNvPr>
+        <p:cNvGrpSpPr/>
+        <p:nvPr/>
+      </p:nvGrpSpPr>
+      <p:grpSpPr>
+        <a:xfrm>
+          <a:off x="0" y="0"/>
+          <a:ext cx="0" cy="0"/>
+          <a:chOff x="0" y="0"/>
+          <a:chExt cx="0" cy="0"/>
+        </a:xfrm>
+      </p:grpSpPr>
+      <p:sp>
+        <p:nvSpPr>
+          <p:cNvPr id="2" name="Title 1">
+            <a:extLst>
+              <a:ext uri="{FF2B5EF4-FFF2-40B4-BE49-F238E27FC236}">
+                <a16:creationId xmlns:a16="http://schemas.microsoft.com/office/drawing/2014/main" id="{146637BB-878D-EA5A-4756-A9B8DF2DE16B}"/>
+              </a:ext>
+            </a:extLst>
+          </p:cNvPr>
+          <p:cNvSpPr>
+            <a:spLocks noGrp="1"/>
+          </p:cNvSpPr>
+          <p:nvPr>
+            <p:ph type="title"/>
+          </p:nvPr>
+        </p:nvSpPr>
+        <p:spPr/>
+        <p:txBody>
+          <a:bodyPr/>
+          <a:lstStyle/>
+          <a:p>
+            <a:r>
+              <a:rPr lang="en-US" dirty="0"/>
+              <a:t>Intervention research</a:t>
+            </a:r>
+          </a:p>
+        </p:txBody>
+      </p:sp>
+      <p:sp>
+        <p:nvSpPr>
+          <p:cNvPr id="3" name="Content Placeholder 2">
+            <a:extLst>
+              <a:ext uri="{FF2B5EF4-FFF2-40B4-BE49-F238E27FC236}">
+                <a16:creationId xmlns:a16="http://schemas.microsoft.com/office/drawing/2014/main" id="{46ECB5BE-424B-C7F5-71A1-9121097F2A88}"/>
+              </a:ext>
+            </a:extLst>
+          </p:cNvPr>
+          <p:cNvSpPr>
+            <a:spLocks noGrp="1"/>
+          </p:cNvSpPr>
+          <p:nvPr>
+            <p:ph idx="1"/>
+          </p:nvPr>
+        </p:nvSpPr>
+        <p:spPr/>
+        <p:txBody>
+          <a:bodyPr/>
+          <a:lstStyle/>
+          <a:p>
+            <a:r>
+              <a:rPr lang="en-US" dirty="0"/>
+              <a:t>Give an example of a research study not included in the chapter for which it would be unethical to include a placebo/control group.</a:t>
+            </a:r>
+          </a:p>
+          <a:p>
+            <a:endParaRPr lang="en-US" dirty="0"/>
+          </a:p>
+          <a:p>
+            <a:r>
+              <a:rPr lang="en-US" dirty="0"/>
+              <a:t>Why are rules requiring reporting of conflict of interest important for ensuring accurate and fair scientific processes and reports?</a:t>
+            </a:r>
+          </a:p>
+        </p:txBody>
+      </p:sp>
+    </p:spTree>
+    <p:extLst>
+      <p:ext uri="{BB962C8B-B14F-4D97-AF65-F5344CB8AC3E}">
+        <p14:creationId xmlns:p14="http://schemas.microsoft.com/office/powerpoint/2010/main" val="3054957508"/>
+      </p:ext>
+    </p:extLst>
+  </p:cSld>
+  <p:clrMapOvr>
+    <a:masterClrMapping/>
+  </p:clrMapOvr>
+</p:sld>
+</file>
+
+<file path=ppt/slides/slide8.xml><?xml version="1.0" encoding="utf-8"?>
+<p:sld xmlns:a="http://schemas.openxmlformats.org/drawingml/2006/main" xmlns:r="http://schemas.openxmlformats.org/officeDocument/2006/relationships" xmlns:p="http://schemas.openxmlformats.org/presentationml/2006/main">
+  <p:cSld>
+    <p:spTree>
+      <p:nvGrpSpPr>
+        <p:cNvPr id="1" name=""/>
+        <p:cNvGrpSpPr/>
+        <p:nvPr/>
+      </p:nvGrpSpPr>
+      <p:grpSpPr>
+        <a:xfrm>
+          <a:off x="0" y="0"/>
+          <a:ext cx="0" cy="0"/>
+          <a:chOff x="0" y="0"/>
+          <a:chExt cx="0" cy="0"/>
+        </a:xfrm>
+      </p:grpSpPr>
+      <p:sp>
+        <p:nvSpPr>
+          <p:cNvPr id="11266" name="Rectangle 2"/>
+          <p:cNvSpPr>
+            <a:spLocks noGrp="1" noChangeArrowheads="1"/>
+          </p:cNvSpPr>
+          <p:nvPr>
+            <p:ph type="title"/>
+          </p:nvPr>
+        </p:nvSpPr>
+        <p:spPr/>
+        <p:txBody>
+          <a:bodyPr/>
+          <a:lstStyle/>
+          <a:p>
+            <a:r>
+              <a:rPr lang="en-US"/>
+              <a:t>Field experiment</a:t>
+            </a:r>
+          </a:p>
+        </p:txBody>
+      </p:sp>
+      <p:sp>
+        <p:nvSpPr>
+          <p:cNvPr id="11267" name="Rectangle 3"/>
+          <p:cNvSpPr>
+            <a:spLocks noGrp="1" noChangeArrowheads="1"/>
+          </p:cNvSpPr>
+          <p:nvPr>
+            <p:ph type="body" idx="1"/>
+          </p:nvPr>
+        </p:nvSpPr>
+        <p:spPr/>
+        <p:txBody>
+          <a:bodyPr>
+            <a:normAutofit fontScale="92500"/>
+          </a:bodyPr>
+          <a:lstStyle/>
+          <a:p>
+            <a:pPr>
+              <a:lnSpc>
+                <a:spcPct val="90000"/>
+              </a:lnSpc>
+            </a:pPr>
+            <a:r>
+              <a:rPr lang="en-US" dirty="0"/>
+              <a:t>Cunningham (1989) trained several colleges students to approach opposite-sex bar patrons at random, delivering one of several different kinds of conversation-starters (“lines”).  The positivity of each patron’s response to the line was surreptitiously measured.  </a:t>
+            </a:r>
+          </a:p>
+          <a:p>
+            <a:pPr>
+              <a:lnSpc>
+                <a:spcPct val="90000"/>
+              </a:lnSpc>
+            </a:pPr>
+            <a:r>
+              <a:rPr lang="en-US" dirty="0"/>
+              <a:t>Cunningham discovered that women were much more sensitive to the kind of line an opposite-sex person delivered than were men.  Women responded more positively too lines that were either self-disclosing or ordinary, like a simple “Hi,” than they did to a flippantly delivered line such as “You remind me of someone I used to date” or “Bet I can </a:t>
+            </a:r>
+            <a:r>
+              <a:rPr lang="en-US" dirty="0" err="1"/>
+              <a:t>outdrink</a:t>
+            </a:r>
+            <a:r>
+              <a:rPr lang="en-US" dirty="0"/>
+              <a:t> you.”</a:t>
+            </a:r>
+          </a:p>
+          <a:p>
+            <a:pPr>
+              <a:lnSpc>
+                <a:spcPct val="90000"/>
+              </a:lnSpc>
+            </a:pPr>
+            <a:r>
+              <a:rPr lang="en-US" dirty="0"/>
+              <a:t>Men, however, did not appear to care which kind of conversational gambit a woman used; they responded equally positively to all three.</a:t>
+            </a:r>
+          </a:p>
+          <a:p>
+            <a:pPr>
+              <a:lnSpc>
+                <a:spcPct val="90000"/>
+              </a:lnSpc>
+            </a:pPr>
+            <a:endParaRPr lang="en-US" dirty="0"/>
+          </a:p>
+        </p:txBody>
+      </p:sp>
+    </p:spTree>
+    <p:extLst>
+      <p:ext uri="{BB962C8B-B14F-4D97-AF65-F5344CB8AC3E}">
+        <p14:creationId xmlns:p14="http://schemas.microsoft.com/office/powerpoint/2010/main" val="715894301"/>
+      </p:ext>
+    </p:extLst>
+  </p:cSld>
+  <p:clrMapOvr>
+    <a:masterClrMapping/>
+  </p:clrMapOvr>
+</p:sld>
+</file>
+
 <file path=ppt/slides/slide9.xml><?xml version="1.0" encoding="utf-8"?>
 <p:sld xmlns:a="http://schemas.openxmlformats.org/drawingml/2006/main" xmlns:r="http://schemas.openxmlformats.org/officeDocument/2006/relationships" xmlns:p="http://schemas.openxmlformats.org/presentationml/2006/main">
   <p:cSld>
@@ -6478,10 +7613,10 @@
       </p:grpSpPr>
       <p:sp>
         <p:nvSpPr>
-          <p:cNvPr id="2" name="Title 1">
-            <a:extLst>
-              <a:ext uri="{FF2B5EF4-FFF2-40B4-BE49-F238E27FC236}">
-                <a16:creationId xmlns:a16="http://schemas.microsoft.com/office/drawing/2014/main" id="{4BD54881-5310-935D-1959-DB5D87A4583E}"/>
+          <p:cNvPr id="8" name="Title 7">
+            <a:extLst>
+              <a:ext uri="{FF2B5EF4-FFF2-40B4-BE49-F238E27FC236}">
+                <a16:creationId xmlns:a16="http://schemas.microsoft.com/office/drawing/2014/main" id="{A500861A-823E-E2AD-211D-483F6371C96D}"/>
               </a:ext>
             </a:extLst>
           </p:cNvPr>
@@ -6501,62 +7636,98 @@
           </a:p>
         </p:txBody>
       </p:sp>
-      <p:sp>
-        <p:nvSpPr>
-          <p:cNvPr id="3" name="Content Placeholder 2">
-            <a:extLst>
-              <a:ext uri="{FF2B5EF4-FFF2-40B4-BE49-F238E27FC236}">
-                <a16:creationId xmlns:a16="http://schemas.microsoft.com/office/drawing/2014/main" id="{39546871-C583-20E3-28B1-65F8C8228027}"/>
-              </a:ext>
-            </a:extLst>
-          </p:cNvPr>
-          <p:cNvSpPr>
-            <a:spLocks noGrp="1"/>
-          </p:cNvSpPr>
-          <p:nvPr>
-            <p:ph idx="1"/>
-          </p:nvPr>
-        </p:nvSpPr>
-        <p:spPr/>
-        <p:txBody>
-          <a:bodyPr>
-            <a:normAutofit fontScale="92500" lnSpcReduction="10000"/>
-          </a:bodyPr>
-          <a:lstStyle/>
-          <a:p>
-            <a:r>
-              <a:rPr lang="en-US" dirty="0"/>
-              <a:t>Q5. Experiment 1 includes the note:</a:t>
-            </a:r>
-          </a:p>
-          <a:p>
-            <a:pPr lvl="1"/>
-            <a:r>
-              <a:rPr lang="en-US" dirty="0"/>
-              <a:t>“Because of concern that people might resent having their romantic responses subjected to scientific observation, pilot subjects were carefully debriefed, revealing that all had expected that social contacts might follow from being in the public setting of the bar and that non resenting the brief intrusion of the research.  Thus this study was deemed to meet Cook and Campbell’s (1979, p. 369) criteria for an innocuous field experiment excluded from the ethical requirement of informed consent.”</a:t>
-            </a:r>
-          </a:p>
-          <a:p>
-            <a:r>
-              <a:rPr lang="en-US" dirty="0"/>
-              <a:t>This rational does not meet modern expectations for best practices for ethical research.  </a:t>
-            </a:r>
-          </a:p>
-          <a:p>
-            <a:r>
-              <a:rPr lang="en-US" dirty="0"/>
-              <a:t>If one were to propose some similar research today, what ethical issues would you expect the IRB to raise and how might a researcher address those?</a:t>
-            </a:r>
-          </a:p>
-          <a:p>
-            <a:endParaRPr lang="en-US" dirty="0"/>
-          </a:p>
-        </p:txBody>
-      </p:sp>
+      <p:pic>
+        <p:nvPicPr>
+          <p:cNvPr id="16" name="Content Placeholder 15">
+            <a:extLst>
+              <a:ext uri="{FF2B5EF4-FFF2-40B4-BE49-F238E27FC236}">
+                <a16:creationId xmlns:a16="http://schemas.microsoft.com/office/drawing/2014/main" id="{7A049B40-A642-14FF-1116-8FF145D444D4}"/>
+              </a:ext>
+            </a:extLst>
+          </p:cNvPr>
+          <p:cNvPicPr>
+            <a:picLocks noGrp="1" noChangeAspect="1"/>
+          </p:cNvPicPr>
+          <p:nvPr>
+            <p:ph sz="half" idx="2"/>
+          </p:nvPr>
+        </p:nvPicPr>
+        <p:blipFill>
+          <a:blip r:embed="rId2"/>
+          <a:stretch>
+            <a:fillRect/>
+          </a:stretch>
+        </p:blipFill>
+        <p:spPr>
+          <a:xfrm>
+            <a:off x="6231839" y="2014594"/>
+            <a:ext cx="4939081" cy="3876670"/>
+          </a:xfrm>
+        </p:spPr>
+      </p:pic>
+      <p:pic>
+        <p:nvPicPr>
+          <p:cNvPr id="20" name="Content Placeholder 19">
+            <a:extLst>
+              <a:ext uri="{FF2B5EF4-FFF2-40B4-BE49-F238E27FC236}">
+                <a16:creationId xmlns:a16="http://schemas.microsoft.com/office/drawing/2014/main" id="{27CE323B-DDB9-88D4-DAE3-5B00A34B2DDB}"/>
+              </a:ext>
+            </a:extLst>
+          </p:cNvPr>
+          <p:cNvPicPr>
+            <a:picLocks noGrp="1" noChangeAspect="1"/>
+          </p:cNvPicPr>
+          <p:nvPr>
+            <p:ph sz="half" idx="1"/>
+          </p:nvPr>
+        </p:nvPicPr>
+        <p:blipFill>
+          <a:blip r:embed="rId3"/>
+          <a:stretch>
+            <a:fillRect/>
+          </a:stretch>
+        </p:blipFill>
+        <p:spPr>
+          <a:xfrm>
+            <a:off x="838200" y="2014594"/>
+            <a:ext cx="5121962" cy="2511866"/>
+          </a:xfrm>
+        </p:spPr>
+      </p:pic>
+      <p:pic>
+        <p:nvPicPr>
+          <p:cNvPr id="22" name="Picture 21">
+            <a:extLst>
+              <a:ext uri="{FF2B5EF4-FFF2-40B4-BE49-F238E27FC236}">
+                <a16:creationId xmlns:a16="http://schemas.microsoft.com/office/drawing/2014/main" id="{ABDA710A-FC76-2C63-B6ED-A16A51D9FE3E}"/>
+              </a:ext>
+            </a:extLst>
+          </p:cNvPr>
+          <p:cNvPicPr>
+            <a:picLocks noChangeAspect="1"/>
+          </p:cNvPicPr>
+          <p:nvPr/>
+        </p:nvPicPr>
+        <p:blipFill>
+          <a:blip r:embed="rId4"/>
+          <a:stretch>
+            <a:fillRect/>
+          </a:stretch>
+        </p:blipFill>
+        <p:spPr>
+          <a:xfrm>
+            <a:off x="838200" y="4742497"/>
+            <a:ext cx="4969386" cy="1148767"/>
+          </a:xfrm>
+          <a:prstGeom prst="rect">
+            <a:avLst/>
+          </a:prstGeom>
+        </p:spPr>
+      </p:pic>
     </p:spTree>
     <p:extLst>
       <p:ext uri="{BB962C8B-B14F-4D97-AF65-F5344CB8AC3E}">
-        <p14:creationId xmlns:p14="http://schemas.microsoft.com/office/powerpoint/2010/main" val="715666943"/>
+        <p14:creationId xmlns:p14="http://schemas.microsoft.com/office/powerpoint/2010/main" val="3000547799"/>
       </p:ext>
     </p:extLst>
   </p:cSld>
